--- a/presentations/Presentation 1.pptx
+++ b/presentations/Presentation 1.pptx
@@ -5,16 +5,27 @@
     <p:sldMasterId id="2147483660" r:id="rId1"/>
   </p:sldMasterIdLst>
   <p:notesMasterIdLst>
-    <p:notesMasterId r:id="rId9"/>
+    <p:notesMasterId r:id="rId20"/>
   </p:notesMasterIdLst>
   <p:sldIdLst>
     <p:sldId id="257" r:id="rId2"/>
-    <p:sldId id="267" r:id="rId3"/>
-    <p:sldId id="268" r:id="rId4"/>
-    <p:sldId id="269" r:id="rId5"/>
-    <p:sldId id="259" r:id="rId6"/>
-    <p:sldId id="265" r:id="rId7"/>
-    <p:sldId id="266" r:id="rId8"/>
+    <p:sldId id="276" r:id="rId3"/>
+    <p:sldId id="277" r:id="rId4"/>
+    <p:sldId id="267" r:id="rId5"/>
+    <p:sldId id="268" r:id="rId6"/>
+    <p:sldId id="279" r:id="rId7"/>
+    <p:sldId id="278" r:id="rId8"/>
+    <p:sldId id="281" r:id="rId9"/>
+    <p:sldId id="280" r:id="rId10"/>
+    <p:sldId id="282" r:id="rId11"/>
+    <p:sldId id="283" r:id="rId12"/>
+    <p:sldId id="271" r:id="rId13"/>
+    <p:sldId id="272" r:id="rId14"/>
+    <p:sldId id="269" r:id="rId15"/>
+    <p:sldId id="270" r:id="rId16"/>
+    <p:sldId id="273" r:id="rId17"/>
+    <p:sldId id="274" r:id="rId18"/>
+    <p:sldId id="266" r:id="rId19"/>
   </p:sldIdLst>
   <p:sldSz cx="12192000" cy="6858000"/>
   <p:notesSz cx="6858000" cy="9144000"/>
@@ -244,7 +255,7 @@
           <a:p>
             <a:fld id="{17D25274-37D4-4A72-9B29-6574698FC8CA}" type="datetimeFigureOut">
               <a:rPr lang="en-IN" smtClean="0"/>
-              <a:t>07-06-2019</a:t>
+              <a:t>22-06-2019</a:t>
             </a:fld>
             <a:endParaRPr lang="en-IN"/>
           </a:p>
@@ -4433,7 +4444,7 @@
           <a:p>
             <a:fld id="{CB9FA82F-D473-46A5-8BC7-A7942AEE8F3B}" type="datetime5">
               <a:rPr lang="en-US" smtClean="0"/>
-              <a:t>7-Jun-19</a:t>
+              <a:t>22-Jun-19</a:t>
             </a:fld>
             <a:endParaRPr lang="en-US"/>
           </a:p>
@@ -6997,7 +7008,7 @@
           <a:p>
             <a:fld id="{4B0B904D-AEBE-49C7-950D-3C17536E0839}" type="datetime5">
               <a:rPr lang="en-US" smtClean="0"/>
-              <a:t>7-Jun-19</a:t>
+              <a:t>22-Jun-19</a:t>
             </a:fld>
             <a:endParaRPr lang="en-US"/>
           </a:p>
@@ -7883,7 +7894,7 @@
           <a:p>
             <a:fld id="{6C5FB85D-438A-4D76-BCB7-AE9121A73C56}" type="datetime5">
               <a:rPr lang="en-US" smtClean="0"/>
-              <a:t>7-Jun-19</a:t>
+              <a:t>22-Jun-19</a:t>
             </a:fld>
             <a:endParaRPr lang="en-US"/>
           </a:p>
@@ -13424,7 +13435,7 @@
           <a:p>
             <a:fld id="{DCF45396-6524-45DB-A24F-B95E51A83297}" type="datetime5">
               <a:rPr lang="en-US" smtClean="0"/>
-              <a:t>7-Jun-19</a:t>
+              <a:t>22-Jun-19</a:t>
             </a:fld>
             <a:endParaRPr lang="en-US"/>
           </a:p>
@@ -14001,7 +14012,2894 @@
 </p:sld>
 </file>
 
+<file path=ppt/slides/slide10.xml><?xml version="1.0" encoding="utf-8"?>
+<p:sld xmlns:a="http://schemas.openxmlformats.org/drawingml/2006/main" xmlns:r="http://schemas.openxmlformats.org/officeDocument/2006/relationships" xmlns:p="http://schemas.openxmlformats.org/presentationml/2006/main">
+  <p:cSld>
+    <p:spTree>
+      <p:nvGrpSpPr>
+        <p:cNvPr id="1" name=""/>
+        <p:cNvGrpSpPr/>
+        <p:nvPr/>
+      </p:nvGrpSpPr>
+      <p:grpSpPr>
+        <a:xfrm>
+          <a:off x="0" y="0"/>
+          <a:ext cx="0" cy="0"/>
+          <a:chOff x="0" y="0"/>
+          <a:chExt cx="0" cy="0"/>
+        </a:xfrm>
+      </p:grpSpPr>
+      <p:sp>
+        <p:nvSpPr>
+          <p:cNvPr id="2" name="Title 1">
+            <a:extLst>
+              <a:ext uri="{FF2B5EF4-FFF2-40B4-BE49-F238E27FC236}">
+                <a16:creationId xmlns:a16="http://schemas.microsoft.com/office/drawing/2014/main" id="{FD4F00BC-E088-4770-9A98-EC1BA014057C}"/>
+              </a:ext>
+            </a:extLst>
+          </p:cNvPr>
+          <p:cNvSpPr>
+            <a:spLocks noGrp="1"/>
+          </p:cNvSpPr>
+          <p:nvPr>
+            <p:ph type="title"/>
+          </p:nvPr>
+        </p:nvSpPr>
+        <p:spPr>
+          <a:xfrm>
+            <a:off x="838200" y="408160"/>
+            <a:ext cx="10515600" cy="1062422"/>
+          </a:xfrm>
+        </p:spPr>
+        <p:txBody>
+          <a:bodyPr>
+            <a:normAutofit/>
+          </a:bodyPr>
+          <a:lstStyle/>
+          <a:p>
+            <a:r>
+              <a:rPr lang="en-IN" sz="3600" b="1" dirty="0"/>
+              <a:t>Temporal Graph Algebra [5]</a:t>
+            </a:r>
+          </a:p>
+        </p:txBody>
+      </p:sp>
+      <p:sp>
+        <p:nvSpPr>
+          <p:cNvPr id="3" name="Content Placeholder 2">
+            <a:extLst>
+              <a:ext uri="{FF2B5EF4-FFF2-40B4-BE49-F238E27FC236}">
+                <a16:creationId xmlns:a16="http://schemas.microsoft.com/office/drawing/2014/main" id="{F2BA4931-BB16-41FF-9A16-D2B3975BBE09}"/>
+              </a:ext>
+            </a:extLst>
+          </p:cNvPr>
+          <p:cNvSpPr>
+            <a:spLocks noGrp="1"/>
+          </p:cNvSpPr>
+          <p:nvPr>
+            <p:ph idx="1"/>
+          </p:nvPr>
+        </p:nvSpPr>
+        <p:spPr>
+          <a:xfrm>
+            <a:off x="743932" y="1307150"/>
+            <a:ext cx="10515600" cy="5049201"/>
+          </a:xfrm>
+        </p:spPr>
+        <p:txBody>
+          <a:bodyPr/>
+          <a:lstStyle/>
+          <a:p>
+            <a:r>
+              <a:rPr lang="en-IN" dirty="0"/>
+              <a:t>TGraph – Temporal graph representation (relational model)</a:t>
+            </a:r>
+          </a:p>
+          <a:p>
+            <a:r>
+              <a:rPr lang="en-IN" dirty="0"/>
+              <a:t>TGA – Temporal graph algebra</a:t>
+            </a:r>
+          </a:p>
+          <a:p>
+            <a:r>
+              <a:rPr lang="en-IN" dirty="0"/>
+              <a:t>Point based semantics</a:t>
+            </a:r>
+          </a:p>
+          <a:p>
+            <a:endParaRPr lang="en-IN" dirty="0"/>
+          </a:p>
+        </p:txBody>
+      </p:sp>
+      <p:sp>
+        <p:nvSpPr>
+          <p:cNvPr id="4" name="Date Placeholder 3">
+            <a:extLst>
+              <a:ext uri="{FF2B5EF4-FFF2-40B4-BE49-F238E27FC236}">
+                <a16:creationId xmlns:a16="http://schemas.microsoft.com/office/drawing/2014/main" id="{D8EDDC8D-840C-4456-B161-8F581F9E158E}"/>
+              </a:ext>
+            </a:extLst>
+          </p:cNvPr>
+          <p:cNvSpPr>
+            <a:spLocks noGrp="1"/>
+          </p:cNvSpPr>
+          <p:nvPr>
+            <p:ph type="dt" sz="half" idx="10"/>
+          </p:nvPr>
+        </p:nvSpPr>
+        <p:spPr/>
+        <p:txBody>
+          <a:bodyPr/>
+          <a:lstStyle/>
+          <a:p>
+            <a:fld id="{CB9FA82F-D473-46A5-8BC7-A7942AEE8F3B}" type="datetime5">
+              <a:rPr lang="en-US" smtClean="0"/>
+              <a:t>22-Jun-19</a:t>
+            </a:fld>
+            <a:endParaRPr lang="en-US"/>
+          </a:p>
+        </p:txBody>
+      </p:sp>
+      <p:sp>
+        <p:nvSpPr>
+          <p:cNvPr id="5" name="Footer Placeholder 4">
+            <a:extLst>
+              <a:ext uri="{FF2B5EF4-FFF2-40B4-BE49-F238E27FC236}">
+                <a16:creationId xmlns:a16="http://schemas.microsoft.com/office/drawing/2014/main" id="{6A00339B-1394-4F56-937E-22F048E3F1D2}"/>
+              </a:ext>
+            </a:extLst>
+          </p:cNvPr>
+          <p:cNvSpPr>
+            <a:spLocks noGrp="1"/>
+          </p:cNvSpPr>
+          <p:nvPr>
+            <p:ph type="ftr" sz="quarter" idx="11"/>
+          </p:nvPr>
+        </p:nvSpPr>
+        <p:spPr/>
+        <p:txBody>
+          <a:bodyPr/>
+          <a:lstStyle/>
+          <a:p>
+            <a:r>
+              <a:rPr lang="en-US" dirty="0"/>
+              <a:t>Vera et. Al. DBPL 2017</a:t>
+            </a:r>
+          </a:p>
+        </p:txBody>
+      </p:sp>
+      <p:sp>
+        <p:nvSpPr>
+          <p:cNvPr id="6" name="Slide Number Placeholder 5">
+            <a:extLst>
+              <a:ext uri="{FF2B5EF4-FFF2-40B4-BE49-F238E27FC236}">
+                <a16:creationId xmlns:a16="http://schemas.microsoft.com/office/drawing/2014/main" id="{2C2ABF42-BE4E-4152-A873-F265B10395AF}"/>
+              </a:ext>
+            </a:extLst>
+          </p:cNvPr>
+          <p:cNvSpPr>
+            <a:spLocks noGrp="1"/>
+          </p:cNvSpPr>
+          <p:nvPr>
+            <p:ph type="sldNum" sz="quarter" idx="12"/>
+          </p:nvPr>
+        </p:nvSpPr>
+        <p:spPr/>
+        <p:txBody>
+          <a:bodyPr/>
+          <a:lstStyle/>
+          <a:p>
+            <a:fld id="{9EFCAA85-8796-4B17-9CA3-4CB18724EF60}" type="slidenum">
+              <a:rPr lang="en-US" smtClean="0"/>
+              <a:t>10</a:t>
+            </a:fld>
+            <a:endParaRPr lang="en-US"/>
+          </a:p>
+        </p:txBody>
+      </p:sp>
+      <p:pic>
+        <p:nvPicPr>
+          <p:cNvPr id="7" name="Picture 6">
+            <a:extLst>
+              <a:ext uri="{FF2B5EF4-FFF2-40B4-BE49-F238E27FC236}">
+                <a16:creationId xmlns:a16="http://schemas.microsoft.com/office/drawing/2014/main" id="{1EA5803D-B503-44CB-9BED-37562E2232DA}"/>
+              </a:ext>
+            </a:extLst>
+          </p:cNvPr>
+          <p:cNvPicPr>
+            <a:picLocks noChangeAspect="1"/>
+          </p:cNvPicPr>
+          <p:nvPr/>
+        </p:nvPicPr>
+        <p:blipFill>
+          <a:blip r:embed="rId2"/>
+          <a:stretch>
+            <a:fillRect/>
+          </a:stretch>
+        </p:blipFill>
+        <p:spPr>
+          <a:xfrm>
+            <a:off x="838200" y="2879758"/>
+            <a:ext cx="5829300" cy="3028950"/>
+          </a:xfrm>
+          <a:prstGeom prst="rect">
+            <a:avLst/>
+          </a:prstGeom>
+        </p:spPr>
+      </p:pic>
+      <p:sp>
+        <p:nvSpPr>
+          <p:cNvPr id="8" name="TextBox 7">
+            <a:extLst>
+              <a:ext uri="{FF2B5EF4-FFF2-40B4-BE49-F238E27FC236}">
+                <a16:creationId xmlns:a16="http://schemas.microsoft.com/office/drawing/2014/main" id="{D0035E11-30D6-44CA-891A-D4CF55D9D225}"/>
+              </a:ext>
+            </a:extLst>
+          </p:cNvPr>
+          <p:cNvSpPr txBox="1"/>
+          <p:nvPr/>
+        </p:nvSpPr>
+        <p:spPr>
+          <a:xfrm>
+            <a:off x="6966764" y="3038238"/>
+            <a:ext cx="4562217" cy="1200329"/>
+          </a:xfrm>
+          <a:prstGeom prst="rect">
+            <a:avLst/>
+          </a:prstGeom>
+          <a:noFill/>
+        </p:spPr>
+        <p:txBody>
+          <a:bodyPr wrap="square" rtlCol="0">
+            <a:spAutoFit/>
+          </a:bodyPr>
+          <a:lstStyle/>
+          <a:p>
+            <a:pPr marL="285750" indent="-285750">
+              <a:buFont typeface="Arial" panose="020B0604020202020204" pitchFamily="34" charset="0"/>
+              <a:buChar char="•"/>
+            </a:pPr>
+            <a:r>
+              <a:rPr lang="en-IN" dirty="0"/>
+              <a:t>Discretized time domain</a:t>
+            </a:r>
+          </a:p>
+          <a:p>
+            <a:pPr marL="285750" indent="-285750">
+              <a:buFont typeface="Arial" panose="020B0604020202020204" pitchFamily="34" charset="0"/>
+              <a:buChar char="•"/>
+            </a:pPr>
+            <a:r>
+              <a:rPr lang="en-IN" dirty="0"/>
+              <a:t>Two tables: TV and TE</a:t>
+            </a:r>
+          </a:p>
+          <a:p>
+            <a:pPr marL="285750" indent="-285750">
+              <a:buFont typeface="Arial" panose="020B0604020202020204" pitchFamily="34" charset="0"/>
+              <a:buChar char="•"/>
+            </a:pPr>
+            <a:r>
+              <a:rPr lang="en-IN" dirty="0"/>
+              <a:t>Point based semantics</a:t>
+            </a:r>
+          </a:p>
+          <a:p>
+            <a:pPr marL="285750" indent="-285750">
+              <a:buFont typeface="Arial" panose="020B0604020202020204" pitchFamily="34" charset="0"/>
+              <a:buChar char="•"/>
+            </a:pPr>
+            <a:r>
+              <a:rPr lang="en-IN" dirty="0"/>
+              <a:t>Provides different constraints on relations</a:t>
+            </a:r>
+          </a:p>
+        </p:txBody>
+      </p:sp>
+    </p:spTree>
+    <p:extLst>
+      <p:ext uri="{BB962C8B-B14F-4D97-AF65-F5344CB8AC3E}">
+        <p14:creationId xmlns:p14="http://schemas.microsoft.com/office/powerpoint/2010/main" val="3237061355"/>
+      </p:ext>
+    </p:extLst>
+  </p:cSld>
+  <p:clrMapOvr>
+    <a:masterClrMapping/>
+  </p:clrMapOvr>
+</p:sld>
+</file>
+
+<file path=ppt/slides/slide11.xml><?xml version="1.0" encoding="utf-8"?>
+<p:sld xmlns:a="http://schemas.openxmlformats.org/drawingml/2006/main" xmlns:r="http://schemas.openxmlformats.org/officeDocument/2006/relationships" xmlns:p="http://schemas.openxmlformats.org/presentationml/2006/main">
+  <p:cSld>
+    <p:spTree>
+      <p:nvGrpSpPr>
+        <p:cNvPr id="1" name=""/>
+        <p:cNvGrpSpPr/>
+        <p:nvPr/>
+      </p:nvGrpSpPr>
+      <p:grpSpPr>
+        <a:xfrm>
+          <a:off x="0" y="0"/>
+          <a:ext cx="0" cy="0"/>
+          <a:chOff x="0" y="0"/>
+          <a:chExt cx="0" cy="0"/>
+        </a:xfrm>
+      </p:grpSpPr>
+      <p:sp>
+        <p:nvSpPr>
+          <p:cNvPr id="2" name="Title 1">
+            <a:extLst>
+              <a:ext uri="{FF2B5EF4-FFF2-40B4-BE49-F238E27FC236}">
+                <a16:creationId xmlns:a16="http://schemas.microsoft.com/office/drawing/2014/main" id="{E7475DE1-1603-4BDF-9FED-750E57D00317}"/>
+              </a:ext>
+            </a:extLst>
+          </p:cNvPr>
+          <p:cNvSpPr>
+            <a:spLocks noGrp="1"/>
+          </p:cNvSpPr>
+          <p:nvPr>
+            <p:ph type="title"/>
+          </p:nvPr>
+        </p:nvSpPr>
+        <p:spPr>
+          <a:xfrm>
+            <a:off x="838200" y="408160"/>
+            <a:ext cx="10515600" cy="845606"/>
+          </a:xfrm>
+        </p:spPr>
+        <p:txBody>
+          <a:bodyPr>
+            <a:normAutofit/>
+          </a:bodyPr>
+          <a:lstStyle/>
+          <a:p>
+            <a:r>
+              <a:rPr lang="en-IN" sz="4000" b="1" dirty="0"/>
+              <a:t>Temporal Graph Algebra [5]</a:t>
+            </a:r>
+            <a:endParaRPr lang="en-IN" sz="4000" dirty="0"/>
+          </a:p>
+        </p:txBody>
+      </p:sp>
+      <p:sp>
+        <p:nvSpPr>
+          <p:cNvPr id="3" name="Content Placeholder 2">
+            <a:extLst>
+              <a:ext uri="{FF2B5EF4-FFF2-40B4-BE49-F238E27FC236}">
+                <a16:creationId xmlns:a16="http://schemas.microsoft.com/office/drawing/2014/main" id="{AC7C3D08-0A71-4F4A-9D19-27430EFA0FC1}"/>
+              </a:ext>
+            </a:extLst>
+          </p:cNvPr>
+          <p:cNvSpPr>
+            <a:spLocks noGrp="1"/>
+          </p:cNvSpPr>
+          <p:nvPr>
+            <p:ph idx="1"/>
+          </p:nvPr>
+        </p:nvSpPr>
+        <p:spPr>
+          <a:xfrm>
+            <a:off x="838200" y="1253766"/>
+            <a:ext cx="10515600" cy="4939644"/>
+          </a:xfrm>
+        </p:spPr>
+        <p:txBody>
+          <a:bodyPr/>
+          <a:lstStyle/>
+          <a:p>
+            <a:r>
+              <a:rPr lang="en-IN" dirty="0"/>
+              <a:t>Temporal Graph Algebra Operators</a:t>
+            </a:r>
+          </a:p>
+          <a:p>
+            <a:pPr lvl="1"/>
+            <a:r>
+              <a:rPr lang="en-IN" dirty="0"/>
+              <a:t>Trim (Filter nodes and edges)</a:t>
+            </a:r>
+          </a:p>
+          <a:p>
+            <a:pPr lvl="1"/>
+            <a:r>
+              <a:rPr lang="en-IN" dirty="0"/>
+              <a:t>Map (transform vertex/edges with properties using a given function)</a:t>
+            </a:r>
+          </a:p>
+          <a:p>
+            <a:pPr lvl="1"/>
+            <a:r>
+              <a:rPr lang="en-IN" dirty="0"/>
+              <a:t>Subgraph (pattern matching)</a:t>
+            </a:r>
+          </a:p>
+          <a:p>
+            <a:pPr lvl="1"/>
+            <a:r>
+              <a:rPr lang="en-IN" dirty="0"/>
+              <a:t>Aggregation (group by)</a:t>
+            </a:r>
+          </a:p>
+          <a:p>
+            <a:pPr lvl="1"/>
+            <a:r>
+              <a:rPr lang="en-IN" dirty="0"/>
+              <a:t>Set based (Union and Intersection)</a:t>
+            </a:r>
+          </a:p>
+          <a:p>
+            <a:pPr lvl="1"/>
+            <a:r>
+              <a:rPr lang="en-IN" dirty="0"/>
+              <a:t>Node and edge creation</a:t>
+            </a:r>
+          </a:p>
+          <a:p>
+            <a:r>
+              <a:rPr lang="en-IN" dirty="0"/>
+              <a:t>Formal Temporal Properties</a:t>
+            </a:r>
+          </a:p>
+          <a:p>
+            <a:pPr lvl="1"/>
+            <a:r>
+              <a:rPr lang="en-IN" dirty="0"/>
+              <a:t>Temporal groupedness</a:t>
+            </a:r>
+          </a:p>
+          <a:p>
+            <a:pPr lvl="1"/>
+            <a:r>
+              <a:rPr lang="en-IN" dirty="0"/>
+              <a:t>Temporal completeness</a:t>
+            </a:r>
+          </a:p>
+          <a:p>
+            <a:pPr lvl="1"/>
+            <a:endParaRPr lang="en-IN" dirty="0"/>
+          </a:p>
+        </p:txBody>
+      </p:sp>
+      <p:sp>
+        <p:nvSpPr>
+          <p:cNvPr id="4" name="Date Placeholder 3">
+            <a:extLst>
+              <a:ext uri="{FF2B5EF4-FFF2-40B4-BE49-F238E27FC236}">
+                <a16:creationId xmlns:a16="http://schemas.microsoft.com/office/drawing/2014/main" id="{DA0A6693-DBD1-4521-A11B-2582FBE88968}"/>
+              </a:ext>
+            </a:extLst>
+          </p:cNvPr>
+          <p:cNvSpPr>
+            <a:spLocks noGrp="1"/>
+          </p:cNvSpPr>
+          <p:nvPr>
+            <p:ph type="dt" sz="half" idx="10"/>
+          </p:nvPr>
+        </p:nvSpPr>
+        <p:spPr/>
+        <p:txBody>
+          <a:bodyPr/>
+          <a:lstStyle/>
+          <a:p>
+            <a:fld id="{CB9FA82F-D473-46A5-8BC7-A7942AEE8F3B}" type="datetime5">
+              <a:rPr lang="en-US" smtClean="0"/>
+              <a:t>22-Jun-19</a:t>
+            </a:fld>
+            <a:endParaRPr lang="en-US"/>
+          </a:p>
+        </p:txBody>
+      </p:sp>
+      <p:sp>
+        <p:nvSpPr>
+          <p:cNvPr id="5" name="Footer Placeholder 4">
+            <a:extLst>
+              <a:ext uri="{FF2B5EF4-FFF2-40B4-BE49-F238E27FC236}">
+                <a16:creationId xmlns:a16="http://schemas.microsoft.com/office/drawing/2014/main" id="{D2B956F4-2373-47F9-9D50-14EC99FCC0B0}"/>
+              </a:ext>
+            </a:extLst>
+          </p:cNvPr>
+          <p:cNvSpPr>
+            <a:spLocks noGrp="1"/>
+          </p:cNvSpPr>
+          <p:nvPr>
+            <p:ph type="ftr" sz="quarter" idx="11"/>
+          </p:nvPr>
+        </p:nvSpPr>
+        <p:spPr>
+          <a:xfrm>
+            <a:off x="2455333" y="6492875"/>
+            <a:ext cx="7450667" cy="365125"/>
+          </a:xfrm>
+        </p:spPr>
+        <p:txBody>
+          <a:bodyPr/>
+          <a:lstStyle/>
+          <a:p>
+            <a:r>
+              <a:rPr lang="en-US" dirty="0"/>
+              <a:t>Vera et. Al. DBPL 2017</a:t>
+            </a:r>
+          </a:p>
+          <a:p>
+            <a:endParaRPr lang="en-US" dirty="0"/>
+          </a:p>
+        </p:txBody>
+      </p:sp>
+      <p:sp>
+        <p:nvSpPr>
+          <p:cNvPr id="6" name="Slide Number Placeholder 5">
+            <a:extLst>
+              <a:ext uri="{FF2B5EF4-FFF2-40B4-BE49-F238E27FC236}">
+                <a16:creationId xmlns:a16="http://schemas.microsoft.com/office/drawing/2014/main" id="{23FA9265-01B1-43AA-BD05-F7D975F96569}"/>
+              </a:ext>
+            </a:extLst>
+          </p:cNvPr>
+          <p:cNvSpPr>
+            <a:spLocks noGrp="1"/>
+          </p:cNvSpPr>
+          <p:nvPr>
+            <p:ph type="sldNum" sz="quarter" idx="12"/>
+          </p:nvPr>
+        </p:nvSpPr>
+        <p:spPr/>
+        <p:txBody>
+          <a:bodyPr/>
+          <a:lstStyle/>
+          <a:p>
+            <a:fld id="{9EFCAA85-8796-4B17-9CA3-4CB18724EF60}" type="slidenum">
+              <a:rPr lang="en-US" smtClean="0"/>
+              <a:t>11</a:t>
+            </a:fld>
+            <a:endParaRPr lang="en-US"/>
+          </a:p>
+        </p:txBody>
+      </p:sp>
+    </p:spTree>
+    <p:extLst>
+      <p:ext uri="{BB962C8B-B14F-4D97-AF65-F5344CB8AC3E}">
+        <p14:creationId xmlns:p14="http://schemas.microsoft.com/office/powerpoint/2010/main" val="3503824347"/>
+      </p:ext>
+    </p:extLst>
+  </p:cSld>
+  <p:clrMapOvr>
+    <a:masterClrMapping/>
+  </p:clrMapOvr>
+</p:sld>
+</file>
+
+<file path=ppt/slides/slide12.xml><?xml version="1.0" encoding="utf-8"?>
+<p:sld xmlns:a="http://schemas.openxmlformats.org/drawingml/2006/main" xmlns:r="http://schemas.openxmlformats.org/officeDocument/2006/relationships" xmlns:p="http://schemas.openxmlformats.org/presentationml/2006/main" show="0">
+  <p:cSld>
+    <p:spTree>
+      <p:nvGrpSpPr>
+        <p:cNvPr id="1" name=""/>
+        <p:cNvGrpSpPr/>
+        <p:nvPr/>
+      </p:nvGrpSpPr>
+      <p:grpSpPr>
+        <a:xfrm>
+          <a:off x="0" y="0"/>
+          <a:ext cx="0" cy="0"/>
+          <a:chOff x="0" y="0"/>
+          <a:chExt cx="0" cy="0"/>
+        </a:xfrm>
+      </p:grpSpPr>
+      <p:sp>
+        <p:nvSpPr>
+          <p:cNvPr id="2" name="Title 1">
+            <a:extLst>
+              <a:ext uri="{FF2B5EF4-FFF2-40B4-BE49-F238E27FC236}">
+                <a16:creationId xmlns:a16="http://schemas.microsoft.com/office/drawing/2014/main" id="{12641FC7-6CB3-470D-900D-3C8333F767DB}"/>
+              </a:ext>
+            </a:extLst>
+          </p:cNvPr>
+          <p:cNvSpPr>
+            <a:spLocks noGrp="1"/>
+          </p:cNvSpPr>
+          <p:nvPr>
+            <p:ph type="title"/>
+          </p:nvPr>
+        </p:nvSpPr>
+        <p:spPr>
+          <a:xfrm>
+            <a:off x="771208" y="408159"/>
+            <a:ext cx="10785049" cy="1325563"/>
+          </a:xfrm>
+        </p:spPr>
+        <p:txBody>
+          <a:bodyPr>
+            <a:normAutofit/>
+          </a:bodyPr>
+          <a:lstStyle/>
+          <a:p>
+            <a:r>
+              <a:rPr lang="en-US" sz="3600" b="1" dirty="0"/>
+              <a:t>The Gremlin Graph Traversal Machine and Language [2]</a:t>
+            </a:r>
+            <a:endParaRPr lang="en-IN" sz="3600" dirty="0"/>
+          </a:p>
+        </p:txBody>
+      </p:sp>
+      <p:sp>
+        <p:nvSpPr>
+          <p:cNvPr id="3" name="Content Placeholder 2">
+            <a:extLst>
+              <a:ext uri="{FF2B5EF4-FFF2-40B4-BE49-F238E27FC236}">
+                <a16:creationId xmlns:a16="http://schemas.microsoft.com/office/drawing/2014/main" id="{F214B3A2-2C06-4A49-AD1A-A8FC02FC4BC7}"/>
+              </a:ext>
+            </a:extLst>
+          </p:cNvPr>
+          <p:cNvSpPr>
+            <a:spLocks noGrp="1"/>
+          </p:cNvSpPr>
+          <p:nvPr>
+            <p:ph idx="1"/>
+          </p:nvPr>
+        </p:nvSpPr>
+        <p:spPr>
+          <a:xfrm>
+            <a:off x="838199" y="1618236"/>
+            <a:ext cx="10515600" cy="4530726"/>
+          </a:xfrm>
+        </p:spPr>
+        <p:txBody>
+          <a:bodyPr/>
+          <a:lstStyle/>
+          <a:p>
+            <a:r>
+              <a:rPr lang="en-IN" dirty="0"/>
+              <a:t>Supports Graph traversal and pattern matching queries.</a:t>
+            </a:r>
+          </a:p>
+          <a:p>
+            <a:r>
+              <a:rPr lang="en-IN" dirty="0"/>
+              <a:t>Composed of a Graph, a traversal and set of traversers.</a:t>
+            </a:r>
+          </a:p>
+          <a:p>
+            <a:r>
+              <a:rPr lang="en-IN" dirty="0"/>
+              <a:t>Traversal language consists of map, flatMap, filter, sideEffect &amp; branch</a:t>
+            </a:r>
+          </a:p>
+          <a:p>
+            <a:r>
+              <a:rPr lang="en-IN" dirty="0"/>
+              <a:t>Traversers are isolated entities with their own state.</a:t>
+            </a:r>
+          </a:p>
+          <a:p>
+            <a:r>
+              <a:rPr lang="en-IN" dirty="0"/>
+              <a:t>Traverser set can grow and shrink. If multiple options are met, then all options are taken.</a:t>
+            </a:r>
+          </a:p>
+          <a:p>
+            <a:r>
+              <a:rPr lang="en-IN" i="1" dirty="0"/>
+              <a:t>Bulking</a:t>
+            </a:r>
+            <a:r>
+              <a:rPr lang="en-IN" dirty="0"/>
+              <a:t> collapses a traverser set constrained to an upper limit.</a:t>
+            </a:r>
+          </a:p>
+          <a:p>
+            <a:r>
+              <a:rPr lang="en-IN" dirty="0"/>
+              <a:t>Can be run on top of any OLTP/OLAP graph processor.</a:t>
+            </a:r>
+          </a:p>
+          <a:p>
+            <a:endParaRPr lang="en-IN" dirty="0"/>
+          </a:p>
+        </p:txBody>
+      </p:sp>
+      <p:sp>
+        <p:nvSpPr>
+          <p:cNvPr id="4" name="Date Placeholder 3">
+            <a:extLst>
+              <a:ext uri="{FF2B5EF4-FFF2-40B4-BE49-F238E27FC236}">
+                <a16:creationId xmlns:a16="http://schemas.microsoft.com/office/drawing/2014/main" id="{C899B5E5-453F-48CF-A3E1-D8A2E27A6969}"/>
+              </a:ext>
+            </a:extLst>
+          </p:cNvPr>
+          <p:cNvSpPr>
+            <a:spLocks noGrp="1"/>
+          </p:cNvSpPr>
+          <p:nvPr>
+            <p:ph type="dt" sz="half" idx="10"/>
+          </p:nvPr>
+        </p:nvSpPr>
+        <p:spPr/>
+        <p:txBody>
+          <a:bodyPr/>
+          <a:lstStyle/>
+          <a:p>
+            <a:fld id="{CB9FA82F-D473-46A5-8BC7-A7942AEE8F3B}" type="datetime5">
+              <a:rPr lang="en-US" smtClean="0"/>
+              <a:t>22-Jun-19</a:t>
+            </a:fld>
+            <a:endParaRPr lang="en-US"/>
+          </a:p>
+        </p:txBody>
+      </p:sp>
+      <p:sp>
+        <p:nvSpPr>
+          <p:cNvPr id="5" name="Footer Placeholder 4">
+            <a:extLst>
+              <a:ext uri="{FF2B5EF4-FFF2-40B4-BE49-F238E27FC236}">
+                <a16:creationId xmlns:a16="http://schemas.microsoft.com/office/drawing/2014/main" id="{30C367FE-A953-4BC4-89B0-48905CF2DC50}"/>
+              </a:ext>
+            </a:extLst>
+          </p:cNvPr>
+          <p:cNvSpPr>
+            <a:spLocks noGrp="1"/>
+          </p:cNvSpPr>
+          <p:nvPr>
+            <p:ph type="ftr" sz="quarter" idx="11"/>
+          </p:nvPr>
+        </p:nvSpPr>
+        <p:spPr/>
+        <p:txBody>
+          <a:bodyPr/>
+          <a:lstStyle/>
+          <a:p>
+            <a:r>
+              <a:rPr lang="en-IN" dirty="0"/>
+              <a:t>Marko A. Rodriguez,  ACM DBPL Conference 2015</a:t>
+            </a:r>
+            <a:endParaRPr lang="en-US" dirty="0"/>
+          </a:p>
+        </p:txBody>
+      </p:sp>
+      <p:sp>
+        <p:nvSpPr>
+          <p:cNvPr id="6" name="Slide Number Placeholder 5">
+            <a:extLst>
+              <a:ext uri="{FF2B5EF4-FFF2-40B4-BE49-F238E27FC236}">
+                <a16:creationId xmlns:a16="http://schemas.microsoft.com/office/drawing/2014/main" id="{55B6486A-2230-41ED-89ED-A1C362101B24}"/>
+              </a:ext>
+            </a:extLst>
+          </p:cNvPr>
+          <p:cNvSpPr>
+            <a:spLocks noGrp="1"/>
+          </p:cNvSpPr>
+          <p:nvPr>
+            <p:ph type="sldNum" sz="quarter" idx="12"/>
+          </p:nvPr>
+        </p:nvSpPr>
+        <p:spPr/>
+        <p:txBody>
+          <a:bodyPr/>
+          <a:lstStyle/>
+          <a:p>
+            <a:fld id="{9EFCAA85-8796-4B17-9CA3-4CB18724EF60}" type="slidenum">
+              <a:rPr lang="en-US" smtClean="0"/>
+              <a:t>12</a:t>
+            </a:fld>
+            <a:endParaRPr lang="en-US"/>
+          </a:p>
+        </p:txBody>
+      </p:sp>
+    </p:spTree>
+    <p:extLst>
+      <p:ext uri="{BB962C8B-B14F-4D97-AF65-F5344CB8AC3E}">
+        <p14:creationId xmlns:p14="http://schemas.microsoft.com/office/powerpoint/2010/main" val="485437461"/>
+      </p:ext>
+    </p:extLst>
+  </p:cSld>
+  <p:clrMapOvr>
+    <a:masterClrMapping/>
+  </p:clrMapOvr>
+</p:sld>
+</file>
+
+<file path=ppt/slides/slide13.xml><?xml version="1.0" encoding="utf-8"?>
+<p:sld xmlns:a="http://schemas.openxmlformats.org/drawingml/2006/main" xmlns:r="http://schemas.openxmlformats.org/officeDocument/2006/relationships" xmlns:p="http://schemas.openxmlformats.org/presentationml/2006/main" show="0">
+  <p:cSld>
+    <p:spTree>
+      <p:nvGrpSpPr>
+        <p:cNvPr id="1" name=""/>
+        <p:cNvGrpSpPr/>
+        <p:nvPr/>
+      </p:nvGrpSpPr>
+      <p:grpSpPr>
+        <a:xfrm>
+          <a:off x="0" y="0"/>
+          <a:ext cx="0" cy="0"/>
+          <a:chOff x="0" y="0"/>
+          <a:chExt cx="0" cy="0"/>
+        </a:xfrm>
+      </p:grpSpPr>
+      <p:sp>
+        <p:nvSpPr>
+          <p:cNvPr id="2" name="Title 1">
+            <a:extLst>
+              <a:ext uri="{FF2B5EF4-FFF2-40B4-BE49-F238E27FC236}">
+                <a16:creationId xmlns:a16="http://schemas.microsoft.com/office/drawing/2014/main" id="{12641FC7-6CB3-470D-900D-3C8333F767DB}"/>
+              </a:ext>
+            </a:extLst>
+          </p:cNvPr>
+          <p:cNvSpPr>
+            <a:spLocks noGrp="1"/>
+          </p:cNvSpPr>
+          <p:nvPr>
+            <p:ph type="title"/>
+          </p:nvPr>
+        </p:nvSpPr>
+        <p:spPr>
+          <a:xfrm>
+            <a:off x="771208" y="408159"/>
+            <a:ext cx="10785049" cy="1325563"/>
+          </a:xfrm>
+        </p:spPr>
+        <p:txBody>
+          <a:bodyPr>
+            <a:normAutofit/>
+          </a:bodyPr>
+          <a:lstStyle/>
+          <a:p>
+            <a:r>
+              <a:rPr lang="en-US" sz="3600" b="1" dirty="0"/>
+              <a:t>The Gremlin Graph Traversal Machine and Language [3]</a:t>
+            </a:r>
+            <a:endParaRPr lang="en-IN" sz="3600" dirty="0"/>
+          </a:p>
+        </p:txBody>
+      </p:sp>
+      <p:sp>
+        <p:nvSpPr>
+          <p:cNvPr id="3" name="Content Placeholder 2">
+            <a:extLst>
+              <a:ext uri="{FF2B5EF4-FFF2-40B4-BE49-F238E27FC236}">
+                <a16:creationId xmlns:a16="http://schemas.microsoft.com/office/drawing/2014/main" id="{F214B3A2-2C06-4A49-AD1A-A8FC02FC4BC7}"/>
+              </a:ext>
+            </a:extLst>
+          </p:cNvPr>
+          <p:cNvSpPr>
+            <a:spLocks noGrp="1"/>
+          </p:cNvSpPr>
+          <p:nvPr>
+            <p:ph idx="1"/>
+          </p:nvPr>
+        </p:nvSpPr>
+        <p:spPr>
+          <a:xfrm>
+            <a:off x="838199" y="1618236"/>
+            <a:ext cx="10515600" cy="4530726"/>
+          </a:xfrm>
+        </p:spPr>
+        <p:txBody>
+          <a:bodyPr/>
+          <a:lstStyle/>
+          <a:p>
+            <a:r>
+              <a:rPr lang="en-IN" dirty="0"/>
+              <a:t>Traversal Strategies</a:t>
+            </a:r>
+          </a:p>
+          <a:p>
+            <a:pPr lvl="1"/>
+            <a:r>
+              <a:rPr lang="en-IN" dirty="0"/>
+              <a:t>Decoration (E.g. </a:t>
+            </a:r>
+            <a:r>
+              <a:rPr lang="en-IN" dirty="0" err="1"/>
+              <a:t>ConjunctionStrategy</a:t>
+            </a:r>
+            <a:r>
+              <a:rPr lang="en-IN" dirty="0"/>
+              <a:t>)</a:t>
+            </a:r>
+          </a:p>
+          <a:p>
+            <a:pPr lvl="1"/>
+            <a:r>
+              <a:rPr lang="en-IN" dirty="0"/>
+              <a:t>Optimization (E.g. </a:t>
+            </a:r>
+            <a:r>
+              <a:rPr lang="en-IN" dirty="0" err="1"/>
+              <a:t>IncidentToAdjacentStrategy</a:t>
+            </a:r>
+            <a:r>
+              <a:rPr lang="en-IN" dirty="0"/>
+              <a:t>)</a:t>
+            </a:r>
+          </a:p>
+          <a:p>
+            <a:pPr lvl="1"/>
+            <a:r>
+              <a:rPr lang="en-IN" dirty="0"/>
+              <a:t>Vendor Optimization (E.g. </a:t>
+            </a:r>
+            <a:r>
+              <a:rPr lang="en-IN" dirty="0" err="1"/>
+              <a:t>XGraphStepStrategy</a:t>
+            </a:r>
+            <a:r>
+              <a:rPr lang="en-IN" dirty="0"/>
+              <a:t>)</a:t>
+            </a:r>
+          </a:p>
+          <a:p>
+            <a:pPr lvl="1"/>
+            <a:r>
+              <a:rPr lang="en-IN" dirty="0"/>
+              <a:t>Finalization (E.g. </a:t>
+            </a:r>
+            <a:r>
+              <a:rPr lang="en-IN" dirty="0" err="1"/>
+              <a:t>ProfileStrategy</a:t>
+            </a:r>
+            <a:r>
+              <a:rPr lang="en-IN" dirty="0"/>
+              <a:t>)</a:t>
+            </a:r>
+          </a:p>
+          <a:p>
+            <a:pPr lvl="1"/>
+            <a:r>
+              <a:rPr lang="en-IN" dirty="0"/>
+              <a:t>Verification (E.g. </a:t>
+            </a:r>
+            <a:r>
+              <a:rPr lang="en-IN" dirty="0" err="1"/>
+              <a:t>ComputerVerificationStrategy</a:t>
+            </a:r>
+            <a:r>
+              <a:rPr lang="en-IN" dirty="0"/>
+              <a:t>)</a:t>
+            </a:r>
+          </a:p>
+          <a:p>
+            <a:r>
+              <a:rPr lang="en-IN" dirty="0"/>
+              <a:t>Vertex Centric BSP model for computation</a:t>
+            </a:r>
+          </a:p>
+          <a:p>
+            <a:pPr lvl="1"/>
+            <a:r>
+              <a:rPr lang="en-IN" dirty="0"/>
+              <a:t>Vertices receive traversers and execute traversal step on each traverser</a:t>
+            </a:r>
+          </a:p>
+          <a:p>
+            <a:pPr lvl="1"/>
+            <a:r>
+              <a:rPr lang="en-IN" dirty="0"/>
+              <a:t>Vertices save the state of halted traversers</a:t>
+            </a:r>
+          </a:p>
+          <a:p>
+            <a:pPr lvl="1"/>
+            <a:r>
+              <a:rPr lang="en-IN" dirty="0"/>
+              <a:t>Sends message to respective next vertices of traversers</a:t>
+            </a:r>
+          </a:p>
+        </p:txBody>
+      </p:sp>
+      <p:sp>
+        <p:nvSpPr>
+          <p:cNvPr id="4" name="Date Placeholder 3">
+            <a:extLst>
+              <a:ext uri="{FF2B5EF4-FFF2-40B4-BE49-F238E27FC236}">
+                <a16:creationId xmlns:a16="http://schemas.microsoft.com/office/drawing/2014/main" id="{C899B5E5-453F-48CF-A3E1-D8A2E27A6969}"/>
+              </a:ext>
+            </a:extLst>
+          </p:cNvPr>
+          <p:cNvSpPr>
+            <a:spLocks noGrp="1"/>
+          </p:cNvSpPr>
+          <p:nvPr>
+            <p:ph type="dt" sz="half" idx="10"/>
+          </p:nvPr>
+        </p:nvSpPr>
+        <p:spPr/>
+        <p:txBody>
+          <a:bodyPr/>
+          <a:lstStyle/>
+          <a:p>
+            <a:fld id="{CB9FA82F-D473-46A5-8BC7-A7942AEE8F3B}" type="datetime5">
+              <a:rPr lang="en-US" smtClean="0"/>
+              <a:t>22-Jun-19</a:t>
+            </a:fld>
+            <a:endParaRPr lang="en-US"/>
+          </a:p>
+        </p:txBody>
+      </p:sp>
+      <p:sp>
+        <p:nvSpPr>
+          <p:cNvPr id="5" name="Footer Placeholder 4">
+            <a:extLst>
+              <a:ext uri="{FF2B5EF4-FFF2-40B4-BE49-F238E27FC236}">
+                <a16:creationId xmlns:a16="http://schemas.microsoft.com/office/drawing/2014/main" id="{30C367FE-A953-4BC4-89B0-48905CF2DC50}"/>
+              </a:ext>
+            </a:extLst>
+          </p:cNvPr>
+          <p:cNvSpPr>
+            <a:spLocks noGrp="1"/>
+          </p:cNvSpPr>
+          <p:nvPr>
+            <p:ph type="ftr" sz="quarter" idx="11"/>
+          </p:nvPr>
+        </p:nvSpPr>
+        <p:spPr/>
+        <p:txBody>
+          <a:bodyPr/>
+          <a:lstStyle/>
+          <a:p>
+            <a:r>
+              <a:rPr lang="en-IN" dirty="0"/>
+              <a:t>Marko A. Rodriguez,  ACM DBPL Conference 2015</a:t>
+            </a:r>
+            <a:endParaRPr lang="en-US" dirty="0"/>
+          </a:p>
+        </p:txBody>
+      </p:sp>
+      <p:sp>
+        <p:nvSpPr>
+          <p:cNvPr id="6" name="Slide Number Placeholder 5">
+            <a:extLst>
+              <a:ext uri="{FF2B5EF4-FFF2-40B4-BE49-F238E27FC236}">
+                <a16:creationId xmlns:a16="http://schemas.microsoft.com/office/drawing/2014/main" id="{55B6486A-2230-41ED-89ED-A1C362101B24}"/>
+              </a:ext>
+            </a:extLst>
+          </p:cNvPr>
+          <p:cNvSpPr>
+            <a:spLocks noGrp="1"/>
+          </p:cNvSpPr>
+          <p:nvPr>
+            <p:ph type="sldNum" sz="quarter" idx="12"/>
+          </p:nvPr>
+        </p:nvSpPr>
+        <p:spPr/>
+        <p:txBody>
+          <a:bodyPr/>
+          <a:lstStyle/>
+          <a:p>
+            <a:fld id="{9EFCAA85-8796-4B17-9CA3-4CB18724EF60}" type="slidenum">
+              <a:rPr lang="en-US" smtClean="0"/>
+              <a:t>13</a:t>
+            </a:fld>
+            <a:endParaRPr lang="en-US"/>
+          </a:p>
+        </p:txBody>
+      </p:sp>
+    </p:spTree>
+    <p:extLst>
+      <p:ext uri="{BB962C8B-B14F-4D97-AF65-F5344CB8AC3E}">
+        <p14:creationId xmlns:p14="http://schemas.microsoft.com/office/powerpoint/2010/main" val="1380533908"/>
+      </p:ext>
+    </p:extLst>
+  </p:cSld>
+  <p:clrMapOvr>
+    <a:masterClrMapping/>
+  </p:clrMapOvr>
+</p:sld>
+</file>
+
+<file path=ppt/slides/slide14.xml><?xml version="1.0" encoding="utf-8"?>
+<p:sld xmlns:a="http://schemas.openxmlformats.org/drawingml/2006/main" xmlns:r="http://schemas.openxmlformats.org/officeDocument/2006/relationships" xmlns:p="http://schemas.openxmlformats.org/presentationml/2006/main" show="0">
+  <p:cSld>
+    <p:spTree>
+      <p:nvGrpSpPr>
+        <p:cNvPr id="1" name=""/>
+        <p:cNvGrpSpPr/>
+        <p:nvPr/>
+      </p:nvGrpSpPr>
+      <p:grpSpPr>
+        <a:xfrm>
+          <a:off x="0" y="0"/>
+          <a:ext cx="0" cy="0"/>
+          <a:chOff x="0" y="0"/>
+          <a:chExt cx="0" cy="0"/>
+        </a:xfrm>
+      </p:grpSpPr>
+      <p:sp>
+        <p:nvSpPr>
+          <p:cNvPr id="2" name="Title 1">
+            <a:extLst>
+              <a:ext uri="{FF2B5EF4-FFF2-40B4-BE49-F238E27FC236}">
+                <a16:creationId xmlns:a16="http://schemas.microsoft.com/office/drawing/2014/main" id="{A02ED736-D47A-4506-934D-D1236CA7CFE8}"/>
+              </a:ext>
+            </a:extLst>
+          </p:cNvPr>
+          <p:cNvSpPr>
+            <a:spLocks noGrp="1"/>
+          </p:cNvSpPr>
+          <p:nvPr>
+            <p:ph type="title"/>
+          </p:nvPr>
+        </p:nvSpPr>
+        <p:spPr>
+          <a:xfrm>
+            <a:off x="838199" y="408159"/>
+            <a:ext cx="10737915" cy="1325563"/>
+          </a:xfrm>
+        </p:spPr>
+        <p:txBody>
+          <a:bodyPr>
+            <a:normAutofit fontScale="90000"/>
+          </a:bodyPr>
+          <a:lstStyle/>
+          <a:p>
+            <a:r>
+              <a:rPr lang="en-IN" b="1" dirty="0"/>
+              <a:t>Automatic Algorithm Transformation for Efficient</a:t>
+            </a:r>
+            <a:br>
+              <a:rPr lang="en-IN" b="1" dirty="0"/>
+            </a:br>
+            <a:r>
+              <a:rPr lang="en-IN" b="1" dirty="0"/>
+              <a:t>Multi-Snapshot Analytics on Temporal Graphs [2]</a:t>
+            </a:r>
+            <a:endParaRPr lang="en-IN" dirty="0"/>
+          </a:p>
+        </p:txBody>
+      </p:sp>
+      <p:sp>
+        <p:nvSpPr>
+          <p:cNvPr id="3" name="Content Placeholder 2">
+            <a:extLst>
+              <a:ext uri="{FF2B5EF4-FFF2-40B4-BE49-F238E27FC236}">
+                <a16:creationId xmlns:a16="http://schemas.microsoft.com/office/drawing/2014/main" id="{441CA11A-6645-488A-962D-A8F7A1A6F093}"/>
+              </a:ext>
+            </a:extLst>
+          </p:cNvPr>
+          <p:cNvSpPr>
+            <a:spLocks noGrp="1"/>
+          </p:cNvSpPr>
+          <p:nvPr>
+            <p:ph idx="1"/>
+          </p:nvPr>
+        </p:nvSpPr>
+        <p:spPr>
+          <a:xfrm>
+            <a:off x="838199" y="1733722"/>
+            <a:ext cx="10515600" cy="4530726"/>
+          </a:xfrm>
+        </p:spPr>
+        <p:txBody>
+          <a:bodyPr/>
+          <a:lstStyle/>
+          <a:p>
+            <a:r>
+              <a:rPr lang="en-IN" dirty="0"/>
+              <a:t>Rule-based transformation of algorithms to multi-snapshot version</a:t>
+            </a:r>
+          </a:p>
+          <a:p>
+            <a:r>
+              <a:rPr lang="en-IN" dirty="0"/>
+              <a:t>Amortizes data access cost &amp; improves memory utilization</a:t>
+            </a:r>
+          </a:p>
+          <a:p>
+            <a:endParaRPr lang="en-IN" dirty="0"/>
+          </a:p>
+        </p:txBody>
+      </p:sp>
+      <p:sp>
+        <p:nvSpPr>
+          <p:cNvPr id="4" name="Date Placeholder 3">
+            <a:extLst>
+              <a:ext uri="{FF2B5EF4-FFF2-40B4-BE49-F238E27FC236}">
+                <a16:creationId xmlns:a16="http://schemas.microsoft.com/office/drawing/2014/main" id="{2C7D2AB2-857F-4FB0-9F3B-93EA2D97C97A}"/>
+              </a:ext>
+            </a:extLst>
+          </p:cNvPr>
+          <p:cNvSpPr>
+            <a:spLocks noGrp="1"/>
+          </p:cNvSpPr>
+          <p:nvPr>
+            <p:ph type="dt" sz="half" idx="10"/>
+          </p:nvPr>
+        </p:nvSpPr>
+        <p:spPr/>
+        <p:txBody>
+          <a:bodyPr/>
+          <a:lstStyle/>
+          <a:p>
+            <a:fld id="{CB9FA82F-D473-46A5-8BC7-A7942AEE8F3B}" type="datetime5">
+              <a:rPr lang="en-US" smtClean="0"/>
+              <a:t>22-Jun-19</a:t>
+            </a:fld>
+            <a:endParaRPr lang="en-US"/>
+          </a:p>
+        </p:txBody>
+      </p:sp>
+      <p:sp>
+        <p:nvSpPr>
+          <p:cNvPr id="5" name="Footer Placeholder 4">
+            <a:extLst>
+              <a:ext uri="{FF2B5EF4-FFF2-40B4-BE49-F238E27FC236}">
+                <a16:creationId xmlns:a16="http://schemas.microsoft.com/office/drawing/2014/main" id="{294C3522-E8F3-4B1F-8057-151DC89E96F0}"/>
+              </a:ext>
+            </a:extLst>
+          </p:cNvPr>
+          <p:cNvSpPr>
+            <a:spLocks noGrp="1"/>
+          </p:cNvSpPr>
+          <p:nvPr>
+            <p:ph type="ftr" sz="quarter" idx="11"/>
+          </p:nvPr>
+        </p:nvSpPr>
+        <p:spPr/>
+        <p:txBody>
+          <a:bodyPr/>
+          <a:lstStyle/>
+          <a:p>
+            <a:r>
+              <a:rPr lang="en-US" dirty="0"/>
+              <a:t>Thomas Neumann et. al. VLDB 2017</a:t>
+            </a:r>
+          </a:p>
+        </p:txBody>
+      </p:sp>
+      <p:sp>
+        <p:nvSpPr>
+          <p:cNvPr id="6" name="Slide Number Placeholder 5">
+            <a:extLst>
+              <a:ext uri="{FF2B5EF4-FFF2-40B4-BE49-F238E27FC236}">
+                <a16:creationId xmlns:a16="http://schemas.microsoft.com/office/drawing/2014/main" id="{3B44C8F6-F85A-40E7-8898-8F2B339A4DB0}"/>
+              </a:ext>
+            </a:extLst>
+          </p:cNvPr>
+          <p:cNvSpPr>
+            <a:spLocks noGrp="1"/>
+          </p:cNvSpPr>
+          <p:nvPr>
+            <p:ph type="sldNum" sz="quarter" idx="12"/>
+          </p:nvPr>
+        </p:nvSpPr>
+        <p:spPr/>
+        <p:txBody>
+          <a:bodyPr/>
+          <a:lstStyle/>
+          <a:p>
+            <a:fld id="{9EFCAA85-8796-4B17-9CA3-4CB18724EF60}" type="slidenum">
+              <a:rPr lang="en-US" smtClean="0"/>
+              <a:t>14</a:t>
+            </a:fld>
+            <a:endParaRPr lang="en-US"/>
+          </a:p>
+        </p:txBody>
+      </p:sp>
+      <p:pic>
+        <p:nvPicPr>
+          <p:cNvPr id="7" name="Picture 6">
+            <a:extLst>
+              <a:ext uri="{FF2B5EF4-FFF2-40B4-BE49-F238E27FC236}">
+                <a16:creationId xmlns:a16="http://schemas.microsoft.com/office/drawing/2014/main" id="{F5676F19-5B2F-4195-B1C9-F325BD093C08}"/>
+              </a:ext>
+            </a:extLst>
+          </p:cNvPr>
+          <p:cNvPicPr>
+            <a:picLocks noChangeAspect="1"/>
+          </p:cNvPicPr>
+          <p:nvPr/>
+        </p:nvPicPr>
+        <p:blipFill>
+          <a:blip r:embed="rId2"/>
+          <a:stretch>
+            <a:fillRect/>
+          </a:stretch>
+        </p:blipFill>
+        <p:spPr>
+          <a:xfrm>
+            <a:off x="357133" y="3059285"/>
+            <a:ext cx="11567773" cy="2334587"/>
+          </a:xfrm>
+          <a:prstGeom prst="rect">
+            <a:avLst/>
+          </a:prstGeom>
+        </p:spPr>
+      </p:pic>
+    </p:spTree>
+    <p:extLst>
+      <p:ext uri="{BB962C8B-B14F-4D97-AF65-F5344CB8AC3E}">
+        <p14:creationId xmlns:p14="http://schemas.microsoft.com/office/powerpoint/2010/main" val="1138942049"/>
+      </p:ext>
+    </p:extLst>
+  </p:cSld>
+  <p:clrMapOvr>
+    <a:masterClrMapping/>
+  </p:clrMapOvr>
+</p:sld>
+</file>
+
+<file path=ppt/slides/slide15.xml><?xml version="1.0" encoding="utf-8"?>
+<p:sld xmlns:a="http://schemas.openxmlformats.org/drawingml/2006/main" xmlns:r="http://schemas.openxmlformats.org/officeDocument/2006/relationships" xmlns:p="http://schemas.openxmlformats.org/presentationml/2006/main" show="0">
+  <p:cSld>
+    <p:spTree>
+      <p:nvGrpSpPr>
+        <p:cNvPr id="1" name=""/>
+        <p:cNvGrpSpPr/>
+        <p:nvPr/>
+      </p:nvGrpSpPr>
+      <p:grpSpPr>
+        <a:xfrm>
+          <a:off x="0" y="0"/>
+          <a:ext cx="0" cy="0"/>
+          <a:chOff x="0" y="0"/>
+          <a:chExt cx="0" cy="0"/>
+        </a:xfrm>
+      </p:grpSpPr>
+      <p:sp>
+        <p:nvSpPr>
+          <p:cNvPr id="2" name="Title 1">
+            <a:extLst>
+              <a:ext uri="{FF2B5EF4-FFF2-40B4-BE49-F238E27FC236}">
+                <a16:creationId xmlns:a16="http://schemas.microsoft.com/office/drawing/2014/main" id="{A02ED736-D47A-4506-934D-D1236CA7CFE8}"/>
+              </a:ext>
+            </a:extLst>
+          </p:cNvPr>
+          <p:cNvSpPr>
+            <a:spLocks noGrp="1"/>
+          </p:cNvSpPr>
+          <p:nvPr>
+            <p:ph type="title"/>
+          </p:nvPr>
+        </p:nvSpPr>
+        <p:spPr>
+          <a:xfrm>
+            <a:off x="838200" y="408159"/>
+            <a:ext cx="10719062" cy="1325563"/>
+          </a:xfrm>
+        </p:spPr>
+        <p:txBody>
+          <a:bodyPr>
+            <a:normAutofit fontScale="90000"/>
+          </a:bodyPr>
+          <a:lstStyle/>
+          <a:p>
+            <a:r>
+              <a:rPr lang="en-IN" b="1" dirty="0"/>
+              <a:t>Automatic Algorithm Transformation for Efficient</a:t>
+            </a:r>
+            <a:br>
+              <a:rPr lang="en-IN" b="1" dirty="0"/>
+            </a:br>
+            <a:r>
+              <a:rPr lang="en-IN" b="1" dirty="0"/>
+              <a:t>Multi-Snapshot Analytics on Temporal Graphs [3]</a:t>
+            </a:r>
+            <a:endParaRPr lang="en-IN" dirty="0"/>
+          </a:p>
+        </p:txBody>
+      </p:sp>
+      <p:sp>
+        <p:nvSpPr>
+          <p:cNvPr id="3" name="Content Placeholder 2">
+            <a:extLst>
+              <a:ext uri="{FF2B5EF4-FFF2-40B4-BE49-F238E27FC236}">
+                <a16:creationId xmlns:a16="http://schemas.microsoft.com/office/drawing/2014/main" id="{441CA11A-6645-488A-962D-A8F7A1A6F093}"/>
+              </a:ext>
+            </a:extLst>
+          </p:cNvPr>
+          <p:cNvSpPr>
+            <a:spLocks noGrp="1"/>
+          </p:cNvSpPr>
+          <p:nvPr>
+            <p:ph idx="1"/>
+          </p:nvPr>
+        </p:nvSpPr>
+        <p:spPr>
+          <a:xfrm>
+            <a:off x="838199" y="1733722"/>
+            <a:ext cx="10515600" cy="4530726"/>
+          </a:xfrm>
+        </p:spPr>
+        <p:txBody>
+          <a:bodyPr/>
+          <a:lstStyle/>
+          <a:p>
+            <a:r>
+              <a:rPr lang="en-IN" dirty="0"/>
+              <a:t>Optimizations</a:t>
+            </a:r>
+          </a:p>
+          <a:p>
+            <a:pPr lvl="1"/>
+            <a:r>
+              <a:rPr lang="en-IN" dirty="0"/>
+              <a:t>Transformation rules can cover all MS algorithms</a:t>
+            </a:r>
+          </a:p>
+          <a:p>
+            <a:pPr lvl="1"/>
+            <a:r>
+              <a:rPr lang="en-IN" dirty="0"/>
+              <a:t>Cache friendly implementation using synchronous data access</a:t>
+            </a:r>
+          </a:p>
+          <a:p>
+            <a:pPr lvl="1"/>
+            <a:r>
+              <a:rPr lang="en-IN" dirty="0"/>
+              <a:t>Leverages SIMD instructions using spatially local data layout</a:t>
+            </a:r>
+          </a:p>
+          <a:p>
+            <a:pPr lvl="1"/>
+            <a:r>
+              <a:rPr lang="en-IN" dirty="0"/>
+              <a:t>Global aggregated statistics</a:t>
+            </a:r>
+          </a:p>
+          <a:p>
+            <a:r>
+              <a:rPr lang="en-IN" dirty="0"/>
+              <a:t>Gaps</a:t>
+            </a:r>
+          </a:p>
+          <a:p>
+            <a:pPr lvl="1"/>
+            <a:r>
+              <a:rPr lang="en-IN" dirty="0"/>
+              <a:t>Does not support time dependent (TD) algorithms</a:t>
+            </a:r>
+          </a:p>
+          <a:p>
+            <a:pPr lvl="1"/>
+            <a:r>
+              <a:rPr lang="en-IN" dirty="0"/>
+              <a:t>Single machine version. Not applicable for distributed processing</a:t>
+            </a:r>
+          </a:p>
+          <a:p>
+            <a:pPr lvl="1"/>
+            <a:r>
+              <a:rPr lang="en-IN" dirty="0"/>
+              <a:t>Evaluation considers only small graphs ( &lt; 100 million edges)</a:t>
+            </a:r>
+          </a:p>
+          <a:p>
+            <a:pPr lvl="1"/>
+            <a:endParaRPr lang="en-IN" dirty="0"/>
+          </a:p>
+          <a:p>
+            <a:endParaRPr lang="en-IN" dirty="0"/>
+          </a:p>
+        </p:txBody>
+      </p:sp>
+      <p:sp>
+        <p:nvSpPr>
+          <p:cNvPr id="4" name="Date Placeholder 3">
+            <a:extLst>
+              <a:ext uri="{FF2B5EF4-FFF2-40B4-BE49-F238E27FC236}">
+                <a16:creationId xmlns:a16="http://schemas.microsoft.com/office/drawing/2014/main" id="{2C7D2AB2-857F-4FB0-9F3B-93EA2D97C97A}"/>
+              </a:ext>
+            </a:extLst>
+          </p:cNvPr>
+          <p:cNvSpPr>
+            <a:spLocks noGrp="1"/>
+          </p:cNvSpPr>
+          <p:nvPr>
+            <p:ph type="dt" sz="half" idx="10"/>
+          </p:nvPr>
+        </p:nvSpPr>
+        <p:spPr/>
+        <p:txBody>
+          <a:bodyPr/>
+          <a:lstStyle/>
+          <a:p>
+            <a:fld id="{CB9FA82F-D473-46A5-8BC7-A7942AEE8F3B}" type="datetime5">
+              <a:rPr lang="en-US" smtClean="0"/>
+              <a:t>22-Jun-19</a:t>
+            </a:fld>
+            <a:endParaRPr lang="en-US"/>
+          </a:p>
+        </p:txBody>
+      </p:sp>
+      <p:sp>
+        <p:nvSpPr>
+          <p:cNvPr id="5" name="Footer Placeholder 4">
+            <a:extLst>
+              <a:ext uri="{FF2B5EF4-FFF2-40B4-BE49-F238E27FC236}">
+                <a16:creationId xmlns:a16="http://schemas.microsoft.com/office/drawing/2014/main" id="{294C3522-E8F3-4B1F-8057-151DC89E96F0}"/>
+              </a:ext>
+            </a:extLst>
+          </p:cNvPr>
+          <p:cNvSpPr>
+            <a:spLocks noGrp="1"/>
+          </p:cNvSpPr>
+          <p:nvPr>
+            <p:ph type="ftr" sz="quarter" idx="11"/>
+          </p:nvPr>
+        </p:nvSpPr>
+        <p:spPr/>
+        <p:txBody>
+          <a:bodyPr/>
+          <a:lstStyle/>
+          <a:p>
+            <a:r>
+              <a:rPr lang="en-US" dirty="0"/>
+              <a:t>Thomas Neumann et. al. VLDB 2017</a:t>
+            </a:r>
+          </a:p>
+        </p:txBody>
+      </p:sp>
+      <p:sp>
+        <p:nvSpPr>
+          <p:cNvPr id="6" name="Slide Number Placeholder 5">
+            <a:extLst>
+              <a:ext uri="{FF2B5EF4-FFF2-40B4-BE49-F238E27FC236}">
+                <a16:creationId xmlns:a16="http://schemas.microsoft.com/office/drawing/2014/main" id="{3B44C8F6-F85A-40E7-8898-8F2B339A4DB0}"/>
+              </a:ext>
+            </a:extLst>
+          </p:cNvPr>
+          <p:cNvSpPr>
+            <a:spLocks noGrp="1"/>
+          </p:cNvSpPr>
+          <p:nvPr>
+            <p:ph type="sldNum" sz="quarter" idx="12"/>
+          </p:nvPr>
+        </p:nvSpPr>
+        <p:spPr/>
+        <p:txBody>
+          <a:bodyPr/>
+          <a:lstStyle/>
+          <a:p>
+            <a:fld id="{9EFCAA85-8796-4B17-9CA3-4CB18724EF60}" type="slidenum">
+              <a:rPr lang="en-US" smtClean="0"/>
+              <a:t>15</a:t>
+            </a:fld>
+            <a:endParaRPr lang="en-US"/>
+          </a:p>
+        </p:txBody>
+      </p:sp>
+    </p:spTree>
+    <p:extLst>
+      <p:ext uri="{BB962C8B-B14F-4D97-AF65-F5344CB8AC3E}">
+        <p14:creationId xmlns:p14="http://schemas.microsoft.com/office/powerpoint/2010/main" val="1096813165"/>
+      </p:ext>
+    </p:extLst>
+  </p:cSld>
+  <p:clrMapOvr>
+    <a:masterClrMapping/>
+  </p:clrMapOvr>
+</p:sld>
+</file>
+
+<file path=ppt/slides/slide16.xml><?xml version="1.0" encoding="utf-8"?>
+<p:sld xmlns:a="http://schemas.openxmlformats.org/drawingml/2006/main" xmlns:r="http://schemas.openxmlformats.org/officeDocument/2006/relationships" xmlns:p="http://schemas.openxmlformats.org/presentationml/2006/main" show="0">
+  <p:cSld>
+    <p:spTree>
+      <p:nvGrpSpPr>
+        <p:cNvPr id="1" name=""/>
+        <p:cNvGrpSpPr/>
+        <p:nvPr/>
+      </p:nvGrpSpPr>
+      <p:grpSpPr>
+        <a:xfrm>
+          <a:off x="0" y="0"/>
+          <a:ext cx="0" cy="0"/>
+          <a:chOff x="0" y="0"/>
+          <a:chExt cx="0" cy="0"/>
+        </a:xfrm>
+      </p:grpSpPr>
+      <p:sp>
+        <p:nvSpPr>
+          <p:cNvPr id="2" name="Title 1">
+            <a:extLst>
+              <a:ext uri="{FF2B5EF4-FFF2-40B4-BE49-F238E27FC236}">
+                <a16:creationId xmlns:a16="http://schemas.microsoft.com/office/drawing/2014/main" id="{A3228D6E-30AC-47EC-AA13-7BE59BE4DE14}"/>
+              </a:ext>
+            </a:extLst>
+          </p:cNvPr>
+          <p:cNvSpPr>
+            <a:spLocks noGrp="1"/>
+          </p:cNvSpPr>
+          <p:nvPr>
+            <p:ph type="title"/>
+          </p:nvPr>
+        </p:nvSpPr>
+        <p:spPr>
+          <a:xfrm>
+            <a:off x="519652" y="417586"/>
+            <a:ext cx="11152696" cy="996435"/>
+          </a:xfrm>
+        </p:spPr>
+        <p:txBody>
+          <a:bodyPr>
+            <a:normAutofit/>
+          </a:bodyPr>
+          <a:lstStyle/>
+          <a:p>
+            <a:r>
+              <a:rPr lang="en-US" sz="3600" b="1" dirty="0"/>
+              <a:t>Chronos: A Graph Engine for Temporal Graph Analysis [4]</a:t>
+            </a:r>
+            <a:endParaRPr lang="en-IN" sz="3600" b="1" dirty="0"/>
+          </a:p>
+        </p:txBody>
+      </p:sp>
+      <p:sp>
+        <p:nvSpPr>
+          <p:cNvPr id="3" name="Content Placeholder 2">
+            <a:extLst>
+              <a:ext uri="{FF2B5EF4-FFF2-40B4-BE49-F238E27FC236}">
+                <a16:creationId xmlns:a16="http://schemas.microsoft.com/office/drawing/2014/main" id="{C8AF3962-B0E4-487A-99FE-8E656CA399CC}"/>
+              </a:ext>
+            </a:extLst>
+          </p:cNvPr>
+          <p:cNvSpPr>
+            <a:spLocks noGrp="1"/>
+          </p:cNvSpPr>
+          <p:nvPr>
+            <p:ph idx="1"/>
+          </p:nvPr>
+        </p:nvSpPr>
+        <p:spPr>
+          <a:xfrm>
+            <a:off x="678926" y="1319754"/>
+            <a:ext cx="10834148" cy="5036598"/>
+          </a:xfrm>
+        </p:spPr>
+        <p:txBody>
+          <a:bodyPr/>
+          <a:lstStyle/>
+          <a:p>
+            <a:r>
+              <a:rPr lang="en-IN" dirty="0"/>
+              <a:t>Uses time locality for graph layout in memory.</a:t>
+            </a:r>
+          </a:p>
+          <a:p>
+            <a:r>
+              <a:rPr lang="en-IN" dirty="0"/>
+              <a:t>Batches operations for each vertex across snapshots.</a:t>
+            </a:r>
+          </a:p>
+          <a:p>
+            <a:r>
+              <a:rPr lang="en-IN" dirty="0"/>
+              <a:t>Locality-Aware Batch Scheduling (LABS)</a:t>
+            </a:r>
+          </a:p>
+          <a:p>
+            <a:r>
+              <a:rPr lang="en-IN" dirty="0"/>
+              <a:t>Scatter-Gather Execution model</a:t>
+            </a:r>
+          </a:p>
+          <a:p>
+            <a:r>
+              <a:rPr lang="en-IN" dirty="0"/>
+              <a:t>Works with Push, Pull &amp; Stream modes.</a:t>
+            </a:r>
+          </a:p>
+        </p:txBody>
+      </p:sp>
+      <p:sp>
+        <p:nvSpPr>
+          <p:cNvPr id="4" name="Date Placeholder 3">
+            <a:extLst>
+              <a:ext uri="{FF2B5EF4-FFF2-40B4-BE49-F238E27FC236}">
+                <a16:creationId xmlns:a16="http://schemas.microsoft.com/office/drawing/2014/main" id="{D2D1B013-6F71-4EC5-8441-21808FFC64BC}"/>
+              </a:ext>
+            </a:extLst>
+          </p:cNvPr>
+          <p:cNvSpPr>
+            <a:spLocks noGrp="1"/>
+          </p:cNvSpPr>
+          <p:nvPr>
+            <p:ph type="dt" sz="half" idx="10"/>
+          </p:nvPr>
+        </p:nvSpPr>
+        <p:spPr/>
+        <p:txBody>
+          <a:bodyPr/>
+          <a:lstStyle/>
+          <a:p>
+            <a:fld id="{CB9FA82F-D473-46A5-8BC7-A7942AEE8F3B}" type="datetime5">
+              <a:rPr lang="en-US" smtClean="0"/>
+              <a:t>22-Jun-19</a:t>
+            </a:fld>
+            <a:endParaRPr lang="en-US"/>
+          </a:p>
+        </p:txBody>
+      </p:sp>
+      <p:sp>
+        <p:nvSpPr>
+          <p:cNvPr id="5" name="Footer Placeholder 4">
+            <a:extLst>
+              <a:ext uri="{FF2B5EF4-FFF2-40B4-BE49-F238E27FC236}">
+                <a16:creationId xmlns:a16="http://schemas.microsoft.com/office/drawing/2014/main" id="{F62103BE-8E10-4688-AD4B-9F04BC37E1D3}"/>
+              </a:ext>
+            </a:extLst>
+          </p:cNvPr>
+          <p:cNvSpPr>
+            <a:spLocks noGrp="1"/>
+          </p:cNvSpPr>
+          <p:nvPr>
+            <p:ph type="ftr" sz="quarter" idx="11"/>
+          </p:nvPr>
+        </p:nvSpPr>
+        <p:spPr/>
+        <p:txBody>
+          <a:bodyPr/>
+          <a:lstStyle/>
+          <a:p>
+            <a:r>
+              <a:rPr lang="en-US" dirty="0" err="1"/>
+              <a:t>Wentao</a:t>
+            </a:r>
+            <a:r>
+              <a:rPr lang="en-US" dirty="0"/>
+              <a:t> Han et. al. EuroSys 2014</a:t>
+            </a:r>
+          </a:p>
+        </p:txBody>
+      </p:sp>
+      <p:sp>
+        <p:nvSpPr>
+          <p:cNvPr id="6" name="Slide Number Placeholder 5">
+            <a:extLst>
+              <a:ext uri="{FF2B5EF4-FFF2-40B4-BE49-F238E27FC236}">
+                <a16:creationId xmlns:a16="http://schemas.microsoft.com/office/drawing/2014/main" id="{2B0FAC41-EA84-4A6E-98F6-0BD886701398}"/>
+              </a:ext>
+            </a:extLst>
+          </p:cNvPr>
+          <p:cNvSpPr>
+            <a:spLocks noGrp="1"/>
+          </p:cNvSpPr>
+          <p:nvPr>
+            <p:ph type="sldNum" sz="quarter" idx="12"/>
+          </p:nvPr>
+        </p:nvSpPr>
+        <p:spPr/>
+        <p:txBody>
+          <a:bodyPr/>
+          <a:lstStyle/>
+          <a:p>
+            <a:fld id="{9EFCAA85-8796-4B17-9CA3-4CB18724EF60}" type="slidenum">
+              <a:rPr lang="en-US" smtClean="0"/>
+              <a:t>16</a:t>
+            </a:fld>
+            <a:endParaRPr lang="en-US"/>
+          </a:p>
+        </p:txBody>
+      </p:sp>
+      <p:pic>
+        <p:nvPicPr>
+          <p:cNvPr id="7" name="Picture 6">
+            <a:extLst>
+              <a:ext uri="{FF2B5EF4-FFF2-40B4-BE49-F238E27FC236}">
+                <a16:creationId xmlns:a16="http://schemas.microsoft.com/office/drawing/2014/main" id="{05C78C2F-ED31-4C24-8B6A-CD61778B8A3C}"/>
+              </a:ext>
+            </a:extLst>
+          </p:cNvPr>
+          <p:cNvPicPr>
+            <a:picLocks noChangeAspect="1"/>
+          </p:cNvPicPr>
+          <p:nvPr/>
+        </p:nvPicPr>
+        <p:blipFill>
+          <a:blip r:embed="rId2"/>
+          <a:stretch>
+            <a:fillRect/>
+          </a:stretch>
+        </p:blipFill>
+        <p:spPr>
+          <a:xfrm>
+            <a:off x="967819" y="4116634"/>
+            <a:ext cx="5505450" cy="1781175"/>
+          </a:xfrm>
+          <a:prstGeom prst="rect">
+            <a:avLst/>
+          </a:prstGeom>
+        </p:spPr>
+      </p:pic>
+      <p:pic>
+        <p:nvPicPr>
+          <p:cNvPr id="8" name="Picture 7">
+            <a:extLst>
+              <a:ext uri="{FF2B5EF4-FFF2-40B4-BE49-F238E27FC236}">
+                <a16:creationId xmlns:a16="http://schemas.microsoft.com/office/drawing/2014/main" id="{A61AF7B4-4897-42CB-940E-03037B696304}"/>
+              </a:ext>
+            </a:extLst>
+          </p:cNvPr>
+          <p:cNvPicPr>
+            <a:picLocks noChangeAspect="1"/>
+          </p:cNvPicPr>
+          <p:nvPr/>
+        </p:nvPicPr>
+        <p:blipFill>
+          <a:blip r:embed="rId3"/>
+          <a:stretch>
+            <a:fillRect/>
+          </a:stretch>
+        </p:blipFill>
+        <p:spPr>
+          <a:xfrm>
+            <a:off x="6762162" y="2754493"/>
+            <a:ext cx="5194081" cy="2936448"/>
+          </a:xfrm>
+          <a:prstGeom prst="rect">
+            <a:avLst/>
+          </a:prstGeom>
+        </p:spPr>
+      </p:pic>
+    </p:spTree>
+    <p:extLst>
+      <p:ext uri="{BB962C8B-B14F-4D97-AF65-F5344CB8AC3E}">
+        <p14:creationId xmlns:p14="http://schemas.microsoft.com/office/powerpoint/2010/main" val="1504177228"/>
+      </p:ext>
+    </p:extLst>
+  </p:cSld>
+  <p:clrMapOvr>
+    <a:masterClrMapping/>
+  </p:clrMapOvr>
+</p:sld>
+</file>
+
+<file path=ppt/slides/slide17.xml><?xml version="1.0" encoding="utf-8"?>
+<p:sld xmlns:a="http://schemas.openxmlformats.org/drawingml/2006/main" xmlns:r="http://schemas.openxmlformats.org/officeDocument/2006/relationships" xmlns:p="http://schemas.openxmlformats.org/presentationml/2006/main" show="0">
+  <p:cSld>
+    <p:spTree>
+      <p:nvGrpSpPr>
+        <p:cNvPr id="1" name=""/>
+        <p:cNvGrpSpPr/>
+        <p:nvPr/>
+      </p:nvGrpSpPr>
+      <p:grpSpPr>
+        <a:xfrm>
+          <a:off x="0" y="0"/>
+          <a:ext cx="0" cy="0"/>
+          <a:chOff x="0" y="0"/>
+          <a:chExt cx="0" cy="0"/>
+        </a:xfrm>
+      </p:grpSpPr>
+      <p:sp>
+        <p:nvSpPr>
+          <p:cNvPr id="2" name="Title 1">
+            <a:extLst>
+              <a:ext uri="{FF2B5EF4-FFF2-40B4-BE49-F238E27FC236}">
+                <a16:creationId xmlns:a16="http://schemas.microsoft.com/office/drawing/2014/main" id="{A3228D6E-30AC-47EC-AA13-7BE59BE4DE14}"/>
+              </a:ext>
+            </a:extLst>
+          </p:cNvPr>
+          <p:cNvSpPr>
+            <a:spLocks noGrp="1"/>
+          </p:cNvSpPr>
+          <p:nvPr>
+            <p:ph type="title"/>
+          </p:nvPr>
+        </p:nvSpPr>
+        <p:spPr>
+          <a:xfrm>
+            <a:off x="519652" y="417586"/>
+            <a:ext cx="11152696" cy="996435"/>
+          </a:xfrm>
+        </p:spPr>
+        <p:txBody>
+          <a:bodyPr>
+            <a:normAutofit/>
+          </a:bodyPr>
+          <a:lstStyle/>
+          <a:p>
+            <a:r>
+              <a:rPr lang="en-US" sz="3600" b="1" dirty="0"/>
+              <a:t>Chronos: A Graph Engine for Temporal Graph Analysis [4]</a:t>
+            </a:r>
+            <a:endParaRPr lang="en-IN" sz="3600" b="1" dirty="0"/>
+          </a:p>
+        </p:txBody>
+      </p:sp>
+      <p:sp>
+        <p:nvSpPr>
+          <p:cNvPr id="3" name="Content Placeholder 2">
+            <a:extLst>
+              <a:ext uri="{FF2B5EF4-FFF2-40B4-BE49-F238E27FC236}">
+                <a16:creationId xmlns:a16="http://schemas.microsoft.com/office/drawing/2014/main" id="{C8AF3962-B0E4-487A-99FE-8E656CA399CC}"/>
+              </a:ext>
+            </a:extLst>
+          </p:cNvPr>
+          <p:cNvSpPr>
+            <a:spLocks noGrp="1"/>
+          </p:cNvSpPr>
+          <p:nvPr>
+            <p:ph idx="1"/>
+          </p:nvPr>
+        </p:nvSpPr>
+        <p:spPr>
+          <a:xfrm>
+            <a:off x="678926" y="1536568"/>
+            <a:ext cx="10834148" cy="4819783"/>
+          </a:xfrm>
+        </p:spPr>
+        <p:txBody>
+          <a:bodyPr/>
+          <a:lstStyle/>
+          <a:p>
+            <a:r>
+              <a:rPr lang="en-IN" dirty="0"/>
+              <a:t>Optimizations</a:t>
+            </a:r>
+          </a:p>
+          <a:p>
+            <a:pPr lvl="1"/>
+            <a:r>
+              <a:rPr lang="en-IN" dirty="0"/>
+              <a:t>Assigns different partitions instead of snapshots to different cores</a:t>
+            </a:r>
+          </a:p>
+          <a:p>
+            <a:pPr lvl="1"/>
+            <a:r>
+              <a:rPr lang="en-IN" dirty="0"/>
+              <a:t>Incremental computation from previous snapshot</a:t>
+            </a:r>
+          </a:p>
+          <a:p>
+            <a:pPr lvl="1"/>
+            <a:r>
+              <a:rPr lang="en-IN" dirty="0"/>
+              <a:t>Edge array sorted by source vertices and bitmap for snapshot containment</a:t>
+            </a:r>
+          </a:p>
+          <a:p>
+            <a:r>
+              <a:rPr lang="en-IN" dirty="0"/>
+              <a:t>Gaps</a:t>
+            </a:r>
+          </a:p>
+          <a:p>
+            <a:pPr lvl="1"/>
+            <a:r>
+              <a:rPr lang="en-IN" dirty="0"/>
+              <a:t>Support for TD algorithms</a:t>
+            </a:r>
+          </a:p>
+          <a:p>
+            <a:pPr lvl="1"/>
+            <a:r>
+              <a:rPr lang="en-IN" dirty="0"/>
+              <a:t>Comparatively less speedup (3x) in distributed setting</a:t>
+            </a:r>
+          </a:p>
+          <a:p>
+            <a:pPr lvl="1"/>
+            <a:r>
+              <a:rPr lang="en-IN" dirty="0"/>
+              <a:t>Need evaluation for Graph mining (Pattern matching) problem</a:t>
+            </a:r>
+          </a:p>
+          <a:p>
+            <a:pPr lvl="1"/>
+            <a:endParaRPr lang="en-IN" dirty="0"/>
+          </a:p>
+        </p:txBody>
+      </p:sp>
+      <p:sp>
+        <p:nvSpPr>
+          <p:cNvPr id="4" name="Date Placeholder 3">
+            <a:extLst>
+              <a:ext uri="{FF2B5EF4-FFF2-40B4-BE49-F238E27FC236}">
+                <a16:creationId xmlns:a16="http://schemas.microsoft.com/office/drawing/2014/main" id="{D2D1B013-6F71-4EC5-8441-21808FFC64BC}"/>
+              </a:ext>
+            </a:extLst>
+          </p:cNvPr>
+          <p:cNvSpPr>
+            <a:spLocks noGrp="1"/>
+          </p:cNvSpPr>
+          <p:nvPr>
+            <p:ph type="dt" sz="half" idx="10"/>
+          </p:nvPr>
+        </p:nvSpPr>
+        <p:spPr/>
+        <p:txBody>
+          <a:bodyPr/>
+          <a:lstStyle/>
+          <a:p>
+            <a:fld id="{CB9FA82F-D473-46A5-8BC7-A7942AEE8F3B}" type="datetime5">
+              <a:rPr lang="en-US" smtClean="0"/>
+              <a:t>22-Jun-19</a:t>
+            </a:fld>
+            <a:endParaRPr lang="en-US"/>
+          </a:p>
+        </p:txBody>
+      </p:sp>
+      <p:sp>
+        <p:nvSpPr>
+          <p:cNvPr id="5" name="Footer Placeholder 4">
+            <a:extLst>
+              <a:ext uri="{FF2B5EF4-FFF2-40B4-BE49-F238E27FC236}">
+                <a16:creationId xmlns:a16="http://schemas.microsoft.com/office/drawing/2014/main" id="{F62103BE-8E10-4688-AD4B-9F04BC37E1D3}"/>
+              </a:ext>
+            </a:extLst>
+          </p:cNvPr>
+          <p:cNvSpPr>
+            <a:spLocks noGrp="1"/>
+          </p:cNvSpPr>
+          <p:nvPr>
+            <p:ph type="ftr" sz="quarter" idx="11"/>
+          </p:nvPr>
+        </p:nvSpPr>
+        <p:spPr/>
+        <p:txBody>
+          <a:bodyPr/>
+          <a:lstStyle/>
+          <a:p>
+            <a:r>
+              <a:rPr lang="en-US" dirty="0" err="1"/>
+              <a:t>Wentao</a:t>
+            </a:r>
+            <a:r>
+              <a:rPr lang="en-US" dirty="0"/>
+              <a:t> Han et. al. EuroSys 2014</a:t>
+            </a:r>
+          </a:p>
+        </p:txBody>
+      </p:sp>
+      <p:sp>
+        <p:nvSpPr>
+          <p:cNvPr id="6" name="Slide Number Placeholder 5">
+            <a:extLst>
+              <a:ext uri="{FF2B5EF4-FFF2-40B4-BE49-F238E27FC236}">
+                <a16:creationId xmlns:a16="http://schemas.microsoft.com/office/drawing/2014/main" id="{2B0FAC41-EA84-4A6E-98F6-0BD886701398}"/>
+              </a:ext>
+            </a:extLst>
+          </p:cNvPr>
+          <p:cNvSpPr>
+            <a:spLocks noGrp="1"/>
+          </p:cNvSpPr>
+          <p:nvPr>
+            <p:ph type="sldNum" sz="quarter" idx="12"/>
+          </p:nvPr>
+        </p:nvSpPr>
+        <p:spPr/>
+        <p:txBody>
+          <a:bodyPr/>
+          <a:lstStyle/>
+          <a:p>
+            <a:fld id="{9EFCAA85-8796-4B17-9CA3-4CB18724EF60}" type="slidenum">
+              <a:rPr lang="en-US" smtClean="0"/>
+              <a:t>17</a:t>
+            </a:fld>
+            <a:endParaRPr lang="en-US"/>
+          </a:p>
+        </p:txBody>
+      </p:sp>
+    </p:spTree>
+    <p:extLst>
+      <p:ext uri="{BB962C8B-B14F-4D97-AF65-F5344CB8AC3E}">
+        <p14:creationId xmlns:p14="http://schemas.microsoft.com/office/powerpoint/2010/main" val="3612732734"/>
+      </p:ext>
+    </p:extLst>
+  </p:cSld>
+  <p:clrMapOvr>
+    <a:masterClrMapping/>
+  </p:clrMapOvr>
+</p:sld>
+</file>
+
+<file path=ppt/slides/slide18.xml><?xml version="1.0" encoding="utf-8"?>
+<p:sld xmlns:a="http://schemas.openxmlformats.org/drawingml/2006/main" xmlns:r="http://schemas.openxmlformats.org/officeDocument/2006/relationships" xmlns:p="http://schemas.openxmlformats.org/presentationml/2006/main">
+  <p:cSld>
+    <p:spTree>
+      <p:nvGrpSpPr>
+        <p:cNvPr id="1" name=""/>
+        <p:cNvGrpSpPr/>
+        <p:nvPr/>
+      </p:nvGrpSpPr>
+      <p:grpSpPr>
+        <a:xfrm>
+          <a:off x="0" y="0"/>
+          <a:ext cx="0" cy="0"/>
+          <a:chOff x="0" y="0"/>
+          <a:chExt cx="0" cy="0"/>
+        </a:xfrm>
+      </p:grpSpPr>
+      <p:sp>
+        <p:nvSpPr>
+          <p:cNvPr id="2" name="Title 1">
+            <a:extLst>
+              <a:ext uri="{FF2B5EF4-FFF2-40B4-BE49-F238E27FC236}">
+                <a16:creationId xmlns:a16="http://schemas.microsoft.com/office/drawing/2014/main" id="{9768C59C-C702-4862-A549-47F7576DE4F8}"/>
+              </a:ext>
+            </a:extLst>
+          </p:cNvPr>
+          <p:cNvSpPr>
+            <a:spLocks noGrp="1"/>
+          </p:cNvSpPr>
+          <p:nvPr>
+            <p:ph type="title"/>
+          </p:nvPr>
+        </p:nvSpPr>
+        <p:spPr>
+          <a:xfrm>
+            <a:off x="838200" y="408160"/>
+            <a:ext cx="10515600" cy="845606"/>
+          </a:xfrm>
+        </p:spPr>
+        <p:txBody>
+          <a:bodyPr/>
+          <a:lstStyle/>
+          <a:p>
+            <a:r>
+              <a:rPr lang="en-IN" b="1" dirty="0"/>
+              <a:t>References</a:t>
+            </a:r>
+          </a:p>
+        </p:txBody>
+      </p:sp>
+      <p:sp>
+        <p:nvSpPr>
+          <p:cNvPr id="3" name="Content Placeholder 2">
+            <a:extLst>
+              <a:ext uri="{FF2B5EF4-FFF2-40B4-BE49-F238E27FC236}">
+                <a16:creationId xmlns:a16="http://schemas.microsoft.com/office/drawing/2014/main" id="{15380240-6AF1-46F8-B467-ECFDB2965A8E}"/>
+              </a:ext>
+            </a:extLst>
+          </p:cNvPr>
+          <p:cNvSpPr>
+            <a:spLocks noGrp="1"/>
+          </p:cNvSpPr>
+          <p:nvPr>
+            <p:ph idx="1"/>
+          </p:nvPr>
+        </p:nvSpPr>
+        <p:spPr>
+          <a:xfrm>
+            <a:off x="838199" y="1335431"/>
+            <a:ext cx="10515600" cy="4530726"/>
+          </a:xfrm>
+        </p:spPr>
+        <p:txBody>
+          <a:bodyPr/>
+          <a:lstStyle/>
+          <a:p>
+            <a:pPr marL="342900" indent="-342900">
+              <a:buFont typeface="+mj-lt"/>
+              <a:buAutoNum type="arabicPeriod"/>
+            </a:pPr>
+            <a:r>
+              <a:rPr lang="en-IN" sz="1800" dirty="0">
+                <a:hlinkClick r:id="rId2"/>
+              </a:rPr>
+              <a:t>https://github.com/google/badwolf</a:t>
+            </a:r>
+            <a:endParaRPr lang="en-IN" sz="1800" dirty="0"/>
+          </a:p>
+          <a:p>
+            <a:pPr marL="342900" indent="-342900">
+              <a:buFont typeface="+mj-lt"/>
+              <a:buAutoNum type="arabicPeriod"/>
+            </a:pPr>
+            <a:r>
+              <a:rPr lang="en-IN" sz="1800" dirty="0"/>
+              <a:t>Khurana, </a:t>
+            </a:r>
+            <a:r>
+              <a:rPr lang="en-IN" sz="1800" dirty="0" err="1"/>
+              <a:t>Udayan</a:t>
+            </a:r>
+            <a:r>
+              <a:rPr lang="en-IN" sz="1800" dirty="0"/>
+              <a:t>, and Amol Deshpande. "Efficient snapshot retrieval over historical graph data." </a:t>
+            </a:r>
+            <a:r>
+              <a:rPr lang="en-IN" sz="1800" i="1" dirty="0"/>
+              <a:t>2013 IEEE 29th International Conference on Data Engineering (ICDE)</a:t>
+            </a:r>
+            <a:r>
+              <a:rPr lang="en-IN" sz="1800" dirty="0"/>
+              <a:t>. IEEE, 2013.</a:t>
+            </a:r>
+          </a:p>
+          <a:p>
+            <a:pPr marL="342900" indent="-342900">
+              <a:buFont typeface="+mj-lt"/>
+              <a:buAutoNum type="arabicPeriod"/>
+            </a:pPr>
+            <a:r>
+              <a:rPr lang="en-US" sz="1800" dirty="0"/>
+              <a:t>Sha, Mo, et al. "Accelerating dynamic graph analytics on </a:t>
+            </a:r>
+            <a:r>
+              <a:rPr lang="en-US" sz="1800" dirty="0" err="1"/>
+              <a:t>gpus</a:t>
+            </a:r>
+            <a:r>
+              <a:rPr lang="en-US" sz="1800" dirty="0"/>
+              <a:t>." </a:t>
+            </a:r>
+            <a:r>
+              <a:rPr lang="en-US" sz="1800" i="1" dirty="0"/>
+              <a:t>Proceedings of the VLDB Endowment</a:t>
+            </a:r>
+            <a:r>
+              <a:rPr lang="en-US" sz="1800" dirty="0"/>
+              <a:t> 11.1 (2017): 107-120.</a:t>
+            </a:r>
+          </a:p>
+          <a:p>
+            <a:pPr marL="342900" indent="-342900">
+              <a:buFont typeface="+mj-lt"/>
+              <a:buAutoNum type="arabicPeriod"/>
+            </a:pPr>
+            <a:r>
+              <a:rPr lang="en-US" sz="1800" dirty="0"/>
+              <a:t>Zhang, Yunhao, Rong Chen, and </a:t>
+            </a:r>
+            <a:r>
+              <a:rPr lang="en-US" sz="1800" dirty="0" err="1"/>
+              <a:t>Haibo</a:t>
+            </a:r>
+            <a:r>
+              <a:rPr lang="en-US" sz="1800" dirty="0"/>
+              <a:t> Chen. "Sub-millisecond stateful stream querying over fast-evolving linked data." </a:t>
+            </a:r>
+            <a:r>
+              <a:rPr lang="en-US" sz="1800" i="1" dirty="0"/>
+              <a:t>Proceedings of the 26th Symposium on Operating Systems Principles</a:t>
+            </a:r>
+            <a:r>
+              <a:rPr lang="en-US" sz="1800" dirty="0"/>
+              <a:t>. ACM, 2017.</a:t>
+            </a:r>
+          </a:p>
+          <a:p>
+            <a:pPr marL="342900" indent="-342900">
+              <a:buFont typeface="+mj-lt"/>
+              <a:buAutoNum type="arabicPeriod"/>
+            </a:pPr>
+            <a:r>
+              <a:rPr lang="en-IN" sz="1800" dirty="0"/>
+              <a:t>Moffitt, Vera </a:t>
+            </a:r>
+            <a:r>
+              <a:rPr lang="en-IN" sz="1800" dirty="0" err="1"/>
+              <a:t>Zaychik</a:t>
+            </a:r>
+            <a:r>
+              <a:rPr lang="en-IN" sz="1800" dirty="0"/>
+              <a:t>, and Julia </a:t>
+            </a:r>
+            <a:r>
+              <a:rPr lang="en-IN" sz="1800" dirty="0" err="1"/>
+              <a:t>Stoyanovich</a:t>
+            </a:r>
+            <a:r>
+              <a:rPr lang="en-IN" sz="1800" dirty="0"/>
+              <a:t>. "Temporal graph algebra." </a:t>
+            </a:r>
+            <a:r>
+              <a:rPr lang="en-IN" sz="1800" i="1" dirty="0"/>
+              <a:t>Proceedings of The 16th International Symposium on Database Programming Languages</a:t>
+            </a:r>
+            <a:r>
+              <a:rPr lang="en-IN" sz="1800" dirty="0"/>
+              <a:t>. ACM, 2017.</a:t>
+            </a:r>
+            <a:endParaRPr lang="en-US" sz="1800" dirty="0"/>
+          </a:p>
+          <a:p>
+            <a:pPr marL="342900" indent="-342900">
+              <a:buFont typeface="+mj-lt"/>
+              <a:buAutoNum type="arabicPeriod"/>
+            </a:pPr>
+            <a:endParaRPr lang="en-US" sz="1800" dirty="0"/>
+          </a:p>
+          <a:p>
+            <a:endParaRPr lang="en-US" sz="1800" dirty="0"/>
+          </a:p>
+          <a:p>
+            <a:endParaRPr lang="en-IN" dirty="0"/>
+          </a:p>
+          <a:p>
+            <a:endParaRPr lang="en-IN" dirty="0"/>
+          </a:p>
+        </p:txBody>
+      </p:sp>
+      <p:sp>
+        <p:nvSpPr>
+          <p:cNvPr id="4" name="Date Placeholder 3">
+            <a:extLst>
+              <a:ext uri="{FF2B5EF4-FFF2-40B4-BE49-F238E27FC236}">
+                <a16:creationId xmlns:a16="http://schemas.microsoft.com/office/drawing/2014/main" id="{539007DC-D3A3-4605-A2DD-C64F970ACBCD}"/>
+              </a:ext>
+            </a:extLst>
+          </p:cNvPr>
+          <p:cNvSpPr>
+            <a:spLocks noGrp="1"/>
+          </p:cNvSpPr>
+          <p:nvPr>
+            <p:ph type="dt" sz="half" idx="10"/>
+          </p:nvPr>
+        </p:nvSpPr>
+        <p:spPr/>
+        <p:txBody>
+          <a:bodyPr/>
+          <a:lstStyle/>
+          <a:p>
+            <a:fld id="{CB9FA82F-D473-46A5-8BC7-A7942AEE8F3B}" type="datetime5">
+              <a:rPr lang="en-US" smtClean="0"/>
+              <a:t>22-Jun-19</a:t>
+            </a:fld>
+            <a:endParaRPr lang="en-US"/>
+          </a:p>
+        </p:txBody>
+      </p:sp>
+      <p:sp>
+        <p:nvSpPr>
+          <p:cNvPr id="5" name="Footer Placeholder 4">
+            <a:extLst>
+              <a:ext uri="{FF2B5EF4-FFF2-40B4-BE49-F238E27FC236}">
+                <a16:creationId xmlns:a16="http://schemas.microsoft.com/office/drawing/2014/main" id="{D2EA7A25-213A-44D2-8BC7-3054CABECA08}"/>
+              </a:ext>
+            </a:extLst>
+          </p:cNvPr>
+          <p:cNvSpPr>
+            <a:spLocks noGrp="1"/>
+          </p:cNvSpPr>
+          <p:nvPr>
+            <p:ph type="ftr" sz="quarter" idx="11"/>
+          </p:nvPr>
+        </p:nvSpPr>
+        <p:spPr/>
+        <p:txBody>
+          <a:bodyPr/>
+          <a:lstStyle/>
+          <a:p>
+            <a:endParaRPr lang="en-US"/>
+          </a:p>
+        </p:txBody>
+      </p:sp>
+      <p:sp>
+        <p:nvSpPr>
+          <p:cNvPr id="6" name="Slide Number Placeholder 5">
+            <a:extLst>
+              <a:ext uri="{FF2B5EF4-FFF2-40B4-BE49-F238E27FC236}">
+                <a16:creationId xmlns:a16="http://schemas.microsoft.com/office/drawing/2014/main" id="{49065A78-6C0F-4757-B063-76A10642408C}"/>
+              </a:ext>
+            </a:extLst>
+          </p:cNvPr>
+          <p:cNvSpPr>
+            <a:spLocks noGrp="1"/>
+          </p:cNvSpPr>
+          <p:nvPr>
+            <p:ph type="sldNum" sz="quarter" idx="12"/>
+          </p:nvPr>
+        </p:nvSpPr>
+        <p:spPr/>
+        <p:txBody>
+          <a:bodyPr/>
+          <a:lstStyle/>
+          <a:p>
+            <a:fld id="{9EFCAA85-8796-4B17-9CA3-4CB18724EF60}" type="slidenum">
+              <a:rPr lang="en-US" smtClean="0"/>
+              <a:t>18</a:t>
+            </a:fld>
+            <a:endParaRPr lang="en-US"/>
+          </a:p>
+        </p:txBody>
+      </p:sp>
+    </p:spTree>
+    <p:extLst>
+      <p:ext uri="{BB962C8B-B14F-4D97-AF65-F5344CB8AC3E}">
+        <p14:creationId xmlns:p14="http://schemas.microsoft.com/office/powerpoint/2010/main" val="3482532872"/>
+      </p:ext>
+    </p:extLst>
+  </p:cSld>
+  <p:clrMapOvr>
+    <a:masterClrMapping/>
+  </p:clrMapOvr>
+</p:sld>
+</file>
+
 <file path=ppt/slides/slide2.xml><?xml version="1.0" encoding="utf-8"?>
+<p:sld xmlns:a="http://schemas.openxmlformats.org/drawingml/2006/main" xmlns:r="http://schemas.openxmlformats.org/officeDocument/2006/relationships" xmlns:p="http://schemas.openxmlformats.org/presentationml/2006/main">
+  <p:cSld>
+    <p:spTree>
+      <p:nvGrpSpPr>
+        <p:cNvPr id="1" name=""/>
+        <p:cNvGrpSpPr/>
+        <p:nvPr/>
+      </p:nvGrpSpPr>
+      <p:grpSpPr>
+        <a:xfrm>
+          <a:off x="0" y="0"/>
+          <a:ext cx="0" cy="0"/>
+          <a:chOff x="0" y="0"/>
+          <a:chExt cx="0" cy="0"/>
+        </a:xfrm>
+      </p:grpSpPr>
+      <p:sp>
+        <p:nvSpPr>
+          <p:cNvPr id="2" name="Title 1">
+            <a:extLst>
+              <a:ext uri="{FF2B5EF4-FFF2-40B4-BE49-F238E27FC236}">
+                <a16:creationId xmlns:a16="http://schemas.microsoft.com/office/drawing/2014/main" id="{2642D940-67B3-4D06-808D-8AF234108B21}"/>
+              </a:ext>
+            </a:extLst>
+          </p:cNvPr>
+          <p:cNvSpPr>
+            <a:spLocks noGrp="1"/>
+          </p:cNvSpPr>
+          <p:nvPr>
+            <p:ph type="title"/>
+          </p:nvPr>
+        </p:nvSpPr>
+        <p:spPr>
+          <a:xfrm>
+            <a:off x="838200" y="408159"/>
+            <a:ext cx="10515600" cy="996435"/>
+          </a:xfrm>
+        </p:spPr>
+        <p:txBody>
+          <a:bodyPr/>
+          <a:lstStyle/>
+          <a:p>
+            <a:r>
+              <a:rPr lang="en-IN" b="1" dirty="0"/>
+              <a:t>BadWolf [1]</a:t>
+            </a:r>
+            <a:endParaRPr lang="en-IN" dirty="0"/>
+          </a:p>
+        </p:txBody>
+      </p:sp>
+      <p:sp>
+        <p:nvSpPr>
+          <p:cNvPr id="3" name="Content Placeholder 2">
+            <a:extLst>
+              <a:ext uri="{FF2B5EF4-FFF2-40B4-BE49-F238E27FC236}">
+                <a16:creationId xmlns:a16="http://schemas.microsoft.com/office/drawing/2014/main" id="{C23C0860-6CD1-445C-83C8-2B5DCFA8A700}"/>
+              </a:ext>
+            </a:extLst>
+          </p:cNvPr>
+          <p:cNvSpPr>
+            <a:spLocks noGrp="1"/>
+          </p:cNvSpPr>
+          <p:nvPr>
+            <p:ph idx="1"/>
+          </p:nvPr>
+        </p:nvSpPr>
+        <p:spPr>
+          <a:xfrm>
+            <a:off x="838200" y="1404594"/>
+            <a:ext cx="10515600" cy="4530726"/>
+          </a:xfrm>
+        </p:spPr>
+        <p:txBody>
+          <a:bodyPr/>
+          <a:lstStyle/>
+          <a:p>
+            <a:r>
+              <a:rPr lang="en-IN" dirty="0"/>
+              <a:t>Triplestore (&lt;subject&gt; &lt;predicate&gt; &lt;object&gt;) with temporality</a:t>
+            </a:r>
+          </a:p>
+          <a:p>
+            <a:r>
+              <a:rPr lang="en-IN" dirty="0"/>
+              <a:t>Immutable – Nodes, Literals and Predicates</a:t>
+            </a:r>
+          </a:p>
+          <a:p>
+            <a:r>
+              <a:rPr lang="en-IN" dirty="0"/>
+              <a:t>Time anchors (range of validity) for each triple</a:t>
+            </a:r>
+          </a:p>
+          <a:p>
+            <a:r>
+              <a:rPr lang="en-IN" dirty="0"/>
+              <a:t>Storage Abstraction Layer</a:t>
+            </a:r>
+          </a:p>
+          <a:p>
+            <a:pPr lvl="1"/>
+            <a:r>
+              <a:rPr lang="en-IN" dirty="0"/>
+              <a:t>Does not provide storage (But a naïve implementation is available)</a:t>
+            </a:r>
+          </a:p>
+          <a:p>
+            <a:pPr lvl="1"/>
+            <a:r>
+              <a:rPr lang="en-IN" dirty="0"/>
+              <a:t>Provides only low level API for persistence</a:t>
+            </a:r>
+          </a:p>
+          <a:p>
+            <a:pPr lvl="1"/>
+            <a:r>
+              <a:rPr lang="en-IN" dirty="0"/>
+              <a:t>Need to write driver for different storage backends</a:t>
+            </a:r>
+          </a:p>
+          <a:p>
+            <a:r>
+              <a:rPr lang="en-IN" dirty="0"/>
+              <a:t>No indexing mechanism </a:t>
+            </a:r>
+          </a:p>
+          <a:p>
+            <a:pPr lvl="1"/>
+            <a:r>
+              <a:rPr lang="en-IN" dirty="0"/>
+              <a:t>Can be implemented using the storage driver</a:t>
+            </a:r>
+          </a:p>
+          <a:p>
+            <a:endParaRPr lang="en-IN" dirty="0"/>
+          </a:p>
+        </p:txBody>
+      </p:sp>
+      <p:sp>
+        <p:nvSpPr>
+          <p:cNvPr id="4" name="Date Placeholder 3">
+            <a:extLst>
+              <a:ext uri="{FF2B5EF4-FFF2-40B4-BE49-F238E27FC236}">
+                <a16:creationId xmlns:a16="http://schemas.microsoft.com/office/drawing/2014/main" id="{0D633900-F37A-4362-A484-8FA9CD6B1247}"/>
+              </a:ext>
+            </a:extLst>
+          </p:cNvPr>
+          <p:cNvSpPr>
+            <a:spLocks noGrp="1"/>
+          </p:cNvSpPr>
+          <p:nvPr>
+            <p:ph type="dt" sz="half" idx="10"/>
+          </p:nvPr>
+        </p:nvSpPr>
+        <p:spPr/>
+        <p:txBody>
+          <a:bodyPr/>
+          <a:lstStyle/>
+          <a:p>
+            <a:fld id="{CB9FA82F-D473-46A5-8BC7-A7942AEE8F3B}" type="datetime5">
+              <a:rPr lang="en-US" smtClean="0"/>
+              <a:t>22-Jun-19</a:t>
+            </a:fld>
+            <a:endParaRPr lang="en-US"/>
+          </a:p>
+        </p:txBody>
+      </p:sp>
+      <p:sp>
+        <p:nvSpPr>
+          <p:cNvPr id="5" name="Footer Placeholder 4">
+            <a:extLst>
+              <a:ext uri="{FF2B5EF4-FFF2-40B4-BE49-F238E27FC236}">
+                <a16:creationId xmlns:a16="http://schemas.microsoft.com/office/drawing/2014/main" id="{0791DDC5-10F0-44E1-989F-C5220D16EAAA}"/>
+              </a:ext>
+            </a:extLst>
+          </p:cNvPr>
+          <p:cNvSpPr>
+            <a:spLocks noGrp="1"/>
+          </p:cNvSpPr>
+          <p:nvPr>
+            <p:ph type="ftr" sz="quarter" idx="11"/>
+          </p:nvPr>
+        </p:nvSpPr>
+        <p:spPr/>
+        <p:txBody>
+          <a:bodyPr/>
+          <a:lstStyle/>
+          <a:p>
+            <a:r>
+              <a:rPr lang="en-IN" dirty="0">
+                <a:hlinkClick r:id="rId2"/>
+              </a:rPr>
+              <a:t>https://github.com/google/badwolf</a:t>
+            </a:r>
+            <a:endParaRPr lang="en-US" dirty="0"/>
+          </a:p>
+        </p:txBody>
+      </p:sp>
+      <p:sp>
+        <p:nvSpPr>
+          <p:cNvPr id="6" name="Slide Number Placeholder 5">
+            <a:extLst>
+              <a:ext uri="{FF2B5EF4-FFF2-40B4-BE49-F238E27FC236}">
+                <a16:creationId xmlns:a16="http://schemas.microsoft.com/office/drawing/2014/main" id="{1F2A38D9-4BDC-4646-8604-EA343DB315D4}"/>
+              </a:ext>
+            </a:extLst>
+          </p:cNvPr>
+          <p:cNvSpPr>
+            <a:spLocks noGrp="1"/>
+          </p:cNvSpPr>
+          <p:nvPr>
+            <p:ph type="sldNum" sz="quarter" idx="12"/>
+          </p:nvPr>
+        </p:nvSpPr>
+        <p:spPr/>
+        <p:txBody>
+          <a:bodyPr/>
+          <a:lstStyle/>
+          <a:p>
+            <a:fld id="{9EFCAA85-8796-4B17-9CA3-4CB18724EF60}" type="slidenum">
+              <a:rPr lang="en-US" smtClean="0"/>
+              <a:t>2</a:t>
+            </a:fld>
+            <a:endParaRPr lang="en-US"/>
+          </a:p>
+        </p:txBody>
+      </p:sp>
+    </p:spTree>
+    <p:extLst>
+      <p:ext uri="{BB962C8B-B14F-4D97-AF65-F5344CB8AC3E}">
+        <p14:creationId xmlns:p14="http://schemas.microsoft.com/office/powerpoint/2010/main" val="3970741718"/>
+      </p:ext>
+    </p:extLst>
+  </p:cSld>
+  <p:clrMapOvr>
+    <a:masterClrMapping/>
+  </p:clrMapOvr>
+</p:sld>
+</file>
+
+<file path=ppt/slides/slide3.xml><?xml version="1.0" encoding="utf-8"?>
+<p:sld xmlns:a="http://schemas.openxmlformats.org/drawingml/2006/main" xmlns:r="http://schemas.openxmlformats.org/officeDocument/2006/relationships" xmlns:p="http://schemas.openxmlformats.org/presentationml/2006/main">
+  <p:cSld>
+    <p:spTree>
+      <p:nvGrpSpPr>
+        <p:cNvPr id="1" name=""/>
+        <p:cNvGrpSpPr/>
+        <p:nvPr/>
+      </p:nvGrpSpPr>
+      <p:grpSpPr>
+        <a:xfrm>
+          <a:off x="0" y="0"/>
+          <a:ext cx="0" cy="0"/>
+          <a:chOff x="0" y="0"/>
+          <a:chExt cx="0" cy="0"/>
+        </a:xfrm>
+      </p:grpSpPr>
+      <p:sp>
+        <p:nvSpPr>
+          <p:cNvPr id="2" name="Title 1">
+            <a:extLst>
+              <a:ext uri="{FF2B5EF4-FFF2-40B4-BE49-F238E27FC236}">
+                <a16:creationId xmlns:a16="http://schemas.microsoft.com/office/drawing/2014/main" id="{2046891C-E412-4142-AEB3-499F6C5212B0}"/>
+              </a:ext>
+            </a:extLst>
+          </p:cNvPr>
+          <p:cNvSpPr>
+            <a:spLocks noGrp="1"/>
+          </p:cNvSpPr>
+          <p:nvPr>
+            <p:ph type="title"/>
+          </p:nvPr>
+        </p:nvSpPr>
+        <p:spPr>
+          <a:xfrm>
+            <a:off x="838200" y="408159"/>
+            <a:ext cx="10515600" cy="1054881"/>
+          </a:xfrm>
+        </p:spPr>
+        <p:txBody>
+          <a:bodyPr/>
+          <a:lstStyle/>
+          <a:p>
+            <a:r>
+              <a:rPr lang="en-IN" b="1" dirty="0"/>
+              <a:t>BadWolf [1]</a:t>
+            </a:r>
+            <a:endParaRPr lang="en-IN" dirty="0"/>
+          </a:p>
+        </p:txBody>
+      </p:sp>
+      <p:sp>
+        <p:nvSpPr>
+          <p:cNvPr id="3" name="Content Placeholder 2">
+            <a:extLst>
+              <a:ext uri="{FF2B5EF4-FFF2-40B4-BE49-F238E27FC236}">
+                <a16:creationId xmlns:a16="http://schemas.microsoft.com/office/drawing/2014/main" id="{5B07D1F2-5319-450D-8387-EC08327CE19B}"/>
+              </a:ext>
+            </a:extLst>
+          </p:cNvPr>
+          <p:cNvSpPr>
+            <a:spLocks noGrp="1"/>
+          </p:cNvSpPr>
+          <p:nvPr>
+            <p:ph idx="1"/>
+          </p:nvPr>
+        </p:nvSpPr>
+        <p:spPr>
+          <a:xfrm>
+            <a:off x="838200" y="1463040"/>
+            <a:ext cx="10515600" cy="4893311"/>
+          </a:xfrm>
+        </p:spPr>
+        <p:txBody>
+          <a:bodyPr/>
+          <a:lstStyle/>
+          <a:p>
+            <a:r>
+              <a:rPr lang="en-IN" dirty="0"/>
+              <a:t>BadWolf Query Language (BQL)</a:t>
+            </a:r>
+          </a:p>
+          <a:p>
+            <a:pPr lvl="1"/>
+            <a:r>
+              <a:rPr lang="en-IN" dirty="0"/>
+              <a:t>Syntax similar to SQL</a:t>
+            </a:r>
+          </a:p>
+          <a:p>
+            <a:pPr lvl="1"/>
+            <a:r>
+              <a:rPr lang="en-IN" dirty="0"/>
+              <a:t>Provides support for Create, Drop, Select, Insert, Delete in general</a:t>
+            </a:r>
+          </a:p>
+          <a:p>
+            <a:pPr lvl="1"/>
+            <a:r>
+              <a:rPr lang="en-IN" dirty="0"/>
+              <a:t>Mainly supports traversal and pattern matching queries</a:t>
+            </a:r>
+          </a:p>
+          <a:p>
+            <a:r>
+              <a:rPr lang="en-IN" dirty="0"/>
+              <a:t>Query Planning</a:t>
+            </a:r>
+          </a:p>
+          <a:p>
+            <a:pPr lvl="1"/>
+            <a:r>
+              <a:rPr lang="en-IN" dirty="0"/>
+              <a:t>Naïve Specificity based optimization</a:t>
+            </a:r>
+          </a:p>
+          <a:p>
+            <a:pPr lvl="1"/>
+            <a:r>
+              <a:rPr lang="en-IN" dirty="0"/>
+              <a:t>E.g. </a:t>
+            </a:r>
+            <a:r>
+              <a:rPr lang="en-US" i="1" dirty="0"/>
+              <a:t>/user&lt;Joe&gt; "parent-of"@[] ?child . ?child "parent-of"@[] ?</a:t>
+            </a:r>
+            <a:r>
+              <a:rPr lang="en-US" i="1" dirty="0" err="1"/>
+              <a:t>grand_child</a:t>
+            </a:r>
+            <a:endParaRPr lang="en-US" i="1" dirty="0"/>
+          </a:p>
+          <a:p>
+            <a:pPr lvl="1"/>
+            <a:r>
+              <a:rPr lang="en-US" dirty="0"/>
+              <a:t>Creates a graph based on where clause</a:t>
+            </a:r>
+          </a:p>
+          <a:p>
+            <a:pPr lvl="1"/>
+            <a:r>
+              <a:rPr lang="en-US" dirty="0"/>
+              <a:t>Edge between two clauses if they share a binding</a:t>
+            </a:r>
+          </a:p>
+          <a:p>
+            <a:pPr lvl="1"/>
+            <a:r>
+              <a:rPr lang="en-US" dirty="0"/>
+              <a:t>Starts with higher specificity nodes and proceeds towards lower specificity</a:t>
+            </a:r>
+            <a:endParaRPr lang="en-IN" dirty="0"/>
+          </a:p>
+        </p:txBody>
+      </p:sp>
+      <p:sp>
+        <p:nvSpPr>
+          <p:cNvPr id="4" name="Date Placeholder 3">
+            <a:extLst>
+              <a:ext uri="{FF2B5EF4-FFF2-40B4-BE49-F238E27FC236}">
+                <a16:creationId xmlns:a16="http://schemas.microsoft.com/office/drawing/2014/main" id="{4F9480DB-7280-4AFE-B3C7-A1CF7599C7D2}"/>
+              </a:ext>
+            </a:extLst>
+          </p:cNvPr>
+          <p:cNvSpPr>
+            <a:spLocks noGrp="1"/>
+          </p:cNvSpPr>
+          <p:nvPr>
+            <p:ph type="dt" sz="half" idx="10"/>
+          </p:nvPr>
+        </p:nvSpPr>
+        <p:spPr/>
+        <p:txBody>
+          <a:bodyPr/>
+          <a:lstStyle/>
+          <a:p>
+            <a:fld id="{CB9FA82F-D473-46A5-8BC7-A7942AEE8F3B}" type="datetime5">
+              <a:rPr lang="en-US" smtClean="0"/>
+              <a:t>22-Jun-19</a:t>
+            </a:fld>
+            <a:endParaRPr lang="en-US"/>
+          </a:p>
+        </p:txBody>
+      </p:sp>
+      <p:sp>
+        <p:nvSpPr>
+          <p:cNvPr id="5" name="Footer Placeholder 4">
+            <a:extLst>
+              <a:ext uri="{FF2B5EF4-FFF2-40B4-BE49-F238E27FC236}">
+                <a16:creationId xmlns:a16="http://schemas.microsoft.com/office/drawing/2014/main" id="{CC74E2E5-08A5-4929-8B38-1E2920926D03}"/>
+              </a:ext>
+            </a:extLst>
+          </p:cNvPr>
+          <p:cNvSpPr>
+            <a:spLocks noGrp="1"/>
+          </p:cNvSpPr>
+          <p:nvPr>
+            <p:ph type="ftr" sz="quarter" idx="11"/>
+          </p:nvPr>
+        </p:nvSpPr>
+        <p:spPr/>
+        <p:txBody>
+          <a:bodyPr/>
+          <a:lstStyle/>
+          <a:p>
+            <a:r>
+              <a:rPr lang="en-IN" dirty="0">
+                <a:hlinkClick r:id="rId2"/>
+              </a:rPr>
+              <a:t>https://github.com/google/badwolf</a:t>
+            </a:r>
+            <a:endParaRPr lang="en-US" dirty="0"/>
+          </a:p>
+        </p:txBody>
+      </p:sp>
+      <p:sp>
+        <p:nvSpPr>
+          <p:cNvPr id="6" name="Slide Number Placeholder 5">
+            <a:extLst>
+              <a:ext uri="{FF2B5EF4-FFF2-40B4-BE49-F238E27FC236}">
+                <a16:creationId xmlns:a16="http://schemas.microsoft.com/office/drawing/2014/main" id="{BA8BD790-562D-44F2-8063-8E6A5038212C}"/>
+              </a:ext>
+            </a:extLst>
+          </p:cNvPr>
+          <p:cNvSpPr>
+            <a:spLocks noGrp="1"/>
+          </p:cNvSpPr>
+          <p:nvPr>
+            <p:ph type="sldNum" sz="quarter" idx="12"/>
+          </p:nvPr>
+        </p:nvSpPr>
+        <p:spPr/>
+        <p:txBody>
+          <a:bodyPr/>
+          <a:lstStyle/>
+          <a:p>
+            <a:fld id="{9EFCAA85-8796-4B17-9CA3-4CB18724EF60}" type="slidenum">
+              <a:rPr lang="en-US" smtClean="0"/>
+              <a:t>3</a:t>
+            </a:fld>
+            <a:endParaRPr lang="en-US"/>
+          </a:p>
+        </p:txBody>
+      </p:sp>
+    </p:spTree>
+    <p:extLst>
+      <p:ext uri="{BB962C8B-B14F-4D97-AF65-F5344CB8AC3E}">
+        <p14:creationId xmlns:p14="http://schemas.microsoft.com/office/powerpoint/2010/main" val="3465802336"/>
+      </p:ext>
+    </p:extLst>
+  </p:cSld>
+  <p:clrMapOvr>
+    <a:masterClrMapping/>
+  </p:clrMapOvr>
+</p:sld>
+</file>
+
+<file path=ppt/slides/slide4.xml><?xml version="1.0" encoding="utf-8"?>
 <p:sld xmlns:a="http://schemas.openxmlformats.org/drawingml/2006/main" xmlns:r="http://schemas.openxmlformats.org/officeDocument/2006/relationships" xmlns:p="http://schemas.openxmlformats.org/presentationml/2006/main">
   <p:cSld>
     <p:spTree>
@@ -14048,7 +16946,7 @@
           <a:p>
             <a:r>
               <a:rPr lang="en-US" sz="3600" b="1" dirty="0"/>
-              <a:t>Efficient Snapshot Retrieval over Historical Graph Data [1]</a:t>
+              <a:t>Efficient Snapshot Retrieval over Historical Graph Data [2]</a:t>
             </a:r>
             <a:endParaRPr lang="en-IN" sz="3600" b="1" dirty="0"/>
           </a:p>
@@ -14184,7 +17082,7 @@
                 <a:tabLst/>
                 <a:defRPr/>
               </a:pPr>
-              <a:t>7-Jun-19</a:t>
+              <a:t>22-Jun-19</a:t>
             </a:fld>
             <a:endParaRPr kumimoji="0" lang="en-US" sz="1600" b="0" i="0" u="none" strike="noStrike" kern="1200" cap="none" spc="0" normalizeH="0" baseline="0" noProof="0">
               <a:ln>
@@ -14356,7 +17254,7 @@
                 <a:tabLst/>
                 <a:defRPr/>
               </a:pPr>
-              <a:t>2</a:t>
+              <a:t>4</a:t>
             </a:fld>
             <a:endParaRPr kumimoji="0" lang="en-US" sz="1600" b="0" i="0" u="none" strike="noStrike" kern="1200" cap="none" spc="0" normalizeH="0" baseline="0" noProof="0">
               <a:ln>
@@ -14480,7 +17378,7 @@
 </p:sld>
 </file>
 
-<file path=ppt/slides/slide3.xml><?xml version="1.0" encoding="utf-8"?>
+<file path=ppt/slides/slide5.xml><?xml version="1.0" encoding="utf-8"?>
 <p:sld xmlns:a="http://schemas.openxmlformats.org/drawingml/2006/main" xmlns:r="http://schemas.openxmlformats.org/officeDocument/2006/relationships" xmlns:p="http://schemas.openxmlformats.org/presentationml/2006/main">
   <p:cSld>
     <p:spTree>
@@ -14627,7 +17525,7 @@
           <a:p>
             <a:fld id="{CB9FA82F-D473-46A5-8BC7-A7942AEE8F3B}" type="datetime5">
               <a:rPr lang="en-US" smtClean="0"/>
-              <a:t>7-Jun-19</a:t>
+              <a:t>22-Jun-19</a:t>
             </a:fld>
             <a:endParaRPr lang="en-US"/>
           </a:p>
@@ -14656,7 +17554,7 @@
           <a:p>
             <a:fld id="{9EFCAA85-8796-4B17-9CA3-4CB18724EF60}" type="slidenum">
               <a:rPr lang="en-US" smtClean="0"/>
-              <a:t>3</a:t>
+              <a:t>5</a:t>
             </a:fld>
             <a:endParaRPr lang="en-US"/>
           </a:p>
@@ -14692,7 +17590,7 @@
           <a:p>
             <a:r>
               <a:rPr lang="en-US" sz="3600" b="1" dirty="0"/>
-              <a:t>Efficient Snapshot Retrieval over Historical Graph Data [1]</a:t>
+              <a:t>Efficient Snapshot Retrieval over Historical Graph Data [2]</a:t>
             </a:r>
             <a:endParaRPr lang="en-IN" sz="3600" b="1" dirty="0"/>
           </a:p>
@@ -14786,1086 +17684,6 @@
     <p:extLst>
       <p:ext uri="{BB962C8B-B14F-4D97-AF65-F5344CB8AC3E}">
         <p14:creationId xmlns:p14="http://schemas.microsoft.com/office/powerpoint/2010/main" val="1846326899"/>
-      </p:ext>
-    </p:extLst>
-  </p:cSld>
-  <p:clrMapOvr>
-    <a:masterClrMapping/>
-  </p:clrMapOvr>
-</p:sld>
-</file>
-
-<file path=ppt/slides/slide4.xml><?xml version="1.0" encoding="utf-8"?>
-<p:sld xmlns:a="http://schemas.openxmlformats.org/drawingml/2006/main" xmlns:r="http://schemas.openxmlformats.org/officeDocument/2006/relationships" xmlns:p="http://schemas.openxmlformats.org/presentationml/2006/main">
-  <p:cSld>
-    <p:spTree>
-      <p:nvGrpSpPr>
-        <p:cNvPr id="1" name=""/>
-        <p:cNvGrpSpPr/>
-        <p:nvPr/>
-      </p:nvGrpSpPr>
-      <p:grpSpPr>
-        <a:xfrm>
-          <a:off x="0" y="0"/>
-          <a:ext cx="0" cy="0"/>
-          <a:chOff x="0" y="0"/>
-          <a:chExt cx="0" cy="0"/>
-        </a:xfrm>
-      </p:grpSpPr>
-      <p:sp>
-        <p:nvSpPr>
-          <p:cNvPr id="2" name="Title 1">
-            <a:extLst>
-              <a:ext uri="{FF2B5EF4-FFF2-40B4-BE49-F238E27FC236}">
-                <a16:creationId xmlns:a16="http://schemas.microsoft.com/office/drawing/2014/main" id="{A02ED736-D47A-4506-934D-D1236CA7CFE8}"/>
-              </a:ext>
-            </a:extLst>
-          </p:cNvPr>
-          <p:cNvSpPr>
-            <a:spLocks noGrp="1"/>
-          </p:cNvSpPr>
-          <p:nvPr>
-            <p:ph type="title"/>
-          </p:nvPr>
-        </p:nvSpPr>
-        <p:spPr/>
-        <p:txBody>
-          <a:bodyPr>
-            <a:normAutofit fontScale="90000"/>
-          </a:bodyPr>
-          <a:lstStyle/>
-          <a:p>
-            <a:r>
-              <a:rPr lang="en-IN" b="1" dirty="0"/>
-              <a:t>Automatic Algorithm Transformation for Efficient</a:t>
-            </a:r>
-            <a:br>
-              <a:rPr lang="en-IN" b="1" dirty="0"/>
-            </a:br>
-            <a:r>
-              <a:rPr lang="en-IN" b="1" dirty="0"/>
-              <a:t>Multi-Snapshot Analytics on Temporal Graphs</a:t>
-            </a:r>
-            <a:endParaRPr lang="en-IN" dirty="0"/>
-          </a:p>
-        </p:txBody>
-      </p:sp>
-      <p:sp>
-        <p:nvSpPr>
-          <p:cNvPr id="3" name="Content Placeholder 2">
-            <a:extLst>
-              <a:ext uri="{FF2B5EF4-FFF2-40B4-BE49-F238E27FC236}">
-                <a16:creationId xmlns:a16="http://schemas.microsoft.com/office/drawing/2014/main" id="{441CA11A-6645-488A-962D-A8F7A1A6F093}"/>
-              </a:ext>
-            </a:extLst>
-          </p:cNvPr>
-          <p:cNvSpPr>
-            <a:spLocks noGrp="1"/>
-          </p:cNvSpPr>
-          <p:nvPr>
-            <p:ph idx="1"/>
-          </p:nvPr>
-        </p:nvSpPr>
-        <p:spPr/>
-        <p:txBody>
-          <a:bodyPr/>
-          <a:lstStyle/>
-          <a:p>
-            <a:endParaRPr lang="en-IN" dirty="0"/>
-          </a:p>
-        </p:txBody>
-      </p:sp>
-      <p:sp>
-        <p:nvSpPr>
-          <p:cNvPr id="4" name="Date Placeholder 3">
-            <a:extLst>
-              <a:ext uri="{FF2B5EF4-FFF2-40B4-BE49-F238E27FC236}">
-                <a16:creationId xmlns:a16="http://schemas.microsoft.com/office/drawing/2014/main" id="{2C7D2AB2-857F-4FB0-9F3B-93EA2D97C97A}"/>
-              </a:ext>
-            </a:extLst>
-          </p:cNvPr>
-          <p:cNvSpPr>
-            <a:spLocks noGrp="1"/>
-          </p:cNvSpPr>
-          <p:nvPr>
-            <p:ph type="dt" sz="half" idx="10"/>
-          </p:nvPr>
-        </p:nvSpPr>
-        <p:spPr/>
-        <p:txBody>
-          <a:bodyPr/>
-          <a:lstStyle/>
-          <a:p>
-            <a:fld id="{CB9FA82F-D473-46A5-8BC7-A7942AEE8F3B}" type="datetime5">
-              <a:rPr lang="en-US" smtClean="0"/>
-              <a:t>7-Jun-19</a:t>
-            </a:fld>
-            <a:endParaRPr lang="en-US"/>
-          </a:p>
-        </p:txBody>
-      </p:sp>
-      <p:sp>
-        <p:nvSpPr>
-          <p:cNvPr id="5" name="Footer Placeholder 4">
-            <a:extLst>
-              <a:ext uri="{FF2B5EF4-FFF2-40B4-BE49-F238E27FC236}">
-                <a16:creationId xmlns:a16="http://schemas.microsoft.com/office/drawing/2014/main" id="{294C3522-E8F3-4B1F-8057-151DC89E96F0}"/>
-              </a:ext>
-            </a:extLst>
-          </p:cNvPr>
-          <p:cNvSpPr>
-            <a:spLocks noGrp="1"/>
-          </p:cNvSpPr>
-          <p:nvPr>
-            <p:ph type="ftr" sz="quarter" idx="11"/>
-          </p:nvPr>
-        </p:nvSpPr>
-        <p:spPr/>
-        <p:txBody>
-          <a:bodyPr/>
-          <a:lstStyle/>
-          <a:p>
-            <a:r>
-              <a:rPr lang="en-US" dirty="0"/>
-              <a:t>Thomas Neumann et. al. VLDB 2017</a:t>
-            </a:r>
-          </a:p>
-        </p:txBody>
-      </p:sp>
-      <p:sp>
-        <p:nvSpPr>
-          <p:cNvPr id="6" name="Slide Number Placeholder 5">
-            <a:extLst>
-              <a:ext uri="{FF2B5EF4-FFF2-40B4-BE49-F238E27FC236}">
-                <a16:creationId xmlns:a16="http://schemas.microsoft.com/office/drawing/2014/main" id="{3B44C8F6-F85A-40E7-8898-8F2B339A4DB0}"/>
-              </a:ext>
-            </a:extLst>
-          </p:cNvPr>
-          <p:cNvSpPr>
-            <a:spLocks noGrp="1"/>
-          </p:cNvSpPr>
-          <p:nvPr>
-            <p:ph type="sldNum" sz="quarter" idx="12"/>
-          </p:nvPr>
-        </p:nvSpPr>
-        <p:spPr/>
-        <p:txBody>
-          <a:bodyPr/>
-          <a:lstStyle/>
-          <a:p>
-            <a:fld id="{9EFCAA85-8796-4B17-9CA3-4CB18724EF60}" type="slidenum">
-              <a:rPr lang="en-US" smtClean="0"/>
-              <a:t>4</a:t>
-            </a:fld>
-            <a:endParaRPr lang="en-US"/>
-          </a:p>
-        </p:txBody>
-      </p:sp>
-    </p:spTree>
-    <p:extLst>
-      <p:ext uri="{BB962C8B-B14F-4D97-AF65-F5344CB8AC3E}">
-        <p14:creationId xmlns:p14="http://schemas.microsoft.com/office/powerpoint/2010/main" val="1138942049"/>
-      </p:ext>
-    </p:extLst>
-  </p:cSld>
-  <p:clrMapOvr>
-    <a:masterClrMapping/>
-  </p:clrMapOvr>
-</p:sld>
-</file>
-
-<file path=ppt/slides/slide5.xml><?xml version="1.0" encoding="utf-8"?>
-<p:sld xmlns:a="http://schemas.openxmlformats.org/drawingml/2006/main" xmlns:r="http://schemas.openxmlformats.org/officeDocument/2006/relationships" xmlns:p="http://schemas.openxmlformats.org/presentationml/2006/main">
-  <p:cSld>
-    <p:spTree>
-      <p:nvGrpSpPr>
-        <p:cNvPr id="1" name=""/>
-        <p:cNvGrpSpPr/>
-        <p:nvPr/>
-      </p:nvGrpSpPr>
-      <p:grpSpPr>
-        <a:xfrm>
-          <a:off x="0" y="0"/>
-          <a:ext cx="0" cy="0"/>
-          <a:chOff x="0" y="0"/>
-          <a:chExt cx="0" cy="0"/>
-        </a:xfrm>
-      </p:grpSpPr>
-      <p:sp>
-        <p:nvSpPr>
-          <p:cNvPr id="2" name="Title 1">
-            <a:extLst>
-              <a:ext uri="{FF2B5EF4-FFF2-40B4-BE49-F238E27FC236}">
-                <a16:creationId xmlns:a16="http://schemas.microsoft.com/office/drawing/2014/main" id="{6533851B-83CD-4B51-AE2F-50512D8E6032}"/>
-              </a:ext>
-            </a:extLst>
-          </p:cNvPr>
-          <p:cNvSpPr>
-            <a:spLocks noGrp="1"/>
-          </p:cNvSpPr>
-          <p:nvPr>
-            <p:ph type="title"/>
-          </p:nvPr>
-        </p:nvSpPr>
-        <p:spPr/>
-        <p:txBody>
-          <a:bodyPr/>
-          <a:lstStyle/>
-          <a:p>
-            <a:r>
-              <a:rPr lang="en-IN" dirty="0"/>
-              <a:t>Related Work</a:t>
-            </a:r>
-          </a:p>
-        </p:txBody>
-      </p:sp>
-      <p:sp>
-        <p:nvSpPr>
-          <p:cNvPr id="3" name="Content Placeholder 2">
-            <a:extLst>
-              <a:ext uri="{FF2B5EF4-FFF2-40B4-BE49-F238E27FC236}">
-                <a16:creationId xmlns:a16="http://schemas.microsoft.com/office/drawing/2014/main" id="{75250AED-EB41-4557-B955-DE5547710C11}"/>
-              </a:ext>
-            </a:extLst>
-          </p:cNvPr>
-          <p:cNvSpPr>
-            <a:spLocks noGrp="1"/>
-          </p:cNvSpPr>
-          <p:nvPr>
-            <p:ph idx="1"/>
-          </p:nvPr>
-        </p:nvSpPr>
-        <p:spPr>
-          <a:xfrm>
-            <a:off x="913615" y="1754840"/>
-            <a:ext cx="4421957" cy="4530726"/>
-          </a:xfrm>
-        </p:spPr>
-        <p:txBody>
-          <a:bodyPr/>
-          <a:lstStyle/>
-          <a:p>
-            <a:r>
-              <a:rPr lang="en-IN" dirty="0"/>
-              <a:t>Graph Processing</a:t>
-            </a:r>
-          </a:p>
-          <a:p>
-            <a:pPr lvl="1"/>
-            <a:r>
-              <a:rPr lang="en-IN" dirty="0"/>
-              <a:t>Pregel [2]</a:t>
-            </a:r>
-          </a:p>
-          <a:p>
-            <a:pPr lvl="1"/>
-            <a:r>
-              <a:rPr lang="en-IN" dirty="0" err="1"/>
-              <a:t>Giraph</a:t>
-            </a:r>
-            <a:r>
-              <a:rPr lang="en-IN" dirty="0"/>
-              <a:t> [3]</a:t>
-            </a:r>
-          </a:p>
-          <a:p>
-            <a:pPr lvl="1"/>
-            <a:r>
-              <a:rPr lang="en-IN" dirty="0" err="1"/>
-              <a:t>GraphX</a:t>
-            </a:r>
-            <a:r>
-              <a:rPr lang="en-IN" dirty="0"/>
-              <a:t> [4]</a:t>
-            </a:r>
-          </a:p>
-          <a:p>
-            <a:pPr lvl="1"/>
-            <a:r>
-              <a:rPr lang="en-IN" dirty="0"/>
-              <a:t>Trinity [5]</a:t>
-            </a:r>
-          </a:p>
-          <a:p>
-            <a:pPr lvl="1"/>
-            <a:r>
-              <a:rPr lang="en-IN" dirty="0" err="1"/>
-              <a:t>Quegel</a:t>
-            </a:r>
-            <a:r>
-              <a:rPr lang="en-IN" dirty="0"/>
-              <a:t> [13]</a:t>
-            </a:r>
-          </a:p>
-        </p:txBody>
-      </p:sp>
-      <p:sp>
-        <p:nvSpPr>
-          <p:cNvPr id="4" name="Date Placeholder 3">
-            <a:extLst>
-              <a:ext uri="{FF2B5EF4-FFF2-40B4-BE49-F238E27FC236}">
-                <a16:creationId xmlns:a16="http://schemas.microsoft.com/office/drawing/2014/main" id="{19090F32-CF9A-4623-A828-637C77967E58}"/>
-              </a:ext>
-            </a:extLst>
-          </p:cNvPr>
-          <p:cNvSpPr>
-            <a:spLocks noGrp="1"/>
-          </p:cNvSpPr>
-          <p:nvPr>
-            <p:ph type="dt" sz="half" idx="10"/>
-          </p:nvPr>
-        </p:nvSpPr>
-        <p:spPr/>
-        <p:txBody>
-          <a:bodyPr/>
-          <a:lstStyle/>
-          <a:p>
-            <a:fld id="{CB9FA82F-D473-46A5-8BC7-A7942AEE8F3B}" type="datetime5">
-              <a:rPr lang="en-US" smtClean="0"/>
-              <a:t>7-Jun-19</a:t>
-            </a:fld>
-            <a:endParaRPr lang="en-US"/>
-          </a:p>
-        </p:txBody>
-      </p:sp>
-      <p:sp>
-        <p:nvSpPr>
-          <p:cNvPr id="5" name="Footer Placeholder 4">
-            <a:extLst>
-              <a:ext uri="{FF2B5EF4-FFF2-40B4-BE49-F238E27FC236}">
-                <a16:creationId xmlns:a16="http://schemas.microsoft.com/office/drawing/2014/main" id="{2BBE6A15-CF9E-48DF-A7AD-657D0DD0CD85}"/>
-              </a:ext>
-            </a:extLst>
-          </p:cNvPr>
-          <p:cNvSpPr>
-            <a:spLocks noGrp="1"/>
-          </p:cNvSpPr>
-          <p:nvPr>
-            <p:ph type="ftr" sz="quarter" idx="11"/>
-          </p:nvPr>
-        </p:nvSpPr>
-        <p:spPr/>
-        <p:txBody>
-          <a:bodyPr/>
-          <a:lstStyle/>
-          <a:p>
-            <a:endParaRPr lang="en-US"/>
-          </a:p>
-        </p:txBody>
-      </p:sp>
-      <p:sp>
-        <p:nvSpPr>
-          <p:cNvPr id="6" name="Slide Number Placeholder 5">
-            <a:extLst>
-              <a:ext uri="{FF2B5EF4-FFF2-40B4-BE49-F238E27FC236}">
-                <a16:creationId xmlns:a16="http://schemas.microsoft.com/office/drawing/2014/main" id="{8F10B6D2-C3ED-4B6B-9C7A-769668A6EC1A}"/>
-              </a:ext>
-            </a:extLst>
-          </p:cNvPr>
-          <p:cNvSpPr>
-            <a:spLocks noGrp="1"/>
-          </p:cNvSpPr>
-          <p:nvPr>
-            <p:ph type="sldNum" sz="quarter" idx="12"/>
-          </p:nvPr>
-        </p:nvSpPr>
-        <p:spPr/>
-        <p:txBody>
-          <a:bodyPr/>
-          <a:lstStyle/>
-          <a:p>
-            <a:fld id="{9EFCAA85-8796-4B17-9CA3-4CB18724EF60}" type="slidenum">
-              <a:rPr lang="en-US" smtClean="0"/>
-              <a:t>5</a:t>
-            </a:fld>
-            <a:endParaRPr lang="en-US"/>
-          </a:p>
-        </p:txBody>
-      </p:sp>
-      <p:sp>
-        <p:nvSpPr>
-          <p:cNvPr id="7" name="Content Placeholder 2">
-            <a:extLst>
-              <a:ext uri="{FF2B5EF4-FFF2-40B4-BE49-F238E27FC236}">
-                <a16:creationId xmlns:a16="http://schemas.microsoft.com/office/drawing/2014/main" id="{54369774-1C23-41E0-B8E4-B0804A25A78F}"/>
-              </a:ext>
-            </a:extLst>
-          </p:cNvPr>
-          <p:cNvSpPr txBox="1">
-            <a:spLocks/>
-          </p:cNvSpPr>
-          <p:nvPr/>
-        </p:nvSpPr>
-        <p:spPr>
-          <a:xfrm>
-            <a:off x="4645451" y="2988297"/>
-            <a:ext cx="3329626" cy="3620044"/>
-          </a:xfrm>
-          <a:prstGeom prst="rect">
-            <a:avLst/>
-          </a:prstGeom>
-        </p:spPr>
-        <p:txBody>
-          <a:bodyPr vert="horz" lIns="91440" tIns="45720" rIns="91440" bIns="45720" rtlCol="0">
-            <a:normAutofit/>
-          </a:bodyPr>
-          <a:lstStyle>
-            <a:lvl1pPr marL="228600" indent="-228600" algn="l" defTabSz="914400" rtl="0" eaLnBrk="1" latinLnBrk="0" hangingPunct="1">
-              <a:lnSpc>
-                <a:spcPct val="90000"/>
-              </a:lnSpc>
-              <a:spcBef>
-                <a:spcPts val="1000"/>
-              </a:spcBef>
-              <a:buFont typeface="Wingdings" panose="05000000000000000000" pitchFamily="2" charset="2"/>
-              <a:buChar char="§"/>
-              <a:defRPr sz="2800" kern="1200">
-                <a:solidFill>
-                  <a:schemeClr val="tx2"/>
-                </a:solidFill>
-                <a:latin typeface="+mn-lt"/>
-                <a:ea typeface="+mn-ea"/>
-                <a:cs typeface="+mn-cs"/>
-              </a:defRPr>
-            </a:lvl1pPr>
-            <a:lvl2pPr marL="685800" indent="-228600" algn="l" defTabSz="914400" rtl="0" eaLnBrk="1" latinLnBrk="0" hangingPunct="1">
-              <a:lnSpc>
-                <a:spcPct val="90000"/>
-              </a:lnSpc>
-              <a:spcBef>
-                <a:spcPts val="500"/>
-              </a:spcBef>
-              <a:buFontTx/>
-              <a:buChar char="‣"/>
-              <a:defRPr sz="2400" kern="1200">
-                <a:solidFill>
-                  <a:schemeClr val="tx2"/>
-                </a:solidFill>
-                <a:latin typeface="+mn-lt"/>
-                <a:ea typeface="+mn-ea"/>
-                <a:cs typeface="+mn-cs"/>
-              </a:defRPr>
-            </a:lvl2pPr>
-            <a:lvl3pPr marL="1143000" indent="-228600" algn="l" defTabSz="914400" rtl="0" eaLnBrk="1" latinLnBrk="0" hangingPunct="1">
-              <a:lnSpc>
-                <a:spcPct val="90000"/>
-              </a:lnSpc>
-              <a:spcBef>
-                <a:spcPts val="500"/>
-              </a:spcBef>
-              <a:buFont typeface="Arial" panose="020B0604020202020204" pitchFamily="34" charset="0"/>
-              <a:buChar char="•"/>
-              <a:defRPr sz="2000" kern="1200">
-                <a:solidFill>
-                  <a:schemeClr val="tx2"/>
-                </a:solidFill>
-                <a:latin typeface="+mn-lt"/>
-                <a:ea typeface="+mn-ea"/>
-                <a:cs typeface="+mn-cs"/>
-              </a:defRPr>
-            </a:lvl3pPr>
-            <a:lvl4pPr marL="1600200" indent="-228600" algn="l" defTabSz="914400" rtl="0" eaLnBrk="1" latinLnBrk="0" hangingPunct="1">
-              <a:lnSpc>
-                <a:spcPct val="90000"/>
-              </a:lnSpc>
-              <a:spcBef>
-                <a:spcPts val="500"/>
-              </a:spcBef>
-              <a:buSzPct val="75000"/>
-              <a:buFont typeface="Courier New" panose="02070309020205020404" pitchFamily="49" charset="0"/>
-              <a:buChar char="o"/>
-              <a:defRPr sz="1800" kern="1200">
-                <a:solidFill>
-                  <a:schemeClr val="tx2"/>
-                </a:solidFill>
-                <a:latin typeface="+mn-lt"/>
-                <a:ea typeface="+mn-ea"/>
-                <a:cs typeface="+mn-cs"/>
-              </a:defRPr>
-            </a:lvl4pPr>
-            <a:lvl5pPr marL="2057400" indent="-228600" algn="l" defTabSz="914400" rtl="0" eaLnBrk="1" latinLnBrk="0" hangingPunct="1">
-              <a:lnSpc>
-                <a:spcPct val="90000"/>
-              </a:lnSpc>
-              <a:spcBef>
-                <a:spcPts val="500"/>
-              </a:spcBef>
-              <a:buFont typeface="Calibri" panose="020F0502020204030204" pitchFamily="34" charset="0"/>
-              <a:buChar char="–"/>
-              <a:defRPr sz="1800" kern="1200">
-                <a:solidFill>
-                  <a:schemeClr val="tx2"/>
-                </a:solidFill>
-                <a:latin typeface="+mn-lt"/>
-                <a:ea typeface="+mn-ea"/>
-                <a:cs typeface="+mn-cs"/>
-              </a:defRPr>
-            </a:lvl5pPr>
-            <a:lvl6pPr marL="2514600" indent="-228600" algn="l" defTabSz="914400" rtl="0" eaLnBrk="1" latinLnBrk="0" hangingPunct="1">
-              <a:lnSpc>
-                <a:spcPct val="90000"/>
-              </a:lnSpc>
-              <a:spcBef>
-                <a:spcPts val="500"/>
-              </a:spcBef>
-              <a:buFont typeface="Arial" panose="020B0604020202020204" pitchFamily="34" charset="0"/>
-              <a:buChar char="•"/>
-              <a:defRPr sz="1800" kern="1200">
-                <a:solidFill>
-                  <a:schemeClr val="tx1"/>
-                </a:solidFill>
-                <a:latin typeface="+mn-lt"/>
-                <a:ea typeface="+mn-ea"/>
-                <a:cs typeface="+mn-cs"/>
-              </a:defRPr>
-            </a:lvl6pPr>
-            <a:lvl7pPr marL="2971800" indent="-228600" algn="l" defTabSz="914400" rtl="0" eaLnBrk="1" latinLnBrk="0" hangingPunct="1">
-              <a:lnSpc>
-                <a:spcPct val="90000"/>
-              </a:lnSpc>
-              <a:spcBef>
-                <a:spcPts val="500"/>
-              </a:spcBef>
-              <a:buFont typeface="Arial" panose="020B0604020202020204" pitchFamily="34" charset="0"/>
-              <a:buChar char="•"/>
-              <a:defRPr sz="1800" kern="1200">
-                <a:solidFill>
-                  <a:schemeClr val="tx1"/>
-                </a:solidFill>
-                <a:latin typeface="+mn-lt"/>
-                <a:ea typeface="+mn-ea"/>
-                <a:cs typeface="+mn-cs"/>
-              </a:defRPr>
-            </a:lvl7pPr>
-            <a:lvl8pPr marL="3429000" indent="-228600" algn="l" defTabSz="914400" rtl="0" eaLnBrk="1" latinLnBrk="0" hangingPunct="1">
-              <a:lnSpc>
-                <a:spcPct val="90000"/>
-              </a:lnSpc>
-              <a:spcBef>
-                <a:spcPts val="500"/>
-              </a:spcBef>
-              <a:buFont typeface="Arial" panose="020B0604020202020204" pitchFamily="34" charset="0"/>
-              <a:buChar char="•"/>
-              <a:defRPr sz="1800" kern="1200">
-                <a:solidFill>
-                  <a:schemeClr val="tx1"/>
-                </a:solidFill>
-                <a:latin typeface="+mn-lt"/>
-                <a:ea typeface="+mn-ea"/>
-                <a:cs typeface="+mn-cs"/>
-              </a:defRPr>
-            </a:lvl8pPr>
-            <a:lvl9pPr marL="3886200" indent="-228600" algn="l" defTabSz="914400" rtl="0" eaLnBrk="1" latinLnBrk="0" hangingPunct="1">
-              <a:lnSpc>
-                <a:spcPct val="90000"/>
-              </a:lnSpc>
-              <a:spcBef>
-                <a:spcPts val="500"/>
-              </a:spcBef>
-              <a:buFont typeface="Arial" panose="020B0604020202020204" pitchFamily="34" charset="0"/>
-              <a:buChar char="•"/>
-              <a:defRPr sz="1800" kern="1200">
-                <a:solidFill>
-                  <a:schemeClr val="tx1"/>
-                </a:solidFill>
-                <a:latin typeface="+mn-lt"/>
-                <a:ea typeface="+mn-ea"/>
-                <a:cs typeface="+mn-cs"/>
-              </a:defRPr>
-            </a:lvl9pPr>
-          </a:lstStyle>
-          <a:p>
-            <a:r>
-              <a:rPr lang="en-IN" dirty="0"/>
-              <a:t>Graph Indexing</a:t>
-            </a:r>
-          </a:p>
-          <a:p>
-            <a:pPr lvl="1"/>
-            <a:r>
-              <a:rPr lang="en-IN" dirty="0"/>
-              <a:t>C-Tree [7]</a:t>
-            </a:r>
-          </a:p>
-          <a:p>
-            <a:pPr lvl="1"/>
-            <a:r>
-              <a:rPr lang="en-IN" dirty="0"/>
-              <a:t>Views [8]</a:t>
-            </a:r>
-          </a:p>
-          <a:p>
-            <a:pPr lvl="1"/>
-            <a:r>
-              <a:rPr lang="en-IN" dirty="0"/>
-              <a:t>FERRARI [9]</a:t>
-            </a:r>
-          </a:p>
-          <a:p>
-            <a:pPr lvl="1"/>
-            <a:r>
-              <a:rPr lang="en-IN" dirty="0" err="1"/>
-              <a:t>GraphS</a:t>
-            </a:r>
-            <a:r>
-              <a:rPr lang="en-IN" dirty="0"/>
-              <a:t> [10]</a:t>
-            </a:r>
-          </a:p>
-        </p:txBody>
-      </p:sp>
-      <p:sp>
-        <p:nvSpPr>
-          <p:cNvPr id="8" name="Content Placeholder 2">
-            <a:extLst>
-              <a:ext uri="{FF2B5EF4-FFF2-40B4-BE49-F238E27FC236}">
-                <a16:creationId xmlns:a16="http://schemas.microsoft.com/office/drawing/2014/main" id="{FCE7D968-A39F-4F1D-A82E-5B9231665EE7}"/>
-              </a:ext>
-            </a:extLst>
-          </p:cNvPr>
-          <p:cNvSpPr txBox="1">
-            <a:spLocks/>
-          </p:cNvSpPr>
-          <p:nvPr/>
-        </p:nvSpPr>
-        <p:spPr>
-          <a:xfrm>
-            <a:off x="4645451" y="1775958"/>
-            <a:ext cx="4421957" cy="4530726"/>
-          </a:xfrm>
-          <a:prstGeom prst="rect">
-            <a:avLst/>
-          </a:prstGeom>
-        </p:spPr>
-        <p:txBody>
-          <a:bodyPr vert="horz" lIns="91440" tIns="45720" rIns="91440" bIns="45720" rtlCol="0">
-            <a:normAutofit/>
-          </a:bodyPr>
-          <a:lstStyle>
-            <a:lvl1pPr marL="228600" indent="-228600" algn="l" defTabSz="914400" rtl="0" eaLnBrk="1" latinLnBrk="0" hangingPunct="1">
-              <a:lnSpc>
-                <a:spcPct val="90000"/>
-              </a:lnSpc>
-              <a:spcBef>
-                <a:spcPts val="1000"/>
-              </a:spcBef>
-              <a:buFont typeface="Wingdings" panose="05000000000000000000" pitchFamily="2" charset="2"/>
-              <a:buChar char="§"/>
-              <a:defRPr sz="2800" kern="1200">
-                <a:solidFill>
-                  <a:schemeClr val="tx2"/>
-                </a:solidFill>
-                <a:latin typeface="+mn-lt"/>
-                <a:ea typeface="+mn-ea"/>
-                <a:cs typeface="+mn-cs"/>
-              </a:defRPr>
-            </a:lvl1pPr>
-            <a:lvl2pPr marL="685800" indent="-228600" algn="l" defTabSz="914400" rtl="0" eaLnBrk="1" latinLnBrk="0" hangingPunct="1">
-              <a:lnSpc>
-                <a:spcPct val="90000"/>
-              </a:lnSpc>
-              <a:spcBef>
-                <a:spcPts val="500"/>
-              </a:spcBef>
-              <a:buFontTx/>
-              <a:buChar char="‣"/>
-              <a:defRPr sz="2400" kern="1200">
-                <a:solidFill>
-                  <a:schemeClr val="tx2"/>
-                </a:solidFill>
-                <a:latin typeface="+mn-lt"/>
-                <a:ea typeface="+mn-ea"/>
-                <a:cs typeface="+mn-cs"/>
-              </a:defRPr>
-            </a:lvl2pPr>
-            <a:lvl3pPr marL="1143000" indent="-228600" algn="l" defTabSz="914400" rtl="0" eaLnBrk="1" latinLnBrk="0" hangingPunct="1">
-              <a:lnSpc>
-                <a:spcPct val="90000"/>
-              </a:lnSpc>
-              <a:spcBef>
-                <a:spcPts val="500"/>
-              </a:spcBef>
-              <a:buFont typeface="Arial" panose="020B0604020202020204" pitchFamily="34" charset="0"/>
-              <a:buChar char="•"/>
-              <a:defRPr sz="2000" kern="1200">
-                <a:solidFill>
-                  <a:schemeClr val="tx2"/>
-                </a:solidFill>
-                <a:latin typeface="+mn-lt"/>
-                <a:ea typeface="+mn-ea"/>
-                <a:cs typeface="+mn-cs"/>
-              </a:defRPr>
-            </a:lvl3pPr>
-            <a:lvl4pPr marL="1600200" indent="-228600" algn="l" defTabSz="914400" rtl="0" eaLnBrk="1" latinLnBrk="0" hangingPunct="1">
-              <a:lnSpc>
-                <a:spcPct val="90000"/>
-              </a:lnSpc>
-              <a:spcBef>
-                <a:spcPts val="500"/>
-              </a:spcBef>
-              <a:buSzPct val="75000"/>
-              <a:buFont typeface="Courier New" panose="02070309020205020404" pitchFamily="49" charset="0"/>
-              <a:buChar char="o"/>
-              <a:defRPr sz="1800" kern="1200">
-                <a:solidFill>
-                  <a:schemeClr val="tx2"/>
-                </a:solidFill>
-                <a:latin typeface="+mn-lt"/>
-                <a:ea typeface="+mn-ea"/>
-                <a:cs typeface="+mn-cs"/>
-              </a:defRPr>
-            </a:lvl4pPr>
-            <a:lvl5pPr marL="2057400" indent="-228600" algn="l" defTabSz="914400" rtl="0" eaLnBrk="1" latinLnBrk="0" hangingPunct="1">
-              <a:lnSpc>
-                <a:spcPct val="90000"/>
-              </a:lnSpc>
-              <a:spcBef>
-                <a:spcPts val="500"/>
-              </a:spcBef>
-              <a:buFont typeface="Calibri" panose="020F0502020204030204" pitchFamily="34" charset="0"/>
-              <a:buChar char="–"/>
-              <a:defRPr sz="1800" kern="1200">
-                <a:solidFill>
-                  <a:schemeClr val="tx2"/>
-                </a:solidFill>
-                <a:latin typeface="+mn-lt"/>
-                <a:ea typeface="+mn-ea"/>
-                <a:cs typeface="+mn-cs"/>
-              </a:defRPr>
-            </a:lvl5pPr>
-            <a:lvl6pPr marL="2514600" indent="-228600" algn="l" defTabSz="914400" rtl="0" eaLnBrk="1" latinLnBrk="0" hangingPunct="1">
-              <a:lnSpc>
-                <a:spcPct val="90000"/>
-              </a:lnSpc>
-              <a:spcBef>
-                <a:spcPts val="500"/>
-              </a:spcBef>
-              <a:buFont typeface="Arial" panose="020B0604020202020204" pitchFamily="34" charset="0"/>
-              <a:buChar char="•"/>
-              <a:defRPr sz="1800" kern="1200">
-                <a:solidFill>
-                  <a:schemeClr val="tx1"/>
-                </a:solidFill>
-                <a:latin typeface="+mn-lt"/>
-                <a:ea typeface="+mn-ea"/>
-                <a:cs typeface="+mn-cs"/>
-              </a:defRPr>
-            </a:lvl6pPr>
-            <a:lvl7pPr marL="2971800" indent="-228600" algn="l" defTabSz="914400" rtl="0" eaLnBrk="1" latinLnBrk="0" hangingPunct="1">
-              <a:lnSpc>
-                <a:spcPct val="90000"/>
-              </a:lnSpc>
-              <a:spcBef>
-                <a:spcPts val="500"/>
-              </a:spcBef>
-              <a:buFont typeface="Arial" panose="020B0604020202020204" pitchFamily="34" charset="0"/>
-              <a:buChar char="•"/>
-              <a:defRPr sz="1800" kern="1200">
-                <a:solidFill>
-                  <a:schemeClr val="tx1"/>
-                </a:solidFill>
-                <a:latin typeface="+mn-lt"/>
-                <a:ea typeface="+mn-ea"/>
-                <a:cs typeface="+mn-cs"/>
-              </a:defRPr>
-            </a:lvl7pPr>
-            <a:lvl8pPr marL="3429000" indent="-228600" algn="l" defTabSz="914400" rtl="0" eaLnBrk="1" latinLnBrk="0" hangingPunct="1">
-              <a:lnSpc>
-                <a:spcPct val="90000"/>
-              </a:lnSpc>
-              <a:spcBef>
-                <a:spcPts val="500"/>
-              </a:spcBef>
-              <a:buFont typeface="Arial" panose="020B0604020202020204" pitchFamily="34" charset="0"/>
-              <a:buChar char="•"/>
-              <a:defRPr sz="1800" kern="1200">
-                <a:solidFill>
-                  <a:schemeClr val="tx1"/>
-                </a:solidFill>
-                <a:latin typeface="+mn-lt"/>
-                <a:ea typeface="+mn-ea"/>
-                <a:cs typeface="+mn-cs"/>
-              </a:defRPr>
-            </a:lvl8pPr>
-            <a:lvl9pPr marL="3886200" indent="-228600" algn="l" defTabSz="914400" rtl="0" eaLnBrk="1" latinLnBrk="0" hangingPunct="1">
-              <a:lnSpc>
-                <a:spcPct val="90000"/>
-              </a:lnSpc>
-              <a:spcBef>
-                <a:spcPts val="500"/>
-              </a:spcBef>
-              <a:buFont typeface="Arial" panose="020B0604020202020204" pitchFamily="34" charset="0"/>
-              <a:buChar char="•"/>
-              <a:defRPr sz="1800" kern="1200">
-                <a:solidFill>
-                  <a:schemeClr val="tx1"/>
-                </a:solidFill>
-                <a:latin typeface="+mn-lt"/>
-                <a:ea typeface="+mn-ea"/>
-                <a:cs typeface="+mn-cs"/>
-              </a:defRPr>
-            </a:lvl9pPr>
-          </a:lstStyle>
-          <a:p>
-            <a:r>
-              <a:rPr lang="en-IN" dirty="0"/>
-              <a:t>Graph Caching</a:t>
-            </a:r>
-          </a:p>
-          <a:p>
-            <a:pPr lvl="1"/>
-            <a:r>
-              <a:rPr lang="en-IN" dirty="0"/>
-              <a:t>GC [6]</a:t>
-            </a:r>
-          </a:p>
-        </p:txBody>
-      </p:sp>
-      <p:sp>
-        <p:nvSpPr>
-          <p:cNvPr id="9" name="Content Placeholder 2">
-            <a:extLst>
-              <a:ext uri="{FF2B5EF4-FFF2-40B4-BE49-F238E27FC236}">
-                <a16:creationId xmlns:a16="http://schemas.microsoft.com/office/drawing/2014/main" id="{464E509F-1C96-4B46-9BA5-CBE9698FF05A}"/>
-              </a:ext>
-            </a:extLst>
-          </p:cNvPr>
-          <p:cNvSpPr txBox="1">
-            <a:spLocks/>
-          </p:cNvSpPr>
-          <p:nvPr/>
-        </p:nvSpPr>
-        <p:spPr>
-          <a:xfrm>
-            <a:off x="7955046" y="1805693"/>
-            <a:ext cx="3245962" cy="3620044"/>
-          </a:xfrm>
-          <a:prstGeom prst="rect">
-            <a:avLst/>
-          </a:prstGeom>
-        </p:spPr>
-        <p:txBody>
-          <a:bodyPr vert="horz" lIns="91440" tIns="45720" rIns="91440" bIns="45720" rtlCol="0">
-            <a:normAutofit/>
-          </a:bodyPr>
-          <a:lstStyle>
-            <a:lvl1pPr marL="228600" indent="-228600" algn="l" defTabSz="914400" rtl="0" eaLnBrk="1" latinLnBrk="0" hangingPunct="1">
-              <a:lnSpc>
-                <a:spcPct val="90000"/>
-              </a:lnSpc>
-              <a:spcBef>
-                <a:spcPts val="1000"/>
-              </a:spcBef>
-              <a:buFont typeface="Wingdings" panose="05000000000000000000" pitchFamily="2" charset="2"/>
-              <a:buChar char="§"/>
-              <a:defRPr sz="2800" kern="1200">
-                <a:solidFill>
-                  <a:schemeClr val="tx2"/>
-                </a:solidFill>
-                <a:latin typeface="+mn-lt"/>
-                <a:ea typeface="+mn-ea"/>
-                <a:cs typeface="+mn-cs"/>
-              </a:defRPr>
-            </a:lvl1pPr>
-            <a:lvl2pPr marL="685800" indent="-228600" algn="l" defTabSz="914400" rtl="0" eaLnBrk="1" latinLnBrk="0" hangingPunct="1">
-              <a:lnSpc>
-                <a:spcPct val="90000"/>
-              </a:lnSpc>
-              <a:spcBef>
-                <a:spcPts val="500"/>
-              </a:spcBef>
-              <a:buFontTx/>
-              <a:buChar char="‣"/>
-              <a:defRPr sz="2400" kern="1200">
-                <a:solidFill>
-                  <a:schemeClr val="tx2"/>
-                </a:solidFill>
-                <a:latin typeface="+mn-lt"/>
-                <a:ea typeface="+mn-ea"/>
-                <a:cs typeface="+mn-cs"/>
-              </a:defRPr>
-            </a:lvl2pPr>
-            <a:lvl3pPr marL="1143000" indent="-228600" algn="l" defTabSz="914400" rtl="0" eaLnBrk="1" latinLnBrk="0" hangingPunct="1">
-              <a:lnSpc>
-                <a:spcPct val="90000"/>
-              </a:lnSpc>
-              <a:spcBef>
-                <a:spcPts val="500"/>
-              </a:spcBef>
-              <a:buFont typeface="Arial" panose="020B0604020202020204" pitchFamily="34" charset="0"/>
-              <a:buChar char="•"/>
-              <a:defRPr sz="2000" kern="1200">
-                <a:solidFill>
-                  <a:schemeClr val="tx2"/>
-                </a:solidFill>
-                <a:latin typeface="+mn-lt"/>
-                <a:ea typeface="+mn-ea"/>
-                <a:cs typeface="+mn-cs"/>
-              </a:defRPr>
-            </a:lvl3pPr>
-            <a:lvl4pPr marL="1600200" indent="-228600" algn="l" defTabSz="914400" rtl="0" eaLnBrk="1" latinLnBrk="0" hangingPunct="1">
-              <a:lnSpc>
-                <a:spcPct val="90000"/>
-              </a:lnSpc>
-              <a:spcBef>
-                <a:spcPts val="500"/>
-              </a:spcBef>
-              <a:buSzPct val="75000"/>
-              <a:buFont typeface="Courier New" panose="02070309020205020404" pitchFamily="49" charset="0"/>
-              <a:buChar char="o"/>
-              <a:defRPr sz="1800" kern="1200">
-                <a:solidFill>
-                  <a:schemeClr val="tx2"/>
-                </a:solidFill>
-                <a:latin typeface="+mn-lt"/>
-                <a:ea typeface="+mn-ea"/>
-                <a:cs typeface="+mn-cs"/>
-              </a:defRPr>
-            </a:lvl4pPr>
-            <a:lvl5pPr marL="2057400" indent="-228600" algn="l" defTabSz="914400" rtl="0" eaLnBrk="1" latinLnBrk="0" hangingPunct="1">
-              <a:lnSpc>
-                <a:spcPct val="90000"/>
-              </a:lnSpc>
-              <a:spcBef>
-                <a:spcPts val="500"/>
-              </a:spcBef>
-              <a:buFont typeface="Calibri" panose="020F0502020204030204" pitchFamily="34" charset="0"/>
-              <a:buChar char="–"/>
-              <a:defRPr sz="1800" kern="1200">
-                <a:solidFill>
-                  <a:schemeClr val="tx2"/>
-                </a:solidFill>
-                <a:latin typeface="+mn-lt"/>
-                <a:ea typeface="+mn-ea"/>
-                <a:cs typeface="+mn-cs"/>
-              </a:defRPr>
-            </a:lvl5pPr>
-            <a:lvl6pPr marL="2514600" indent="-228600" algn="l" defTabSz="914400" rtl="0" eaLnBrk="1" latinLnBrk="0" hangingPunct="1">
-              <a:lnSpc>
-                <a:spcPct val="90000"/>
-              </a:lnSpc>
-              <a:spcBef>
-                <a:spcPts val="500"/>
-              </a:spcBef>
-              <a:buFont typeface="Arial" panose="020B0604020202020204" pitchFamily="34" charset="0"/>
-              <a:buChar char="•"/>
-              <a:defRPr sz="1800" kern="1200">
-                <a:solidFill>
-                  <a:schemeClr val="tx1"/>
-                </a:solidFill>
-                <a:latin typeface="+mn-lt"/>
-                <a:ea typeface="+mn-ea"/>
-                <a:cs typeface="+mn-cs"/>
-              </a:defRPr>
-            </a:lvl6pPr>
-            <a:lvl7pPr marL="2971800" indent="-228600" algn="l" defTabSz="914400" rtl="0" eaLnBrk="1" latinLnBrk="0" hangingPunct="1">
-              <a:lnSpc>
-                <a:spcPct val="90000"/>
-              </a:lnSpc>
-              <a:spcBef>
-                <a:spcPts val="500"/>
-              </a:spcBef>
-              <a:buFont typeface="Arial" panose="020B0604020202020204" pitchFamily="34" charset="0"/>
-              <a:buChar char="•"/>
-              <a:defRPr sz="1800" kern="1200">
-                <a:solidFill>
-                  <a:schemeClr val="tx1"/>
-                </a:solidFill>
-                <a:latin typeface="+mn-lt"/>
-                <a:ea typeface="+mn-ea"/>
-                <a:cs typeface="+mn-cs"/>
-              </a:defRPr>
-            </a:lvl7pPr>
-            <a:lvl8pPr marL="3429000" indent="-228600" algn="l" defTabSz="914400" rtl="0" eaLnBrk="1" latinLnBrk="0" hangingPunct="1">
-              <a:lnSpc>
-                <a:spcPct val="90000"/>
-              </a:lnSpc>
-              <a:spcBef>
-                <a:spcPts val="500"/>
-              </a:spcBef>
-              <a:buFont typeface="Arial" panose="020B0604020202020204" pitchFamily="34" charset="0"/>
-              <a:buChar char="•"/>
-              <a:defRPr sz="1800" kern="1200">
-                <a:solidFill>
-                  <a:schemeClr val="tx1"/>
-                </a:solidFill>
-                <a:latin typeface="+mn-lt"/>
-                <a:ea typeface="+mn-ea"/>
-                <a:cs typeface="+mn-cs"/>
-              </a:defRPr>
-            </a:lvl8pPr>
-            <a:lvl9pPr marL="3886200" indent="-228600" algn="l" defTabSz="914400" rtl="0" eaLnBrk="1" latinLnBrk="0" hangingPunct="1">
-              <a:lnSpc>
-                <a:spcPct val="90000"/>
-              </a:lnSpc>
-              <a:spcBef>
-                <a:spcPts val="500"/>
-              </a:spcBef>
-              <a:buFont typeface="Arial" panose="020B0604020202020204" pitchFamily="34" charset="0"/>
-              <a:buChar char="•"/>
-              <a:defRPr sz="1800" kern="1200">
-                <a:solidFill>
-                  <a:schemeClr val="tx1"/>
-                </a:solidFill>
-                <a:latin typeface="+mn-lt"/>
-                <a:ea typeface="+mn-ea"/>
-                <a:cs typeface="+mn-cs"/>
-              </a:defRPr>
-            </a:lvl9pPr>
-          </a:lstStyle>
-          <a:p>
-            <a:r>
-              <a:rPr lang="en-IN" dirty="0"/>
-              <a:t>Graph Databases</a:t>
-            </a:r>
-          </a:p>
-          <a:p>
-            <a:pPr lvl="1"/>
-            <a:r>
-              <a:rPr lang="en-IN" dirty="0" err="1"/>
-              <a:t>GoDB</a:t>
-            </a:r>
-            <a:r>
-              <a:rPr lang="en-IN" dirty="0"/>
-              <a:t> [11]</a:t>
-            </a:r>
-          </a:p>
-          <a:p>
-            <a:pPr lvl="1"/>
-            <a:r>
-              <a:rPr lang="en-IN" dirty="0" err="1"/>
-              <a:t>TinkerGraph</a:t>
-            </a:r>
-            <a:endParaRPr lang="en-IN" dirty="0"/>
-          </a:p>
-          <a:p>
-            <a:pPr lvl="1"/>
-            <a:r>
-              <a:rPr lang="en-IN" dirty="0"/>
-              <a:t>Neo4j</a:t>
-            </a:r>
-          </a:p>
-          <a:p>
-            <a:pPr lvl="1"/>
-            <a:r>
-              <a:rPr lang="en-IN" dirty="0" err="1"/>
-              <a:t>Dgraph</a:t>
-            </a:r>
-            <a:endParaRPr lang="en-IN" dirty="0"/>
-          </a:p>
-          <a:p>
-            <a:pPr lvl="1"/>
-            <a:r>
-              <a:rPr lang="en-IN" dirty="0"/>
-              <a:t>Titan</a:t>
-            </a:r>
-          </a:p>
-        </p:txBody>
-      </p:sp>
-    </p:spTree>
-    <p:extLst>
-      <p:ext uri="{BB962C8B-B14F-4D97-AF65-F5344CB8AC3E}">
-        <p14:creationId xmlns:p14="http://schemas.microsoft.com/office/powerpoint/2010/main" val="2469712158"/>
       </p:ext>
     </p:extLst>
   </p:cSld>
@@ -15897,7 +17715,7 @@
           <p:cNvPr id="2" name="Title 1">
             <a:extLst>
               <a:ext uri="{FF2B5EF4-FFF2-40B4-BE49-F238E27FC236}">
-                <a16:creationId xmlns:a16="http://schemas.microsoft.com/office/drawing/2014/main" id="{DF25A9A7-682E-4E4B-89F1-3291E54AA153}"/>
+                <a16:creationId xmlns:a16="http://schemas.microsoft.com/office/drawing/2014/main" id="{89B93F80-B2FB-4A7C-86E9-B8398B8BF9A7}"/>
               </a:ext>
             </a:extLst>
           </p:cNvPr>
@@ -15911,7 +17729,43 @@
         <p:spPr>
           <a:xfrm>
             <a:off x="838200" y="408159"/>
-            <a:ext cx="10515600" cy="883313"/>
+            <a:ext cx="10515600" cy="977581"/>
+          </a:xfrm>
+        </p:spPr>
+        <p:txBody>
+          <a:bodyPr>
+            <a:normAutofit/>
+          </a:bodyPr>
+          <a:lstStyle/>
+          <a:p>
+            <a:r>
+              <a:rPr lang="en-US" sz="3600" b="1" dirty="0"/>
+              <a:t>Accelerating Dynamic Graph Analytics on GPUs [3]</a:t>
+            </a:r>
+            <a:endParaRPr lang="en-IN" sz="3600" dirty="0"/>
+          </a:p>
+        </p:txBody>
+      </p:sp>
+      <p:sp>
+        <p:nvSpPr>
+          <p:cNvPr id="3" name="Content Placeholder 2">
+            <a:extLst>
+              <a:ext uri="{FF2B5EF4-FFF2-40B4-BE49-F238E27FC236}">
+                <a16:creationId xmlns:a16="http://schemas.microsoft.com/office/drawing/2014/main" id="{0D5CA894-88C9-4BA8-BB9D-6B0B06AC0004}"/>
+              </a:ext>
+            </a:extLst>
+          </p:cNvPr>
+          <p:cNvSpPr>
+            <a:spLocks noGrp="1"/>
+          </p:cNvSpPr>
+          <p:nvPr>
+            <p:ph idx="1"/>
+          </p:nvPr>
+        </p:nvSpPr>
+        <p:spPr>
+          <a:xfrm>
+            <a:off x="905933" y="1385740"/>
+            <a:ext cx="10515600" cy="4798243"/>
           </a:xfrm>
         </p:spPr>
         <p:txBody>
@@ -15920,8 +17774,23 @@
           <a:p>
             <a:r>
               <a:rPr lang="en-IN" dirty="0"/>
-              <a:t>Key Contributions</a:t>
-            </a:r>
+              <a:t>GPU based dynamic graph storage scheme</a:t>
+            </a:r>
+          </a:p>
+          <a:p>
+            <a:r>
+              <a:rPr lang="en-IN" dirty="0"/>
+              <a:t>Parallel update algorithms supporting stream updates</a:t>
+            </a:r>
+          </a:p>
+          <a:p>
+            <a:r>
+              <a:rPr lang="en-IN" dirty="0"/>
+              <a:t>Uses Packed Memory Array (PMA) for storage</a:t>
+            </a:r>
+          </a:p>
+          <a:p>
+            <a:endParaRPr lang="en-IN" dirty="0"/>
           </a:p>
         </p:txBody>
       </p:sp>
@@ -15930,7 +17799,7 @@
           <p:cNvPr id="4" name="Date Placeholder 3">
             <a:extLst>
               <a:ext uri="{FF2B5EF4-FFF2-40B4-BE49-F238E27FC236}">
-                <a16:creationId xmlns:a16="http://schemas.microsoft.com/office/drawing/2014/main" id="{6693DC17-7283-42E0-86EB-4B4BC6842095}"/>
+                <a16:creationId xmlns:a16="http://schemas.microsoft.com/office/drawing/2014/main" id="{5140B8D4-7DC1-4303-980F-97F14FC60E61}"/>
               </a:ext>
             </a:extLst>
           </p:cNvPr>
@@ -15948,7 +17817,7 @@
           <a:p>
             <a:fld id="{CB9FA82F-D473-46A5-8BC7-A7942AEE8F3B}" type="datetime5">
               <a:rPr lang="en-US" smtClean="0"/>
-              <a:t>7-Jun-19</a:t>
+              <a:t>22-Jun-19</a:t>
             </a:fld>
             <a:endParaRPr lang="en-US"/>
           </a:p>
@@ -15959,7 +17828,7 @@
           <p:cNvPr id="5" name="Footer Placeholder 4">
             <a:extLst>
               <a:ext uri="{FF2B5EF4-FFF2-40B4-BE49-F238E27FC236}">
-                <a16:creationId xmlns:a16="http://schemas.microsoft.com/office/drawing/2014/main" id="{9B97FDC3-7AA4-47DA-8E63-E724D0D0BDE2}"/>
+                <a16:creationId xmlns:a16="http://schemas.microsoft.com/office/drawing/2014/main" id="{BAEF9B8A-8512-42D1-A089-7340AD4B9C59}"/>
               </a:ext>
             </a:extLst>
           </p:cNvPr>
@@ -15975,7 +17844,11 @@
           <a:bodyPr/>
           <a:lstStyle/>
           <a:p>
-            <a:endParaRPr lang="en-US"/>
+            <a:r>
+              <a:rPr lang="en-IN" dirty="0"/>
+              <a:t>Mo Sha et. al. VLDB 2017</a:t>
+            </a:r>
+            <a:endParaRPr lang="en-US" dirty="0"/>
           </a:p>
         </p:txBody>
       </p:sp>
@@ -15984,7 +17857,7 @@
           <p:cNvPr id="6" name="Slide Number Placeholder 5">
             <a:extLst>
               <a:ext uri="{FF2B5EF4-FFF2-40B4-BE49-F238E27FC236}">
-                <a16:creationId xmlns:a16="http://schemas.microsoft.com/office/drawing/2014/main" id="{A44C6B72-DD64-45D8-8073-1A07DE735DFC}"/>
+                <a16:creationId xmlns:a16="http://schemas.microsoft.com/office/drawing/2014/main" id="{B3B6882C-6964-49BE-8C55-156A5DAE813D}"/>
               </a:ext>
             </a:extLst>
           </p:cNvPr>
@@ -16008,102 +17881,70 @@
           </a:p>
         </p:txBody>
       </p:sp>
-      <p:sp>
-        <p:nvSpPr>
-          <p:cNvPr id="7" name="Content Placeholder 6">
+      <p:pic>
+        <p:nvPicPr>
+          <p:cNvPr id="7" name="Picture 6">
             <a:extLst>
               <a:ext uri="{FF2B5EF4-FFF2-40B4-BE49-F238E27FC236}">
-                <a16:creationId xmlns:a16="http://schemas.microsoft.com/office/drawing/2014/main" id="{4720A65D-E959-4BC5-AB3A-A553F7B534ED}"/>
+                <a16:creationId xmlns:a16="http://schemas.microsoft.com/office/drawing/2014/main" id="{84E74557-2DBC-4905-BEFA-A1C22F652AD3}"/>
               </a:ext>
             </a:extLst>
           </p:cNvPr>
-          <p:cNvSpPr>
-            <a:spLocks noGrp="1"/>
-          </p:cNvSpPr>
-          <p:nvPr>
-            <p:ph idx="1"/>
-          </p:nvPr>
-        </p:nvSpPr>
+          <p:cNvPicPr>
+            <a:picLocks noChangeAspect="1"/>
+          </p:cNvPicPr>
+          <p:nvPr/>
+        </p:nvPicPr>
+        <p:blipFill>
+          <a:blip r:embed="rId2"/>
+          <a:stretch>
+            <a:fillRect/>
+          </a:stretch>
+        </p:blipFill>
         <p:spPr>
           <a:xfrm>
-            <a:off x="838199" y="1558549"/>
-            <a:ext cx="10515600" cy="4530726"/>
+            <a:off x="178323" y="3055533"/>
+            <a:ext cx="7201378" cy="2668092"/>
           </a:xfrm>
+          <a:prstGeom prst="rect">
+            <a:avLst/>
+          </a:prstGeom>
         </p:spPr>
-        <p:txBody>
-          <a:bodyPr/>
-          <a:lstStyle/>
-          <a:p>
-            <a:r>
-              <a:rPr lang="en-IN" dirty="0"/>
-              <a:t>Graph Caching</a:t>
-            </a:r>
-          </a:p>
-          <a:p>
-            <a:pPr lvl="1"/>
-            <a:r>
-              <a:rPr lang="en-IN" dirty="0"/>
-              <a:t>Cache Knowledge graph in Edge layer</a:t>
-            </a:r>
-          </a:p>
-          <a:p>
-            <a:r>
-              <a:rPr lang="en-IN" dirty="0"/>
-              <a:t>Query Partitioning</a:t>
-            </a:r>
-          </a:p>
-          <a:p>
-            <a:pPr lvl="1"/>
-            <a:r>
-              <a:rPr lang="en-IN" dirty="0"/>
-              <a:t>Partition input graph query into local and remote</a:t>
-            </a:r>
-          </a:p>
-          <a:p>
-            <a:r>
-              <a:rPr lang="en-IN" dirty="0"/>
-              <a:t>Result Generation</a:t>
-            </a:r>
-          </a:p>
-          <a:p>
-            <a:pPr lvl="1"/>
-            <a:r>
-              <a:rPr lang="en-IN" dirty="0"/>
-              <a:t>Combine results from local and remote server into a correct result</a:t>
-            </a:r>
-          </a:p>
-          <a:p>
-            <a:r>
-              <a:rPr lang="en-IN" dirty="0"/>
-              <a:t>Different Query Types</a:t>
-            </a:r>
-          </a:p>
-          <a:p>
-            <a:pPr lvl="1"/>
-            <a:r>
-              <a:rPr lang="en-IN" dirty="0"/>
-              <a:t>Vertex, Edge, Path search and reachability</a:t>
-            </a:r>
-          </a:p>
-          <a:p>
-            <a:r>
-              <a:rPr lang="en-IN" dirty="0"/>
-              <a:t>Result Caching</a:t>
-            </a:r>
-          </a:p>
-          <a:p>
-            <a:pPr lvl="1"/>
-            <a:r>
-              <a:rPr lang="en-IN" dirty="0"/>
-              <a:t>Cache results from remote layer with cache management</a:t>
-            </a:r>
-          </a:p>
-        </p:txBody>
-      </p:sp>
+      </p:pic>
+      <p:pic>
+        <p:nvPicPr>
+          <p:cNvPr id="8" name="Picture 7">
+            <a:extLst>
+              <a:ext uri="{FF2B5EF4-FFF2-40B4-BE49-F238E27FC236}">
+                <a16:creationId xmlns:a16="http://schemas.microsoft.com/office/drawing/2014/main" id="{8D50A5F6-D287-4528-B0CD-53FB3A5E2708}"/>
+              </a:ext>
+            </a:extLst>
+          </p:cNvPr>
+          <p:cNvPicPr>
+            <a:picLocks noChangeAspect="1"/>
+          </p:cNvPicPr>
+          <p:nvPr/>
+        </p:nvPicPr>
+        <p:blipFill>
+          <a:blip r:embed="rId3"/>
+          <a:stretch>
+            <a:fillRect/>
+          </a:stretch>
+        </p:blipFill>
+        <p:spPr>
+          <a:xfrm>
+            <a:off x="7624798" y="3924302"/>
+            <a:ext cx="4152786" cy="1156745"/>
+          </a:xfrm>
+          <a:prstGeom prst="rect">
+            <a:avLst/>
+          </a:prstGeom>
+        </p:spPr>
+      </p:pic>
     </p:spTree>
     <p:extLst>
       <p:ext uri="{BB962C8B-B14F-4D97-AF65-F5344CB8AC3E}">
-        <p14:creationId xmlns:p14="http://schemas.microsoft.com/office/powerpoint/2010/main" val="2957289673"/>
+        <p14:creationId xmlns:p14="http://schemas.microsoft.com/office/powerpoint/2010/main" val="779972683"/>
       </p:ext>
     </p:extLst>
   </p:cSld>
@@ -16135,7 +17976,7 @@
           <p:cNvPr id="2" name="Title 1">
             <a:extLst>
               <a:ext uri="{FF2B5EF4-FFF2-40B4-BE49-F238E27FC236}">
-                <a16:creationId xmlns:a16="http://schemas.microsoft.com/office/drawing/2014/main" id="{9768C59C-C702-4862-A549-47F7576DE4F8}"/>
+                <a16:creationId xmlns:a16="http://schemas.microsoft.com/office/drawing/2014/main" id="{A2D82BAA-D410-4F78-9E2F-21C550C7CF9A}"/>
               </a:ext>
             </a:extLst>
           </p:cNvPr>
@@ -16149,47 +17990,20 @@
         <p:spPr>
           <a:xfrm>
             <a:off x="838200" y="408160"/>
-            <a:ext cx="10515600" cy="845606"/>
+            <a:ext cx="10515600" cy="1005862"/>
           </a:xfrm>
         </p:spPr>
         <p:txBody>
-          <a:bodyPr/>
+          <a:bodyPr>
+            <a:normAutofit/>
+          </a:bodyPr>
           <a:lstStyle/>
           <a:p>
             <a:r>
-              <a:rPr lang="en-IN" b="1" dirty="0"/>
-              <a:t>References</a:t>
-            </a:r>
-          </a:p>
-        </p:txBody>
-      </p:sp>
-      <p:sp>
-        <p:nvSpPr>
-          <p:cNvPr id="3" name="Content Placeholder 2">
-            <a:extLst>
-              <a:ext uri="{FF2B5EF4-FFF2-40B4-BE49-F238E27FC236}">
-                <a16:creationId xmlns:a16="http://schemas.microsoft.com/office/drawing/2014/main" id="{15380240-6AF1-46F8-B467-ECFDB2965A8E}"/>
-              </a:ext>
-            </a:extLst>
-          </p:cNvPr>
-          <p:cNvSpPr>
-            <a:spLocks noGrp="1"/>
-          </p:cNvSpPr>
-          <p:nvPr>
-            <p:ph idx="1"/>
-          </p:nvPr>
-        </p:nvSpPr>
-        <p:spPr>
-          <a:xfrm>
-            <a:off x="838199" y="1335431"/>
-            <a:ext cx="10515600" cy="4530726"/>
-          </a:xfrm>
-        </p:spPr>
-        <p:txBody>
-          <a:bodyPr/>
-          <a:lstStyle/>
-          <a:p>
-            <a:endParaRPr lang="en-IN" dirty="0"/>
+              <a:rPr lang="en-US" sz="3600" b="1" dirty="0"/>
+              <a:t>Accelerating Dynamic Graph Analytics on GPUs [3]</a:t>
+            </a:r>
+            <a:endParaRPr lang="en-IN" sz="3600" dirty="0"/>
           </a:p>
         </p:txBody>
       </p:sp>
@@ -16198,7 +18012,7 @@
           <p:cNvPr id="4" name="Date Placeholder 3">
             <a:extLst>
               <a:ext uri="{FF2B5EF4-FFF2-40B4-BE49-F238E27FC236}">
-                <a16:creationId xmlns:a16="http://schemas.microsoft.com/office/drawing/2014/main" id="{539007DC-D3A3-4605-A2DD-C64F970ACBCD}"/>
+                <a16:creationId xmlns:a16="http://schemas.microsoft.com/office/drawing/2014/main" id="{A71FEA4F-3A23-476D-804E-79593E72F629}"/>
               </a:ext>
             </a:extLst>
           </p:cNvPr>
@@ -16216,7 +18030,7 @@
           <a:p>
             <a:fld id="{CB9FA82F-D473-46A5-8BC7-A7942AEE8F3B}" type="datetime5">
               <a:rPr lang="en-US" smtClean="0"/>
-              <a:t>7-Jun-19</a:t>
+              <a:t>22-Jun-19</a:t>
             </a:fld>
             <a:endParaRPr lang="en-US"/>
           </a:p>
@@ -16227,7 +18041,7 @@
           <p:cNvPr id="5" name="Footer Placeholder 4">
             <a:extLst>
               <a:ext uri="{FF2B5EF4-FFF2-40B4-BE49-F238E27FC236}">
-                <a16:creationId xmlns:a16="http://schemas.microsoft.com/office/drawing/2014/main" id="{D2EA7A25-213A-44D2-8BC7-3054CABECA08}"/>
+                <a16:creationId xmlns:a16="http://schemas.microsoft.com/office/drawing/2014/main" id="{82506E64-48BC-4E13-BBC8-64A3182978B0}"/>
               </a:ext>
             </a:extLst>
           </p:cNvPr>
@@ -16243,7 +18057,14 @@
           <a:bodyPr/>
           <a:lstStyle/>
           <a:p>
-            <a:endParaRPr lang="en-US"/>
+            <a:r>
+              <a:rPr lang="en-IN" dirty="0"/>
+              <a:t>Mo Sha et. al. VLDB 2017</a:t>
+            </a:r>
+            <a:endParaRPr lang="en-US" dirty="0"/>
+          </a:p>
+          <a:p>
+            <a:endParaRPr lang="en-US" dirty="0"/>
           </a:p>
         </p:txBody>
       </p:sp>
@@ -16252,7 +18073,7 @@
           <p:cNvPr id="6" name="Slide Number Placeholder 5">
             <a:extLst>
               <a:ext uri="{FF2B5EF4-FFF2-40B4-BE49-F238E27FC236}">
-                <a16:creationId xmlns:a16="http://schemas.microsoft.com/office/drawing/2014/main" id="{49065A78-6C0F-4757-B063-76A10642408C}"/>
+                <a16:creationId xmlns:a16="http://schemas.microsoft.com/office/drawing/2014/main" id="{38E520B3-555E-475B-A683-9779232F1FAA}"/>
               </a:ext>
             </a:extLst>
           </p:cNvPr>
@@ -16276,10 +18097,684 @@
           </a:p>
         </p:txBody>
       </p:sp>
+      <p:pic>
+        <p:nvPicPr>
+          <p:cNvPr id="7" name="Picture 6">
+            <a:extLst>
+              <a:ext uri="{FF2B5EF4-FFF2-40B4-BE49-F238E27FC236}">
+                <a16:creationId xmlns:a16="http://schemas.microsoft.com/office/drawing/2014/main" id="{999E5F98-C6C8-4C56-9B09-279423BDE4D4}"/>
+              </a:ext>
+            </a:extLst>
+          </p:cNvPr>
+          <p:cNvPicPr>
+            <a:picLocks noChangeAspect="1"/>
+          </p:cNvPicPr>
+          <p:nvPr/>
+        </p:nvPicPr>
+        <p:blipFill>
+          <a:blip r:embed="rId2"/>
+          <a:stretch>
+            <a:fillRect/>
+          </a:stretch>
+        </p:blipFill>
+        <p:spPr>
+          <a:xfrm>
+            <a:off x="0" y="1272618"/>
+            <a:ext cx="12173966" cy="2328933"/>
+          </a:xfrm>
+          <a:prstGeom prst="rect">
+            <a:avLst/>
+          </a:prstGeom>
+        </p:spPr>
+      </p:pic>
+      <p:pic>
+        <p:nvPicPr>
+          <p:cNvPr id="8" name="Picture 7">
+            <a:extLst>
+              <a:ext uri="{FF2B5EF4-FFF2-40B4-BE49-F238E27FC236}">
+                <a16:creationId xmlns:a16="http://schemas.microsoft.com/office/drawing/2014/main" id="{E3076233-148B-4E69-B065-B29C8983F425}"/>
+              </a:ext>
+            </a:extLst>
+          </p:cNvPr>
+          <p:cNvPicPr>
+            <a:picLocks noChangeAspect="1"/>
+          </p:cNvPicPr>
+          <p:nvPr/>
+        </p:nvPicPr>
+        <p:blipFill>
+          <a:blip r:embed="rId3"/>
+          <a:stretch>
+            <a:fillRect/>
+          </a:stretch>
+        </p:blipFill>
+        <p:spPr>
+          <a:xfrm>
+            <a:off x="280816" y="3763816"/>
+            <a:ext cx="4359668" cy="2401314"/>
+          </a:xfrm>
+          <a:prstGeom prst="rect">
+            <a:avLst/>
+          </a:prstGeom>
+        </p:spPr>
+      </p:pic>
+      <p:sp>
+        <p:nvSpPr>
+          <p:cNvPr id="9" name="TextBox 8">
+            <a:extLst>
+              <a:ext uri="{FF2B5EF4-FFF2-40B4-BE49-F238E27FC236}">
+                <a16:creationId xmlns:a16="http://schemas.microsoft.com/office/drawing/2014/main" id="{8B1673C5-EC47-4CC2-9A48-7D3721A9D5EB}"/>
+              </a:ext>
+            </a:extLst>
+          </p:cNvPr>
+          <p:cNvSpPr txBox="1"/>
+          <p:nvPr/>
+        </p:nvSpPr>
+        <p:spPr>
+          <a:xfrm>
+            <a:off x="4904556" y="4378787"/>
+            <a:ext cx="7287444" cy="1200329"/>
+          </a:xfrm>
+          <a:prstGeom prst="rect">
+            <a:avLst/>
+          </a:prstGeom>
+          <a:noFill/>
+        </p:spPr>
+        <p:txBody>
+          <a:bodyPr wrap="none" rtlCol="0">
+            <a:spAutoFit/>
+          </a:bodyPr>
+          <a:lstStyle/>
+          <a:p>
+            <a:pPr marL="285750" indent="-285750">
+              <a:buFont typeface="Arial" panose="020B0604020202020204" pitchFamily="34" charset="0"/>
+              <a:buChar char="•"/>
+            </a:pPr>
+            <a:r>
+              <a:rPr lang="en-IN" dirty="0"/>
+              <a:t>Updates are sorted by keys and dispatched according to the sorted order</a:t>
+            </a:r>
+          </a:p>
+          <a:p>
+            <a:pPr marL="285750" indent="-285750">
+              <a:buFont typeface="Arial" panose="020B0604020202020204" pitchFamily="34" charset="0"/>
+              <a:buChar char="•"/>
+            </a:pPr>
+            <a:r>
+              <a:rPr lang="en-IN" dirty="0"/>
+              <a:t>Updates for same leaf segments are grouped for processing</a:t>
+            </a:r>
+          </a:p>
+          <a:p>
+            <a:pPr marL="285750" indent="-285750">
+              <a:buFont typeface="Arial" panose="020B0604020202020204" pitchFamily="34" charset="0"/>
+              <a:buChar char="•"/>
+            </a:pPr>
+            <a:r>
+              <a:rPr lang="en-IN" dirty="0"/>
+              <a:t>Uses Run length encoding and exclusive scan GPU primitives</a:t>
+            </a:r>
+          </a:p>
+          <a:p>
+            <a:pPr marL="285750" indent="-285750">
+              <a:buFont typeface="Arial" panose="020B0604020202020204" pitchFamily="34" charset="0"/>
+              <a:buChar char="•"/>
+            </a:pPr>
+            <a:endParaRPr lang="en-IN" dirty="0"/>
+          </a:p>
+        </p:txBody>
+      </p:sp>
     </p:spTree>
     <p:extLst>
       <p:ext uri="{BB962C8B-B14F-4D97-AF65-F5344CB8AC3E}">
-        <p14:creationId xmlns:p14="http://schemas.microsoft.com/office/powerpoint/2010/main" val="3482532872"/>
+        <p14:creationId xmlns:p14="http://schemas.microsoft.com/office/powerpoint/2010/main" val="3395058024"/>
+      </p:ext>
+    </p:extLst>
+  </p:cSld>
+  <p:clrMapOvr>
+    <a:masterClrMapping/>
+  </p:clrMapOvr>
+</p:sld>
+</file>
+
+<file path=ppt/slides/slide8.xml><?xml version="1.0" encoding="utf-8"?>
+<p:sld xmlns:a="http://schemas.openxmlformats.org/drawingml/2006/main" xmlns:r="http://schemas.openxmlformats.org/officeDocument/2006/relationships" xmlns:p="http://schemas.openxmlformats.org/presentationml/2006/main">
+  <p:cSld>
+    <p:spTree>
+      <p:nvGrpSpPr>
+        <p:cNvPr id="1" name=""/>
+        <p:cNvGrpSpPr/>
+        <p:nvPr/>
+      </p:nvGrpSpPr>
+      <p:grpSpPr>
+        <a:xfrm>
+          <a:off x="0" y="0"/>
+          <a:ext cx="0" cy="0"/>
+          <a:chOff x="0" y="0"/>
+          <a:chExt cx="0" cy="0"/>
+        </a:xfrm>
+      </p:grpSpPr>
+      <p:sp>
+        <p:nvSpPr>
+          <p:cNvPr id="2" name="Title 1">
+            <a:extLst>
+              <a:ext uri="{FF2B5EF4-FFF2-40B4-BE49-F238E27FC236}">
+                <a16:creationId xmlns:a16="http://schemas.microsoft.com/office/drawing/2014/main" id="{DE116225-2A54-4A0B-AF4C-FB6D4B2CBA1C}"/>
+              </a:ext>
+            </a:extLst>
+          </p:cNvPr>
+          <p:cNvSpPr>
+            <a:spLocks noGrp="1"/>
+          </p:cNvSpPr>
+          <p:nvPr>
+            <p:ph type="title"/>
+          </p:nvPr>
+        </p:nvSpPr>
+        <p:spPr>
+          <a:xfrm>
+            <a:off x="838200" y="408160"/>
+            <a:ext cx="10515600" cy="1100130"/>
+          </a:xfrm>
+        </p:spPr>
+        <p:txBody>
+          <a:bodyPr>
+            <a:normAutofit/>
+          </a:bodyPr>
+          <a:lstStyle/>
+          <a:p>
+            <a:r>
+              <a:rPr lang="en-IN" sz="3200" b="1" dirty="0"/>
+              <a:t>Sub-millisecond Stateful Stream Querying over Fast-evolving Linked Data [4]</a:t>
+            </a:r>
+            <a:endParaRPr lang="en-IN" sz="3200" dirty="0"/>
+          </a:p>
+        </p:txBody>
+      </p:sp>
+      <p:sp>
+        <p:nvSpPr>
+          <p:cNvPr id="3" name="Content Placeholder 2">
+            <a:extLst>
+              <a:ext uri="{FF2B5EF4-FFF2-40B4-BE49-F238E27FC236}">
+                <a16:creationId xmlns:a16="http://schemas.microsoft.com/office/drawing/2014/main" id="{79CFBFF0-AEE7-4A96-8D8F-91F789586B82}"/>
+              </a:ext>
+            </a:extLst>
+          </p:cNvPr>
+          <p:cNvSpPr>
+            <a:spLocks noGrp="1"/>
+          </p:cNvSpPr>
+          <p:nvPr>
+            <p:ph idx="1"/>
+          </p:nvPr>
+        </p:nvSpPr>
+        <p:spPr>
+          <a:xfrm>
+            <a:off x="838200" y="1508290"/>
+            <a:ext cx="10652760" cy="4848061"/>
+          </a:xfrm>
+        </p:spPr>
+        <p:txBody>
+          <a:bodyPr/>
+          <a:lstStyle/>
+          <a:p>
+            <a:r>
+              <a:rPr lang="en-IN" dirty="0" err="1"/>
+              <a:t>Wukong+S</a:t>
+            </a:r>
+            <a:r>
+              <a:rPr lang="en-IN" dirty="0"/>
+              <a:t> – Stream processor and persistent storage &amp; state sharing</a:t>
+            </a:r>
+          </a:p>
+          <a:p>
+            <a:r>
+              <a:rPr lang="en-IN" dirty="0"/>
+              <a:t>Hybrid store with efficient stream index and locality aware partitioning</a:t>
+            </a:r>
+          </a:p>
+        </p:txBody>
+      </p:sp>
+      <p:sp>
+        <p:nvSpPr>
+          <p:cNvPr id="4" name="Date Placeholder 3">
+            <a:extLst>
+              <a:ext uri="{FF2B5EF4-FFF2-40B4-BE49-F238E27FC236}">
+                <a16:creationId xmlns:a16="http://schemas.microsoft.com/office/drawing/2014/main" id="{F4B00A35-5622-4187-8738-B01C3C5CE40F}"/>
+              </a:ext>
+            </a:extLst>
+          </p:cNvPr>
+          <p:cNvSpPr>
+            <a:spLocks noGrp="1"/>
+          </p:cNvSpPr>
+          <p:nvPr>
+            <p:ph type="dt" sz="half" idx="10"/>
+          </p:nvPr>
+        </p:nvSpPr>
+        <p:spPr/>
+        <p:txBody>
+          <a:bodyPr/>
+          <a:lstStyle/>
+          <a:p>
+            <a:fld id="{CB9FA82F-D473-46A5-8BC7-A7942AEE8F3B}" type="datetime5">
+              <a:rPr lang="en-US" smtClean="0"/>
+              <a:t>22-Jun-19</a:t>
+            </a:fld>
+            <a:endParaRPr lang="en-US"/>
+          </a:p>
+        </p:txBody>
+      </p:sp>
+      <p:sp>
+        <p:nvSpPr>
+          <p:cNvPr id="5" name="Footer Placeholder 4">
+            <a:extLst>
+              <a:ext uri="{FF2B5EF4-FFF2-40B4-BE49-F238E27FC236}">
+                <a16:creationId xmlns:a16="http://schemas.microsoft.com/office/drawing/2014/main" id="{3A45870A-C90E-415F-BE70-1EFEFFE0E6BD}"/>
+              </a:ext>
+            </a:extLst>
+          </p:cNvPr>
+          <p:cNvSpPr>
+            <a:spLocks noGrp="1"/>
+          </p:cNvSpPr>
+          <p:nvPr>
+            <p:ph type="ftr" sz="quarter" idx="11"/>
+          </p:nvPr>
+        </p:nvSpPr>
+        <p:spPr/>
+        <p:txBody>
+          <a:bodyPr/>
+          <a:lstStyle/>
+          <a:p>
+            <a:r>
+              <a:rPr lang="en-US" dirty="0"/>
+              <a:t>Yunhao et. Al. SOSP 2017</a:t>
+            </a:r>
+          </a:p>
+        </p:txBody>
+      </p:sp>
+      <p:sp>
+        <p:nvSpPr>
+          <p:cNvPr id="6" name="Slide Number Placeholder 5">
+            <a:extLst>
+              <a:ext uri="{FF2B5EF4-FFF2-40B4-BE49-F238E27FC236}">
+                <a16:creationId xmlns:a16="http://schemas.microsoft.com/office/drawing/2014/main" id="{F7752710-6C67-4A53-9BF4-84832D516958}"/>
+              </a:ext>
+            </a:extLst>
+          </p:cNvPr>
+          <p:cNvSpPr>
+            <a:spLocks noGrp="1"/>
+          </p:cNvSpPr>
+          <p:nvPr>
+            <p:ph type="sldNum" sz="quarter" idx="12"/>
+          </p:nvPr>
+        </p:nvSpPr>
+        <p:spPr/>
+        <p:txBody>
+          <a:bodyPr/>
+          <a:lstStyle/>
+          <a:p>
+            <a:fld id="{9EFCAA85-8796-4B17-9CA3-4CB18724EF60}" type="slidenum">
+              <a:rPr lang="en-US" smtClean="0"/>
+              <a:t>8</a:t>
+            </a:fld>
+            <a:endParaRPr lang="en-US"/>
+          </a:p>
+        </p:txBody>
+      </p:sp>
+      <p:pic>
+        <p:nvPicPr>
+          <p:cNvPr id="8" name="Picture 7">
+            <a:extLst>
+              <a:ext uri="{FF2B5EF4-FFF2-40B4-BE49-F238E27FC236}">
+                <a16:creationId xmlns:a16="http://schemas.microsoft.com/office/drawing/2014/main" id="{F482EC1C-4CC5-4333-B661-C58C60F53F29}"/>
+              </a:ext>
+            </a:extLst>
+          </p:cNvPr>
+          <p:cNvPicPr>
+            <a:picLocks noChangeAspect="1"/>
+          </p:cNvPicPr>
+          <p:nvPr/>
+        </p:nvPicPr>
+        <p:blipFill>
+          <a:blip r:embed="rId2"/>
+          <a:stretch>
+            <a:fillRect/>
+          </a:stretch>
+        </p:blipFill>
+        <p:spPr>
+          <a:xfrm>
+            <a:off x="838199" y="2711992"/>
+            <a:ext cx="6563339" cy="2764981"/>
+          </a:xfrm>
+          <a:prstGeom prst="rect">
+            <a:avLst/>
+          </a:prstGeom>
+        </p:spPr>
+      </p:pic>
+      <p:sp>
+        <p:nvSpPr>
+          <p:cNvPr id="9" name="TextBox 8">
+            <a:extLst>
+              <a:ext uri="{FF2B5EF4-FFF2-40B4-BE49-F238E27FC236}">
+                <a16:creationId xmlns:a16="http://schemas.microsoft.com/office/drawing/2014/main" id="{0FF6FFB9-6AC3-4C6D-B3CB-5A1CDF8C3E29}"/>
+              </a:ext>
+            </a:extLst>
+          </p:cNvPr>
+          <p:cNvSpPr txBox="1"/>
+          <p:nvPr/>
+        </p:nvSpPr>
+        <p:spPr>
+          <a:xfrm>
+            <a:off x="7569724" y="3110845"/>
+            <a:ext cx="4538914" cy="1477328"/>
+          </a:xfrm>
+          <a:prstGeom prst="rect">
+            <a:avLst/>
+          </a:prstGeom>
+          <a:noFill/>
+        </p:spPr>
+        <p:txBody>
+          <a:bodyPr wrap="square" rtlCol="0">
+            <a:spAutoFit/>
+          </a:bodyPr>
+          <a:lstStyle/>
+          <a:p>
+            <a:pPr marL="285750" indent="-285750">
+              <a:buFont typeface="Arial" panose="020B0604020202020204" pitchFamily="34" charset="0"/>
+              <a:buChar char="•"/>
+            </a:pPr>
+            <a:r>
+              <a:rPr lang="en-IN" dirty="0"/>
+              <a:t>Fault tolerance using checkpointing</a:t>
+            </a:r>
+          </a:p>
+          <a:p>
+            <a:pPr marL="285750" indent="-285750">
+              <a:buFont typeface="Arial" panose="020B0604020202020204" pitchFamily="34" charset="0"/>
+              <a:buChar char="•"/>
+            </a:pPr>
+            <a:r>
+              <a:rPr lang="en-IN" dirty="0"/>
+              <a:t>At least once semantics</a:t>
+            </a:r>
+          </a:p>
+          <a:p>
+            <a:pPr marL="285750" indent="-285750">
+              <a:buFont typeface="Arial" panose="020B0604020202020204" pitchFamily="34" charset="0"/>
+              <a:buChar char="•"/>
+            </a:pPr>
+            <a:r>
+              <a:rPr lang="en-IN" dirty="0"/>
+              <a:t>Bounded snapshot scalarization</a:t>
+            </a:r>
+          </a:p>
+          <a:p>
+            <a:pPr marL="285750" indent="-285750">
+              <a:buFont typeface="Arial" panose="020B0604020202020204" pitchFamily="34" charset="0"/>
+              <a:buChar char="•"/>
+            </a:pPr>
+            <a:r>
+              <a:rPr lang="en-IN" dirty="0"/>
+              <a:t>Implemented on RDMA based nodes</a:t>
+            </a:r>
+          </a:p>
+          <a:p>
+            <a:pPr marL="285750" indent="-285750">
+              <a:buFont typeface="Arial" panose="020B0604020202020204" pitchFamily="34" charset="0"/>
+              <a:buChar char="•"/>
+            </a:pPr>
+            <a:endParaRPr lang="en-IN" dirty="0"/>
+          </a:p>
+        </p:txBody>
+      </p:sp>
+    </p:spTree>
+    <p:extLst>
+      <p:ext uri="{BB962C8B-B14F-4D97-AF65-F5344CB8AC3E}">
+        <p14:creationId xmlns:p14="http://schemas.microsoft.com/office/powerpoint/2010/main" val="3306951985"/>
+      </p:ext>
+    </p:extLst>
+  </p:cSld>
+  <p:clrMapOvr>
+    <a:masterClrMapping/>
+  </p:clrMapOvr>
+</p:sld>
+</file>
+
+<file path=ppt/slides/slide9.xml><?xml version="1.0" encoding="utf-8"?>
+<p:sld xmlns:a="http://schemas.openxmlformats.org/drawingml/2006/main" xmlns:r="http://schemas.openxmlformats.org/officeDocument/2006/relationships" xmlns:p="http://schemas.openxmlformats.org/presentationml/2006/main">
+  <p:cSld>
+    <p:spTree>
+      <p:nvGrpSpPr>
+        <p:cNvPr id="1" name=""/>
+        <p:cNvGrpSpPr/>
+        <p:nvPr/>
+      </p:nvGrpSpPr>
+      <p:grpSpPr>
+        <a:xfrm>
+          <a:off x="0" y="0"/>
+          <a:ext cx="0" cy="0"/>
+          <a:chOff x="0" y="0"/>
+          <a:chExt cx="0" cy="0"/>
+        </a:xfrm>
+      </p:grpSpPr>
+      <p:sp>
+        <p:nvSpPr>
+          <p:cNvPr id="2" name="Title 1">
+            <a:extLst>
+              <a:ext uri="{FF2B5EF4-FFF2-40B4-BE49-F238E27FC236}">
+                <a16:creationId xmlns:a16="http://schemas.microsoft.com/office/drawing/2014/main" id="{B8ED9F06-AE9F-4502-B058-A4EEA21FC602}"/>
+              </a:ext>
+            </a:extLst>
+          </p:cNvPr>
+          <p:cNvSpPr>
+            <a:spLocks noGrp="1"/>
+          </p:cNvSpPr>
+          <p:nvPr>
+            <p:ph type="title"/>
+          </p:nvPr>
+        </p:nvSpPr>
+        <p:spPr>
+          <a:xfrm>
+            <a:off x="838199" y="609747"/>
+            <a:ext cx="10515600" cy="864460"/>
+          </a:xfrm>
+        </p:spPr>
+        <p:txBody>
+          <a:bodyPr>
+            <a:noAutofit/>
+          </a:bodyPr>
+          <a:lstStyle/>
+          <a:p>
+            <a:r>
+              <a:rPr lang="en-IN" sz="3600" b="1" dirty="0"/>
+              <a:t>Sub-millisecond Stateful Stream Querying over Fast-evolving Linked Data [4]</a:t>
+            </a:r>
+            <a:endParaRPr lang="en-IN" sz="3600" dirty="0"/>
+          </a:p>
+        </p:txBody>
+      </p:sp>
+      <p:pic>
+        <p:nvPicPr>
+          <p:cNvPr id="7" name="Content Placeholder 6">
+            <a:extLst>
+              <a:ext uri="{FF2B5EF4-FFF2-40B4-BE49-F238E27FC236}">
+                <a16:creationId xmlns:a16="http://schemas.microsoft.com/office/drawing/2014/main" id="{1858D650-6E6C-4636-A9E9-AB23F24767F5}"/>
+              </a:ext>
+            </a:extLst>
+          </p:cNvPr>
+          <p:cNvPicPr>
+            <a:picLocks noGrp="1" noChangeAspect="1"/>
+          </p:cNvPicPr>
+          <p:nvPr>
+            <p:ph idx="1"/>
+          </p:nvPr>
+        </p:nvPicPr>
+        <p:blipFill>
+          <a:blip r:embed="rId2"/>
+          <a:stretch>
+            <a:fillRect/>
+          </a:stretch>
+        </p:blipFill>
+        <p:spPr>
+          <a:xfrm>
+            <a:off x="533169" y="1690321"/>
+            <a:ext cx="5831288" cy="1891929"/>
+          </a:xfrm>
+          <a:prstGeom prst="rect">
+            <a:avLst/>
+          </a:prstGeom>
+        </p:spPr>
+      </p:pic>
+      <p:sp>
+        <p:nvSpPr>
+          <p:cNvPr id="4" name="Date Placeholder 3">
+            <a:extLst>
+              <a:ext uri="{FF2B5EF4-FFF2-40B4-BE49-F238E27FC236}">
+                <a16:creationId xmlns:a16="http://schemas.microsoft.com/office/drawing/2014/main" id="{44F3A846-C8A6-481C-9D79-5A64EDB614BD}"/>
+              </a:ext>
+            </a:extLst>
+          </p:cNvPr>
+          <p:cNvSpPr>
+            <a:spLocks noGrp="1"/>
+          </p:cNvSpPr>
+          <p:nvPr>
+            <p:ph type="dt" sz="half" idx="10"/>
+          </p:nvPr>
+        </p:nvSpPr>
+        <p:spPr/>
+        <p:txBody>
+          <a:bodyPr/>
+          <a:lstStyle/>
+          <a:p>
+            <a:fld id="{CB9FA82F-D473-46A5-8BC7-A7942AEE8F3B}" type="datetime5">
+              <a:rPr lang="en-US" smtClean="0"/>
+              <a:t>22-Jun-19</a:t>
+            </a:fld>
+            <a:endParaRPr lang="en-US"/>
+          </a:p>
+        </p:txBody>
+      </p:sp>
+      <p:sp>
+        <p:nvSpPr>
+          <p:cNvPr id="5" name="Footer Placeholder 4">
+            <a:extLst>
+              <a:ext uri="{FF2B5EF4-FFF2-40B4-BE49-F238E27FC236}">
+                <a16:creationId xmlns:a16="http://schemas.microsoft.com/office/drawing/2014/main" id="{D8274F6D-0FE9-4504-A4DB-5D3796568BBB}"/>
+              </a:ext>
+            </a:extLst>
+          </p:cNvPr>
+          <p:cNvSpPr>
+            <a:spLocks noGrp="1"/>
+          </p:cNvSpPr>
+          <p:nvPr>
+            <p:ph type="ftr" sz="quarter" idx="11"/>
+          </p:nvPr>
+        </p:nvSpPr>
+        <p:spPr/>
+        <p:txBody>
+          <a:bodyPr/>
+          <a:lstStyle/>
+          <a:p>
+            <a:r>
+              <a:rPr lang="en-US" dirty="0"/>
+              <a:t>Yunhao et. Al. SOSP 2017</a:t>
+            </a:r>
+          </a:p>
+          <a:p>
+            <a:endParaRPr lang="en-US" dirty="0"/>
+          </a:p>
+        </p:txBody>
+      </p:sp>
+      <p:sp>
+        <p:nvSpPr>
+          <p:cNvPr id="6" name="Slide Number Placeholder 5">
+            <a:extLst>
+              <a:ext uri="{FF2B5EF4-FFF2-40B4-BE49-F238E27FC236}">
+                <a16:creationId xmlns:a16="http://schemas.microsoft.com/office/drawing/2014/main" id="{05EF40AF-C59D-4F94-BB5B-48715517047F}"/>
+              </a:ext>
+            </a:extLst>
+          </p:cNvPr>
+          <p:cNvSpPr>
+            <a:spLocks noGrp="1"/>
+          </p:cNvSpPr>
+          <p:nvPr>
+            <p:ph type="sldNum" sz="quarter" idx="12"/>
+          </p:nvPr>
+        </p:nvSpPr>
+        <p:spPr/>
+        <p:txBody>
+          <a:bodyPr/>
+          <a:lstStyle/>
+          <a:p>
+            <a:fld id="{9EFCAA85-8796-4B17-9CA3-4CB18724EF60}" type="slidenum">
+              <a:rPr lang="en-US" smtClean="0"/>
+              <a:t>9</a:t>
+            </a:fld>
+            <a:endParaRPr lang="en-US"/>
+          </a:p>
+        </p:txBody>
+      </p:sp>
+      <p:pic>
+        <p:nvPicPr>
+          <p:cNvPr id="9" name="Picture 8">
+            <a:extLst>
+              <a:ext uri="{FF2B5EF4-FFF2-40B4-BE49-F238E27FC236}">
+                <a16:creationId xmlns:a16="http://schemas.microsoft.com/office/drawing/2014/main" id="{0DD2C6F2-0BFC-4866-ACB4-88C271A694BD}"/>
+              </a:ext>
+            </a:extLst>
+          </p:cNvPr>
+          <p:cNvPicPr>
+            <a:picLocks noChangeAspect="1"/>
+          </p:cNvPicPr>
+          <p:nvPr/>
+        </p:nvPicPr>
+        <p:blipFill>
+          <a:blip r:embed="rId3"/>
+          <a:stretch>
+            <a:fillRect/>
+          </a:stretch>
+        </p:blipFill>
+        <p:spPr>
+          <a:xfrm>
+            <a:off x="6552003" y="1585046"/>
+            <a:ext cx="5404327" cy="1987447"/>
+          </a:xfrm>
+          <a:prstGeom prst="rect">
+            <a:avLst/>
+          </a:prstGeom>
+        </p:spPr>
+      </p:pic>
+      <p:pic>
+        <p:nvPicPr>
+          <p:cNvPr id="10" name="Picture 9">
+            <a:extLst>
+              <a:ext uri="{FF2B5EF4-FFF2-40B4-BE49-F238E27FC236}">
+                <a16:creationId xmlns:a16="http://schemas.microsoft.com/office/drawing/2014/main" id="{AE6336C5-8CDE-456C-8E11-21D7078B38AB}"/>
+              </a:ext>
+            </a:extLst>
+          </p:cNvPr>
+          <p:cNvPicPr>
+            <a:picLocks noChangeAspect="1"/>
+          </p:cNvPicPr>
+          <p:nvPr/>
+        </p:nvPicPr>
+        <p:blipFill>
+          <a:blip r:embed="rId4"/>
+          <a:stretch>
+            <a:fillRect/>
+          </a:stretch>
+        </p:blipFill>
+        <p:spPr>
+          <a:xfrm>
+            <a:off x="3038354" y="3683332"/>
+            <a:ext cx="6250757" cy="2110185"/>
+          </a:xfrm>
+          <a:prstGeom prst="rect">
+            <a:avLst/>
+          </a:prstGeom>
+        </p:spPr>
+      </p:pic>
+    </p:spTree>
+    <p:extLst>
+      <p:ext uri="{BB962C8B-B14F-4D97-AF65-F5344CB8AC3E}">
+        <p14:creationId xmlns:p14="http://schemas.microsoft.com/office/powerpoint/2010/main" val="300989516"/>
       </p:ext>
     </p:extLst>
   </p:cSld>
